--- a/발표자료/스크립트언어-최종발표.pptx
+++ b/발표자료/스크립트언어-최종발표.pptx
@@ -5,20 +5,22 @@
     <p:sldMasterId id="2147483648" r:id="rId1"/>
   </p:sldMasterIdLst>
   <p:notesMasterIdLst>
-    <p:notesMasterId r:id="rId13"/>
+    <p:notesMasterId r:id="rId15"/>
   </p:notesMasterIdLst>
   <p:sldIdLst>
     <p:sldId id="285" r:id="rId2"/>
     <p:sldId id="282" r:id="rId3"/>
     <p:sldId id="298" r:id="rId4"/>
-    <p:sldId id="299" r:id="rId5"/>
-    <p:sldId id="293" r:id="rId6"/>
-    <p:sldId id="294" r:id="rId7"/>
-    <p:sldId id="289" r:id="rId8"/>
-    <p:sldId id="295" r:id="rId9"/>
-    <p:sldId id="304" r:id="rId10"/>
-    <p:sldId id="301" r:id="rId11"/>
-    <p:sldId id="303" r:id="rId12"/>
+    <p:sldId id="306" r:id="rId5"/>
+    <p:sldId id="309" r:id="rId6"/>
+    <p:sldId id="299" r:id="rId7"/>
+    <p:sldId id="293" r:id="rId8"/>
+    <p:sldId id="294" r:id="rId9"/>
+    <p:sldId id="289" r:id="rId10"/>
+    <p:sldId id="295" r:id="rId11"/>
+    <p:sldId id="304" r:id="rId12"/>
+    <p:sldId id="301" r:id="rId13"/>
+    <p:sldId id="303" r:id="rId14"/>
   </p:sldIdLst>
   <p:sldSz cx="12192000" cy="6858000"/>
   <p:notesSz cx="6858000" cy="9144000"/>
@@ -221,7 +223,7 @@
           <a:p>
             <a:fld id="{A95EC68C-9018-4E04-8B39-5659FE5775CE}" type="datetimeFigureOut">
               <a:rPr lang="ko-KR" altLang="en-US" smtClean="0"/>
-              <a:t>2022-06-07</a:t>
+              <a:t>2022-06-12</a:t>
             </a:fld>
             <a:endParaRPr lang="ko-KR" altLang="en-US"/>
           </a:p>
@@ -572,6 +574,150 @@
 </p:notes>
 </file>
 
+<file path=ppt/notesSlides/notesSlide10.xml><?xml version="1.0" encoding="utf-8"?>
+<p:notes xmlns:a="http://schemas.openxmlformats.org/drawingml/2006/main" xmlns:r="http://schemas.openxmlformats.org/officeDocument/2006/relationships" xmlns:p="http://schemas.openxmlformats.org/presentationml/2006/main">
+  <p:cSld>
+    <p:spTree>
+      <p:nvGrpSpPr>
+        <p:cNvPr id="1" name=""/>
+        <p:cNvGrpSpPr/>
+        <p:nvPr/>
+      </p:nvGrpSpPr>
+      <p:grpSpPr>
+        <a:xfrm>
+          <a:off x="0" y="0"/>
+          <a:ext cx="0" cy="0"/>
+          <a:chOff x="0" y="0"/>
+          <a:chExt cx="0" cy="0"/>
+        </a:xfrm>
+      </p:grpSpPr>
+      <p:sp>
+        <p:nvSpPr>
+          <p:cNvPr id="2" name="슬라이드 이미지 개체 틀 1"/>
+          <p:cNvSpPr>
+            <a:spLocks noGrp="1" noRot="1" noChangeAspect="1"/>
+          </p:cNvSpPr>
+          <p:nvPr>
+            <p:ph type="sldImg"/>
+          </p:nvPr>
+        </p:nvSpPr>
+        <p:spPr/>
+      </p:sp>
+      <p:sp>
+        <p:nvSpPr>
+          <p:cNvPr id="3" name="슬라이드 노트 개체 틀 2"/>
+          <p:cNvSpPr>
+            <a:spLocks noGrp="1"/>
+          </p:cNvSpPr>
+          <p:nvPr>
+            <p:ph type="body" idx="1"/>
+          </p:nvPr>
+        </p:nvSpPr>
+        <p:spPr/>
+        <p:txBody>
+          <a:bodyPr/>
+          <a:lstStyle/>
+          <a:p>
+            <a:endParaRPr lang="ko-KR" altLang="en-US" dirty="0"/>
+          </a:p>
+        </p:txBody>
+      </p:sp>
+      <p:sp>
+        <p:nvSpPr>
+          <p:cNvPr id="4" name="슬라이드 번호 개체 틀 3"/>
+          <p:cNvSpPr>
+            <a:spLocks noGrp="1"/>
+          </p:cNvSpPr>
+          <p:nvPr>
+            <p:ph type="sldNum" sz="quarter" idx="5"/>
+          </p:nvPr>
+        </p:nvSpPr>
+        <p:spPr/>
+        <p:txBody>
+          <a:bodyPr/>
+          <a:lstStyle/>
+          <a:p>
+            <a:pPr marL="0" marR="0" lvl="0" indent="0" algn="r" defTabSz="914400" rtl="0" eaLnBrk="1" fontAlgn="auto" latinLnBrk="1" hangingPunct="1">
+              <a:lnSpc>
+                <a:spcPct val="100000"/>
+              </a:lnSpc>
+              <a:spcBef>
+                <a:spcPts val="0"/>
+              </a:spcBef>
+              <a:spcAft>
+                <a:spcPts val="0"/>
+              </a:spcAft>
+              <a:buClrTx/>
+              <a:buSzTx/>
+              <a:buFontTx/>
+              <a:buNone/>
+              <a:tabLst/>
+              <a:defRPr/>
+            </a:pPr>
+            <a:fld id="{64678AB1-E21A-43B6-BD14-C8BB7D8057D1}" type="slidenum">
+              <a:rPr kumimoji="0" lang="ko-KR" altLang="en-US" sz="1200" b="0" i="0" u="none" strike="noStrike" kern="1200" cap="none" spc="0" normalizeH="0" baseline="0" noProof="0" smtClean="0">
+                <a:ln>
+                  <a:noFill/>
+                </a:ln>
+                <a:solidFill>
+                  <a:prstClr val="black"/>
+                </a:solidFill>
+                <a:effectLst/>
+                <a:uLnTx/>
+                <a:uFillTx/>
+                <a:latin typeface="맑은 고딕" panose="020F0502020204030204"/>
+                <a:ea typeface="맑은 고딕" panose="020B0503020000020004" pitchFamily="50" charset="-127"/>
+                <a:cs typeface="+mn-cs"/>
+              </a:rPr>
+              <a:pPr marL="0" marR="0" lvl="0" indent="0" algn="r" defTabSz="914400" rtl="0" eaLnBrk="1" fontAlgn="auto" latinLnBrk="1" hangingPunct="1">
+                <a:lnSpc>
+                  <a:spcPct val="100000"/>
+                </a:lnSpc>
+                <a:spcBef>
+                  <a:spcPts val="0"/>
+                </a:spcBef>
+                <a:spcAft>
+                  <a:spcPts val="0"/>
+                </a:spcAft>
+                <a:buClrTx/>
+                <a:buSzTx/>
+                <a:buFontTx/>
+                <a:buNone/>
+                <a:tabLst/>
+                <a:defRPr/>
+              </a:pPr>
+              <a:t>13</a:t>
+            </a:fld>
+            <a:endParaRPr kumimoji="0" lang="ko-KR" altLang="en-US" sz="1200" b="0" i="0" u="none" strike="noStrike" kern="1200" cap="none" spc="0" normalizeH="0" baseline="0" noProof="0">
+              <a:ln>
+                <a:noFill/>
+              </a:ln>
+              <a:solidFill>
+                <a:prstClr val="black"/>
+              </a:solidFill>
+              <a:effectLst/>
+              <a:uLnTx/>
+              <a:uFillTx/>
+              <a:latin typeface="맑은 고딕" panose="020F0502020204030204"/>
+              <a:ea typeface="맑은 고딕" panose="020B0503020000020004" pitchFamily="50" charset="-127"/>
+              <a:cs typeface="+mn-cs"/>
+            </a:endParaRPr>
+          </a:p>
+        </p:txBody>
+      </p:sp>
+    </p:spTree>
+    <p:extLst>
+      <p:ext uri="{BB962C8B-B14F-4D97-AF65-F5344CB8AC3E}">
+        <p14:creationId xmlns:p14="http://schemas.microsoft.com/office/powerpoint/2010/main" val="769375754"/>
+      </p:ext>
+    </p:extLst>
+  </p:cSld>
+  <p:clrMapOvr>
+    <a:masterClrMapping/>
+  </p:clrMapOvr>
+</p:notes>
+</file>
+
 <file path=ppt/notesSlides/notesSlide2.xml><?xml version="1.0" encoding="utf-8"?>
 <p:notes xmlns:a="http://schemas.openxmlformats.org/drawingml/2006/main" xmlns:r="http://schemas.openxmlformats.org/officeDocument/2006/relationships" xmlns:p="http://schemas.openxmlformats.org/presentationml/2006/main">
   <p:cSld>
@@ -635,78 +781,18 @@
           <a:bodyPr/>
           <a:lstStyle/>
           <a:p>
-            <a:pPr marL="0" marR="0" lvl="0" indent="0" algn="r" defTabSz="914400" rtl="0" eaLnBrk="1" fontAlgn="auto" latinLnBrk="1" hangingPunct="1">
-              <a:lnSpc>
-                <a:spcPct val="100000"/>
-              </a:lnSpc>
-              <a:spcBef>
-                <a:spcPts val="0"/>
-              </a:spcBef>
-              <a:spcAft>
-                <a:spcPts val="0"/>
-              </a:spcAft>
-              <a:buClrTx/>
-              <a:buSzTx/>
-              <a:buFontTx/>
-              <a:buNone/>
-              <a:tabLst/>
-              <a:defRPr/>
-            </a:pPr>
             <a:fld id="{64678AB1-E21A-43B6-BD14-C8BB7D8057D1}" type="slidenum">
-              <a:rPr kumimoji="0" lang="ko-KR" altLang="en-US" sz="1200" b="0" i="0" u="none" strike="noStrike" kern="1200" cap="none" spc="0" normalizeH="0" baseline="0" noProof="0" smtClean="0">
-                <a:ln>
-                  <a:noFill/>
-                </a:ln>
-                <a:solidFill>
-                  <a:prstClr val="black"/>
-                </a:solidFill>
-                <a:effectLst/>
-                <a:uLnTx/>
-                <a:uFillTx/>
-                <a:latin typeface="맑은 고딕" panose="020F0502020204030204"/>
-                <a:ea typeface="맑은 고딕" panose="020B0503020000020004" pitchFamily="50" charset="-127"/>
-                <a:cs typeface="+mn-cs"/>
-              </a:rPr>
-              <a:pPr marL="0" marR="0" lvl="0" indent="0" algn="r" defTabSz="914400" rtl="0" eaLnBrk="1" fontAlgn="auto" latinLnBrk="1" hangingPunct="1">
-                <a:lnSpc>
-                  <a:spcPct val="100000"/>
-                </a:lnSpc>
-                <a:spcBef>
-                  <a:spcPts val="0"/>
-                </a:spcBef>
-                <a:spcAft>
-                  <a:spcPts val="0"/>
-                </a:spcAft>
-                <a:buClrTx/>
-                <a:buSzTx/>
-                <a:buFontTx/>
-                <a:buNone/>
-                <a:tabLst/>
-                <a:defRPr/>
-              </a:pPr>
-              <a:t>5</a:t>
+              <a:rPr lang="ko-KR" altLang="en-US" smtClean="0"/>
+              <a:t>4</a:t>
             </a:fld>
-            <a:endParaRPr kumimoji="0" lang="ko-KR" altLang="en-US" sz="1200" b="0" i="0" u="none" strike="noStrike" kern="1200" cap="none" spc="0" normalizeH="0" baseline="0" noProof="0">
-              <a:ln>
-                <a:noFill/>
-              </a:ln>
-              <a:solidFill>
-                <a:prstClr val="black"/>
-              </a:solidFill>
-              <a:effectLst/>
-              <a:uLnTx/>
-              <a:uFillTx/>
-              <a:latin typeface="맑은 고딕" panose="020F0502020204030204"/>
-              <a:ea typeface="맑은 고딕" panose="020B0503020000020004" pitchFamily="50" charset="-127"/>
-              <a:cs typeface="+mn-cs"/>
-            </a:endParaRPr>
+            <a:endParaRPr lang="ko-KR" altLang="en-US"/>
           </a:p>
         </p:txBody>
       </p:sp>
     </p:spTree>
     <p:extLst>
       <p:ext uri="{BB962C8B-B14F-4D97-AF65-F5344CB8AC3E}">
-        <p14:creationId xmlns:p14="http://schemas.microsoft.com/office/powerpoint/2010/main" val="1458947951"/>
+        <p14:creationId xmlns:p14="http://schemas.microsoft.com/office/powerpoint/2010/main" val="3491028351"/>
       </p:ext>
     </p:extLst>
   </p:cSld>
@@ -779,78 +865,18 @@
           <a:bodyPr/>
           <a:lstStyle/>
           <a:p>
-            <a:pPr marL="0" marR="0" lvl="0" indent="0" algn="r" defTabSz="914400" rtl="0" eaLnBrk="1" fontAlgn="auto" latinLnBrk="1" hangingPunct="1">
-              <a:lnSpc>
-                <a:spcPct val="100000"/>
-              </a:lnSpc>
-              <a:spcBef>
-                <a:spcPts val="0"/>
-              </a:spcBef>
-              <a:spcAft>
-                <a:spcPts val="0"/>
-              </a:spcAft>
-              <a:buClrTx/>
-              <a:buSzTx/>
-              <a:buFontTx/>
-              <a:buNone/>
-              <a:tabLst/>
-              <a:defRPr/>
-            </a:pPr>
             <a:fld id="{64678AB1-E21A-43B6-BD14-C8BB7D8057D1}" type="slidenum">
-              <a:rPr kumimoji="0" lang="ko-KR" altLang="en-US" sz="1200" b="0" i="0" u="none" strike="noStrike" kern="1200" cap="none" spc="0" normalizeH="0" baseline="0" noProof="0" smtClean="0">
-                <a:ln>
-                  <a:noFill/>
-                </a:ln>
-                <a:solidFill>
-                  <a:prstClr val="black"/>
-                </a:solidFill>
-                <a:effectLst/>
-                <a:uLnTx/>
-                <a:uFillTx/>
-                <a:latin typeface="맑은 고딕" panose="020F0502020204030204"/>
-                <a:ea typeface="맑은 고딕" panose="020B0503020000020004" pitchFamily="50" charset="-127"/>
-                <a:cs typeface="+mn-cs"/>
-              </a:rPr>
-              <a:pPr marL="0" marR="0" lvl="0" indent="0" algn="r" defTabSz="914400" rtl="0" eaLnBrk="1" fontAlgn="auto" latinLnBrk="1" hangingPunct="1">
-                <a:lnSpc>
-                  <a:spcPct val="100000"/>
-                </a:lnSpc>
-                <a:spcBef>
-                  <a:spcPts val="0"/>
-                </a:spcBef>
-                <a:spcAft>
-                  <a:spcPts val="0"/>
-                </a:spcAft>
-                <a:buClrTx/>
-                <a:buSzTx/>
-                <a:buFontTx/>
-                <a:buNone/>
-                <a:tabLst/>
-                <a:defRPr/>
-              </a:pPr>
-              <a:t>6</a:t>
+              <a:rPr lang="ko-KR" altLang="en-US" smtClean="0"/>
+              <a:t>5</a:t>
             </a:fld>
-            <a:endParaRPr kumimoji="0" lang="ko-KR" altLang="en-US" sz="1200" b="0" i="0" u="none" strike="noStrike" kern="1200" cap="none" spc="0" normalizeH="0" baseline="0" noProof="0">
-              <a:ln>
-                <a:noFill/>
-              </a:ln>
-              <a:solidFill>
-                <a:prstClr val="black"/>
-              </a:solidFill>
-              <a:effectLst/>
-              <a:uLnTx/>
-              <a:uFillTx/>
-              <a:latin typeface="맑은 고딕" panose="020F0502020204030204"/>
-              <a:ea typeface="맑은 고딕" panose="020B0503020000020004" pitchFamily="50" charset="-127"/>
-              <a:cs typeface="+mn-cs"/>
-            </a:endParaRPr>
+            <a:endParaRPr lang="ko-KR" altLang="en-US"/>
           </a:p>
         </p:txBody>
       </p:sp>
     </p:spTree>
     <p:extLst>
       <p:ext uri="{BB962C8B-B14F-4D97-AF65-F5344CB8AC3E}">
-        <p14:creationId xmlns:p14="http://schemas.microsoft.com/office/powerpoint/2010/main" val="1748549380"/>
+        <p14:creationId xmlns:p14="http://schemas.microsoft.com/office/powerpoint/2010/main" val="2675714333"/>
       </p:ext>
     </p:extLst>
   </p:cSld>
@@ -923,18 +949,78 @@
           <a:bodyPr/>
           <a:lstStyle/>
           <a:p>
+            <a:pPr marL="0" marR="0" lvl="0" indent="0" algn="r" defTabSz="914400" rtl="0" eaLnBrk="1" fontAlgn="auto" latinLnBrk="1" hangingPunct="1">
+              <a:lnSpc>
+                <a:spcPct val="100000"/>
+              </a:lnSpc>
+              <a:spcBef>
+                <a:spcPts val="0"/>
+              </a:spcBef>
+              <a:spcAft>
+                <a:spcPts val="0"/>
+              </a:spcAft>
+              <a:buClrTx/>
+              <a:buSzTx/>
+              <a:buFontTx/>
+              <a:buNone/>
+              <a:tabLst/>
+              <a:defRPr/>
+            </a:pPr>
             <a:fld id="{64678AB1-E21A-43B6-BD14-C8BB7D8057D1}" type="slidenum">
-              <a:rPr lang="ko-KR" altLang="en-US" smtClean="0"/>
+              <a:rPr kumimoji="0" lang="ko-KR" altLang="en-US" sz="1200" b="0" i="0" u="none" strike="noStrike" kern="1200" cap="none" spc="0" normalizeH="0" baseline="0" noProof="0" smtClean="0">
+                <a:ln>
+                  <a:noFill/>
+                </a:ln>
+                <a:solidFill>
+                  <a:prstClr val="black"/>
+                </a:solidFill>
+                <a:effectLst/>
+                <a:uLnTx/>
+                <a:uFillTx/>
+                <a:latin typeface="맑은 고딕" panose="020F0502020204030204"/>
+                <a:ea typeface="맑은 고딕" panose="020B0503020000020004" pitchFamily="50" charset="-127"/>
+                <a:cs typeface="+mn-cs"/>
+              </a:rPr>
+              <a:pPr marL="0" marR="0" lvl="0" indent="0" algn="r" defTabSz="914400" rtl="0" eaLnBrk="1" fontAlgn="auto" latinLnBrk="1" hangingPunct="1">
+                <a:lnSpc>
+                  <a:spcPct val="100000"/>
+                </a:lnSpc>
+                <a:spcBef>
+                  <a:spcPts val="0"/>
+                </a:spcBef>
+                <a:spcAft>
+                  <a:spcPts val="0"/>
+                </a:spcAft>
+                <a:buClrTx/>
+                <a:buSzTx/>
+                <a:buFontTx/>
+                <a:buNone/>
+                <a:tabLst/>
+                <a:defRPr/>
+              </a:pPr>
               <a:t>7</a:t>
             </a:fld>
-            <a:endParaRPr lang="ko-KR" altLang="en-US"/>
+            <a:endParaRPr kumimoji="0" lang="ko-KR" altLang="en-US" sz="1200" b="0" i="0" u="none" strike="noStrike" kern="1200" cap="none" spc="0" normalizeH="0" baseline="0" noProof="0">
+              <a:ln>
+                <a:noFill/>
+              </a:ln>
+              <a:solidFill>
+                <a:prstClr val="black"/>
+              </a:solidFill>
+              <a:effectLst/>
+              <a:uLnTx/>
+              <a:uFillTx/>
+              <a:latin typeface="맑은 고딕" panose="020F0502020204030204"/>
+              <a:ea typeface="맑은 고딕" panose="020B0503020000020004" pitchFamily="50" charset="-127"/>
+              <a:cs typeface="+mn-cs"/>
+            </a:endParaRPr>
           </a:p>
         </p:txBody>
       </p:sp>
     </p:spTree>
     <p:extLst>
       <p:ext uri="{BB962C8B-B14F-4D97-AF65-F5344CB8AC3E}">
-        <p14:creationId xmlns:p14="http://schemas.microsoft.com/office/powerpoint/2010/main" val="1610804448"/>
+        <p14:creationId xmlns:p14="http://schemas.microsoft.com/office/powerpoint/2010/main" val="1458947951"/>
       </p:ext>
     </p:extLst>
   </p:cSld>
@@ -988,90 +1074,7 @@
           <a:bodyPr/>
           <a:lstStyle/>
           <a:p>
-            <a:pPr marL="0" marR="0" lvl="0" indent="0" algn="l" defTabSz="914400" rtl="0" eaLnBrk="1" fontAlgn="auto" latinLnBrk="1" hangingPunct="1">
-              <a:lnSpc>
-                <a:spcPct val="100000"/>
-              </a:lnSpc>
-              <a:spcBef>
-                <a:spcPts val="0"/>
-              </a:spcBef>
-              <a:spcAft>
-                <a:spcPts val="0"/>
-              </a:spcAft>
-              <a:buClrTx/>
-              <a:buSzTx/>
-              <a:buFontTx/>
-              <a:buNone/>
-              <a:tabLst/>
-              <a:defRPr/>
-            </a:pPr>
-            <a:r>
-              <a:rPr lang="en-US" altLang="ko-KR" b="0" i="0" dirty="0">
-                <a:solidFill>
-                  <a:srgbClr val="DCDDDE"/>
-                </a:solidFill>
-                <a:effectLst/>
-                <a:latin typeface="Whitney"/>
-              </a:rPr>
-              <a:t>Commit </a:t>
-            </a:r>
-            <a:r>
-              <a:rPr lang="ko-KR" altLang="en-US" b="0" i="0" dirty="0">
-                <a:solidFill>
-                  <a:srgbClr val="DCDDDE"/>
-                </a:solidFill>
-                <a:effectLst/>
-                <a:latin typeface="Whitney"/>
-              </a:rPr>
-              <a:t>사진 내역은 최종 </a:t>
-            </a:r>
-            <a:r>
-              <a:rPr lang="en-US" altLang="ko-KR" b="0" i="0" dirty="0">
-                <a:solidFill>
-                  <a:srgbClr val="DCDDDE"/>
-                </a:solidFill>
-                <a:effectLst/>
-                <a:latin typeface="Whitney"/>
-              </a:rPr>
-              <a:t>c/</a:t>
-            </a:r>
-            <a:r>
-              <a:rPr lang="en-US" altLang="ko-KR" b="0" i="0" dirty="0" err="1">
-                <a:solidFill>
-                  <a:srgbClr val="DCDDDE"/>
-                </a:solidFill>
-                <a:effectLst/>
-                <a:latin typeface="Whitney"/>
-              </a:rPr>
-              <a:t>c++</a:t>
-            </a:r>
-            <a:r>
-              <a:rPr lang="en-US" altLang="ko-KR" b="0" i="0" dirty="0">
-                <a:solidFill>
-                  <a:srgbClr val="DCDDDE"/>
-                </a:solidFill>
-                <a:effectLst/>
-                <a:latin typeface="Whitney"/>
-              </a:rPr>
-              <a:t> </a:t>
-            </a:r>
-            <a:r>
-              <a:rPr lang="ko-KR" altLang="en-US" b="0" i="0" dirty="0">
-                <a:solidFill>
-                  <a:srgbClr val="DCDDDE"/>
-                </a:solidFill>
-                <a:effectLst/>
-                <a:latin typeface="Whitney"/>
-              </a:rPr>
-              <a:t>연동하고 나서 마지막에 업데이트함</a:t>
-            </a:r>
-            <a:endParaRPr lang="en-US" altLang="ko-KR" b="0" i="0" dirty="0">
-              <a:solidFill>
-                <a:srgbClr val="DCDDDE"/>
-              </a:solidFill>
-              <a:effectLst/>
-              <a:latin typeface="Whitney"/>
-            </a:endParaRPr>
+            <a:endParaRPr lang="ko-KR" altLang="en-US" dirty="0"/>
           </a:p>
         </p:txBody>
       </p:sp>
@@ -1161,7 +1164,7 @@
     </p:spTree>
     <p:extLst>
       <p:ext uri="{BB962C8B-B14F-4D97-AF65-F5344CB8AC3E}">
-        <p14:creationId xmlns:p14="http://schemas.microsoft.com/office/powerpoint/2010/main" val="935145475"/>
+        <p14:creationId xmlns:p14="http://schemas.microsoft.com/office/powerpoint/2010/main" val="1748549380"/>
       </p:ext>
     </p:extLst>
   </p:cSld>
@@ -1234,78 +1237,18 @@
           <a:bodyPr/>
           <a:lstStyle/>
           <a:p>
-            <a:pPr marL="0" marR="0" lvl="0" indent="0" algn="r" defTabSz="914400" rtl="0" eaLnBrk="1" fontAlgn="auto" latinLnBrk="1" hangingPunct="1">
-              <a:lnSpc>
-                <a:spcPct val="100000"/>
-              </a:lnSpc>
-              <a:spcBef>
-                <a:spcPts val="0"/>
-              </a:spcBef>
-              <a:spcAft>
-                <a:spcPts val="0"/>
-              </a:spcAft>
-              <a:buClrTx/>
-              <a:buSzTx/>
-              <a:buFontTx/>
-              <a:buNone/>
-              <a:tabLst/>
-              <a:defRPr/>
-            </a:pPr>
             <a:fld id="{64678AB1-E21A-43B6-BD14-C8BB7D8057D1}" type="slidenum">
-              <a:rPr kumimoji="0" lang="ko-KR" altLang="en-US" sz="1200" b="0" i="0" u="none" strike="noStrike" kern="1200" cap="none" spc="0" normalizeH="0" baseline="0" noProof="0" smtClean="0">
-                <a:ln>
-                  <a:noFill/>
-                </a:ln>
-                <a:solidFill>
-                  <a:prstClr val="black"/>
-                </a:solidFill>
-                <a:effectLst/>
-                <a:uLnTx/>
-                <a:uFillTx/>
-                <a:latin typeface="맑은 고딕" panose="020F0502020204030204"/>
-                <a:ea typeface="맑은 고딕" panose="020B0503020000020004" pitchFamily="50" charset="-127"/>
-                <a:cs typeface="+mn-cs"/>
-              </a:rPr>
-              <a:pPr marL="0" marR="0" lvl="0" indent="0" algn="r" defTabSz="914400" rtl="0" eaLnBrk="1" fontAlgn="auto" latinLnBrk="1" hangingPunct="1">
-                <a:lnSpc>
-                  <a:spcPct val="100000"/>
-                </a:lnSpc>
-                <a:spcBef>
-                  <a:spcPts val="0"/>
-                </a:spcBef>
-                <a:spcAft>
-                  <a:spcPts val="0"/>
-                </a:spcAft>
-                <a:buClrTx/>
-                <a:buSzTx/>
-                <a:buFontTx/>
-                <a:buNone/>
-                <a:tabLst/>
-                <a:defRPr/>
-              </a:pPr>
+              <a:rPr lang="ko-KR" altLang="en-US" smtClean="0"/>
               <a:t>9</a:t>
             </a:fld>
-            <a:endParaRPr kumimoji="0" lang="ko-KR" altLang="en-US" sz="1200" b="0" i="0" u="none" strike="noStrike" kern="1200" cap="none" spc="0" normalizeH="0" baseline="0" noProof="0">
-              <a:ln>
-                <a:noFill/>
-              </a:ln>
-              <a:solidFill>
-                <a:prstClr val="black"/>
-              </a:solidFill>
-              <a:effectLst/>
-              <a:uLnTx/>
-              <a:uFillTx/>
-              <a:latin typeface="맑은 고딕" panose="020F0502020204030204"/>
-              <a:ea typeface="맑은 고딕" panose="020B0503020000020004" pitchFamily="50" charset="-127"/>
-              <a:cs typeface="+mn-cs"/>
-            </a:endParaRPr>
+            <a:endParaRPr lang="ko-KR" altLang="en-US"/>
           </a:p>
         </p:txBody>
       </p:sp>
     </p:spTree>
     <p:extLst>
       <p:ext uri="{BB962C8B-B14F-4D97-AF65-F5344CB8AC3E}">
-        <p14:creationId xmlns:p14="http://schemas.microsoft.com/office/powerpoint/2010/main" val="139549442"/>
+        <p14:creationId xmlns:p14="http://schemas.microsoft.com/office/powerpoint/2010/main" val="1610804448"/>
       </p:ext>
     </p:extLst>
   </p:cSld>
@@ -1359,7 +1302,90 @@
           <a:bodyPr/>
           <a:lstStyle/>
           <a:p>
-            <a:endParaRPr lang="ko-KR" altLang="en-US" dirty="0"/>
+            <a:pPr marL="0" marR="0" lvl="0" indent="0" algn="l" defTabSz="914400" rtl="0" eaLnBrk="1" fontAlgn="auto" latinLnBrk="1" hangingPunct="1">
+              <a:lnSpc>
+                <a:spcPct val="100000"/>
+              </a:lnSpc>
+              <a:spcBef>
+                <a:spcPts val="0"/>
+              </a:spcBef>
+              <a:spcAft>
+                <a:spcPts val="0"/>
+              </a:spcAft>
+              <a:buClrTx/>
+              <a:buSzTx/>
+              <a:buFontTx/>
+              <a:buNone/>
+              <a:tabLst/>
+              <a:defRPr/>
+            </a:pPr>
+            <a:r>
+              <a:rPr lang="en-US" altLang="ko-KR" b="0" i="0" dirty="0">
+                <a:solidFill>
+                  <a:srgbClr val="DCDDDE"/>
+                </a:solidFill>
+                <a:effectLst/>
+                <a:latin typeface="Whitney"/>
+              </a:rPr>
+              <a:t>Commit </a:t>
+            </a:r>
+            <a:r>
+              <a:rPr lang="ko-KR" altLang="en-US" b="0" i="0" dirty="0">
+                <a:solidFill>
+                  <a:srgbClr val="DCDDDE"/>
+                </a:solidFill>
+                <a:effectLst/>
+                <a:latin typeface="Whitney"/>
+              </a:rPr>
+              <a:t>사진 내역은 최종 </a:t>
+            </a:r>
+            <a:r>
+              <a:rPr lang="en-US" altLang="ko-KR" b="0" i="0" dirty="0">
+                <a:solidFill>
+                  <a:srgbClr val="DCDDDE"/>
+                </a:solidFill>
+                <a:effectLst/>
+                <a:latin typeface="Whitney"/>
+              </a:rPr>
+              <a:t>c/</a:t>
+            </a:r>
+            <a:r>
+              <a:rPr lang="en-US" altLang="ko-KR" b="0" i="0" dirty="0" err="1">
+                <a:solidFill>
+                  <a:srgbClr val="DCDDDE"/>
+                </a:solidFill>
+                <a:effectLst/>
+                <a:latin typeface="Whitney"/>
+              </a:rPr>
+              <a:t>c++</a:t>
+            </a:r>
+            <a:r>
+              <a:rPr lang="en-US" altLang="ko-KR" b="0" i="0" dirty="0">
+                <a:solidFill>
+                  <a:srgbClr val="DCDDDE"/>
+                </a:solidFill>
+                <a:effectLst/>
+                <a:latin typeface="Whitney"/>
+              </a:rPr>
+              <a:t> </a:t>
+            </a:r>
+            <a:r>
+              <a:rPr lang="ko-KR" altLang="en-US" b="0" i="0" dirty="0">
+                <a:solidFill>
+                  <a:srgbClr val="DCDDDE"/>
+                </a:solidFill>
+                <a:effectLst/>
+                <a:latin typeface="Whitney"/>
+              </a:rPr>
+              <a:t>연동하고 나서 마지막에 업데이트함</a:t>
+            </a:r>
+            <a:endParaRPr lang="en-US" altLang="ko-KR" b="0" i="0" dirty="0">
+              <a:solidFill>
+                <a:srgbClr val="DCDDDE"/>
+              </a:solidFill>
+              <a:effectLst/>
+              <a:latin typeface="Whitney"/>
+            </a:endParaRPr>
           </a:p>
         </p:txBody>
       </p:sp>
@@ -1449,7 +1475,7 @@
     </p:spTree>
     <p:extLst>
       <p:ext uri="{BB962C8B-B14F-4D97-AF65-F5344CB8AC3E}">
-        <p14:creationId xmlns:p14="http://schemas.microsoft.com/office/powerpoint/2010/main" val="780085795"/>
+        <p14:creationId xmlns:p14="http://schemas.microsoft.com/office/powerpoint/2010/main" val="935145475"/>
       </p:ext>
     </p:extLst>
   </p:cSld>
@@ -1593,7 +1619,151 @@
     </p:spTree>
     <p:extLst>
       <p:ext uri="{BB962C8B-B14F-4D97-AF65-F5344CB8AC3E}">
-        <p14:creationId xmlns:p14="http://schemas.microsoft.com/office/powerpoint/2010/main" val="769375754"/>
+        <p14:creationId xmlns:p14="http://schemas.microsoft.com/office/powerpoint/2010/main" val="139549442"/>
+      </p:ext>
+    </p:extLst>
+  </p:cSld>
+  <p:clrMapOvr>
+    <a:masterClrMapping/>
+  </p:clrMapOvr>
+</p:notes>
+</file>
+
+<file path=ppt/notesSlides/notesSlide9.xml><?xml version="1.0" encoding="utf-8"?>
+<p:notes xmlns:a="http://schemas.openxmlformats.org/drawingml/2006/main" xmlns:r="http://schemas.openxmlformats.org/officeDocument/2006/relationships" xmlns:p="http://schemas.openxmlformats.org/presentationml/2006/main">
+  <p:cSld>
+    <p:spTree>
+      <p:nvGrpSpPr>
+        <p:cNvPr id="1" name=""/>
+        <p:cNvGrpSpPr/>
+        <p:nvPr/>
+      </p:nvGrpSpPr>
+      <p:grpSpPr>
+        <a:xfrm>
+          <a:off x="0" y="0"/>
+          <a:ext cx="0" cy="0"/>
+          <a:chOff x="0" y="0"/>
+          <a:chExt cx="0" cy="0"/>
+        </a:xfrm>
+      </p:grpSpPr>
+      <p:sp>
+        <p:nvSpPr>
+          <p:cNvPr id="2" name="슬라이드 이미지 개체 틀 1"/>
+          <p:cNvSpPr>
+            <a:spLocks noGrp="1" noRot="1" noChangeAspect="1"/>
+          </p:cNvSpPr>
+          <p:nvPr>
+            <p:ph type="sldImg"/>
+          </p:nvPr>
+        </p:nvSpPr>
+        <p:spPr/>
+      </p:sp>
+      <p:sp>
+        <p:nvSpPr>
+          <p:cNvPr id="3" name="슬라이드 노트 개체 틀 2"/>
+          <p:cNvSpPr>
+            <a:spLocks noGrp="1"/>
+          </p:cNvSpPr>
+          <p:nvPr>
+            <p:ph type="body" idx="1"/>
+          </p:nvPr>
+        </p:nvSpPr>
+        <p:spPr/>
+        <p:txBody>
+          <a:bodyPr/>
+          <a:lstStyle/>
+          <a:p>
+            <a:endParaRPr lang="ko-KR" altLang="en-US" dirty="0"/>
+          </a:p>
+        </p:txBody>
+      </p:sp>
+      <p:sp>
+        <p:nvSpPr>
+          <p:cNvPr id="4" name="슬라이드 번호 개체 틀 3"/>
+          <p:cNvSpPr>
+            <a:spLocks noGrp="1"/>
+          </p:cNvSpPr>
+          <p:nvPr>
+            <p:ph type="sldNum" sz="quarter" idx="5"/>
+          </p:nvPr>
+        </p:nvSpPr>
+        <p:spPr/>
+        <p:txBody>
+          <a:bodyPr/>
+          <a:lstStyle/>
+          <a:p>
+            <a:pPr marL="0" marR="0" lvl="0" indent="0" algn="r" defTabSz="914400" rtl="0" eaLnBrk="1" fontAlgn="auto" latinLnBrk="1" hangingPunct="1">
+              <a:lnSpc>
+                <a:spcPct val="100000"/>
+              </a:lnSpc>
+              <a:spcBef>
+                <a:spcPts val="0"/>
+              </a:spcBef>
+              <a:spcAft>
+                <a:spcPts val="0"/>
+              </a:spcAft>
+              <a:buClrTx/>
+              <a:buSzTx/>
+              <a:buFontTx/>
+              <a:buNone/>
+              <a:tabLst/>
+              <a:defRPr/>
+            </a:pPr>
+            <a:fld id="{64678AB1-E21A-43B6-BD14-C8BB7D8057D1}" type="slidenum">
+              <a:rPr kumimoji="0" lang="ko-KR" altLang="en-US" sz="1200" b="0" i="0" u="none" strike="noStrike" kern="1200" cap="none" spc="0" normalizeH="0" baseline="0" noProof="0" smtClean="0">
+                <a:ln>
+                  <a:noFill/>
+                </a:ln>
+                <a:solidFill>
+                  <a:prstClr val="black"/>
+                </a:solidFill>
+                <a:effectLst/>
+                <a:uLnTx/>
+                <a:uFillTx/>
+                <a:latin typeface="맑은 고딕" panose="020F0502020204030204"/>
+                <a:ea typeface="맑은 고딕" panose="020B0503020000020004" pitchFamily="50" charset="-127"/>
+                <a:cs typeface="+mn-cs"/>
+              </a:rPr>
+              <a:pPr marL="0" marR="0" lvl="0" indent="0" algn="r" defTabSz="914400" rtl="0" eaLnBrk="1" fontAlgn="auto" latinLnBrk="1" hangingPunct="1">
+                <a:lnSpc>
+                  <a:spcPct val="100000"/>
+                </a:lnSpc>
+                <a:spcBef>
+                  <a:spcPts val="0"/>
+                </a:spcBef>
+                <a:spcAft>
+                  <a:spcPts val="0"/>
+                </a:spcAft>
+                <a:buClrTx/>
+                <a:buSzTx/>
+                <a:buFontTx/>
+                <a:buNone/>
+                <a:tabLst/>
+                <a:defRPr/>
+              </a:pPr>
+              <a:t>12</a:t>
+            </a:fld>
+            <a:endParaRPr kumimoji="0" lang="ko-KR" altLang="en-US" sz="1200" b="0" i="0" u="none" strike="noStrike" kern="1200" cap="none" spc="0" normalizeH="0" baseline="0" noProof="0">
+              <a:ln>
+                <a:noFill/>
+              </a:ln>
+              <a:solidFill>
+                <a:prstClr val="black"/>
+              </a:solidFill>
+              <a:effectLst/>
+              <a:uLnTx/>
+              <a:uFillTx/>
+              <a:latin typeface="맑은 고딕" panose="020F0502020204030204"/>
+              <a:ea typeface="맑은 고딕" panose="020B0503020000020004" pitchFamily="50" charset="-127"/>
+              <a:cs typeface="+mn-cs"/>
+            </a:endParaRPr>
+          </a:p>
+        </p:txBody>
+      </p:sp>
+    </p:spTree>
+    <p:extLst>
+      <p:ext uri="{BB962C8B-B14F-4D97-AF65-F5344CB8AC3E}">
+        <p14:creationId xmlns:p14="http://schemas.microsoft.com/office/powerpoint/2010/main" val="780085795"/>
       </p:ext>
     </p:extLst>
   </p:cSld>
@@ -1732,7 +1902,7 @@
           <a:p>
             <a:fld id="{A25D55FD-A267-4CE0-8330-CB49944051CB}" type="datetime1">
               <a:rPr lang="ko-KR" altLang="en-US" smtClean="0"/>
-              <a:t>2022-06-07</a:t>
+              <a:t>2022-06-12</a:t>
             </a:fld>
             <a:endParaRPr lang="ko-KR" altLang="en-US"/>
           </a:p>
@@ -1900,7 +2070,7 @@
           <a:p>
             <a:fld id="{F4E3C0F2-608D-407D-9076-A8F7AF87AA73}" type="datetime1">
               <a:rPr lang="ko-KR" altLang="en-US" smtClean="0"/>
-              <a:t>2022-06-07</a:t>
+              <a:t>2022-06-12</a:t>
             </a:fld>
             <a:endParaRPr lang="ko-KR" altLang="en-US"/>
           </a:p>
@@ -2078,7 +2248,7 @@
           <a:p>
             <a:fld id="{11410962-74F0-4899-A384-710C35291BCD}" type="datetime1">
               <a:rPr lang="ko-KR" altLang="en-US" smtClean="0"/>
-              <a:t>2022-06-07</a:t>
+              <a:t>2022-06-12</a:t>
             </a:fld>
             <a:endParaRPr lang="ko-KR" altLang="en-US"/>
           </a:p>
@@ -2246,7 +2416,7 @@
           <a:p>
             <a:fld id="{08BFB9C4-3C1B-4A91-AD4C-6AC539B0E26F}" type="datetime1">
               <a:rPr lang="ko-KR" altLang="en-US" smtClean="0"/>
-              <a:t>2022-06-07</a:t>
+              <a:t>2022-06-12</a:t>
             </a:fld>
             <a:endParaRPr lang="ko-KR" altLang="en-US"/>
           </a:p>
@@ -2505,7 +2675,7 @@
           <a:p>
             <a:fld id="{076B6069-E48C-4706-924E-188B8338EE9A}" type="datetime1">
               <a:rPr lang="ko-KR" altLang="en-US" smtClean="0"/>
-              <a:t>2022-06-07</a:t>
+              <a:t>2022-06-12</a:t>
             </a:fld>
             <a:endParaRPr lang="ko-KR" altLang="en-US"/>
           </a:p>
@@ -2734,7 +2904,7 @@
           <a:p>
             <a:fld id="{B132B6C0-FEAA-4339-BB5B-6CA1C5627ADC}" type="datetime1">
               <a:rPr lang="ko-KR" altLang="en-US" smtClean="0"/>
-              <a:t>2022-06-07</a:t>
+              <a:t>2022-06-12</a:t>
             </a:fld>
             <a:endParaRPr lang="ko-KR" altLang="en-US"/>
           </a:p>
@@ -3098,7 +3268,7 @@
           <a:p>
             <a:fld id="{397E0FCC-783B-4295-8ED0-914490566772}" type="datetime1">
               <a:rPr lang="ko-KR" altLang="en-US" smtClean="0"/>
-              <a:t>2022-06-07</a:t>
+              <a:t>2022-06-12</a:t>
             </a:fld>
             <a:endParaRPr lang="ko-KR" altLang="en-US"/>
           </a:p>
@@ -3215,7 +3385,7 @@
           <a:p>
             <a:fld id="{E6DA13E3-6C93-4CED-A1DF-5BFCFF37E342}" type="datetime1">
               <a:rPr lang="ko-KR" altLang="en-US" smtClean="0"/>
-              <a:t>2022-06-07</a:t>
+              <a:t>2022-06-12</a:t>
             </a:fld>
             <a:endParaRPr lang="ko-KR" altLang="en-US"/>
           </a:p>
@@ -3310,7 +3480,7 @@
           <a:p>
             <a:fld id="{803524C5-683E-4CD2-8481-BDDE3F6DCFBE}" type="datetime1">
               <a:rPr lang="ko-KR" altLang="en-US" smtClean="0"/>
-              <a:t>2022-06-07</a:t>
+              <a:t>2022-06-12</a:t>
             </a:fld>
             <a:endParaRPr lang="ko-KR" altLang="en-US"/>
           </a:p>
@@ -3585,7 +3755,7 @@
           <a:p>
             <a:fld id="{4571726F-ECF8-4864-B1FC-D060DCC0C599}" type="datetime1">
               <a:rPr lang="ko-KR" altLang="en-US" smtClean="0"/>
-              <a:t>2022-06-07</a:t>
+              <a:t>2022-06-12</a:t>
             </a:fld>
             <a:endParaRPr lang="ko-KR" altLang="en-US"/>
           </a:p>
@@ -3837,7 +4007,7 @@
           <a:p>
             <a:fld id="{746894F5-9147-499B-BACD-E428FE399ABF}" type="datetime1">
               <a:rPr lang="ko-KR" altLang="en-US" smtClean="0"/>
-              <a:t>2022-06-07</a:t>
+              <a:t>2022-06-12</a:t>
             </a:fld>
             <a:endParaRPr lang="ko-KR" altLang="en-US"/>
           </a:p>
@@ -4048,7 +4218,7 @@
           <a:p>
             <a:fld id="{C5B7E910-E53A-432C-BB2B-20F856DC5D3B}" type="datetime1">
               <a:rPr lang="ko-KR" altLang="en-US" smtClean="0"/>
-              <a:t>2022-06-07</a:t>
+              <a:t>2022-06-12</a:t>
             </a:fld>
             <a:endParaRPr lang="ko-KR" altLang="en-US"/>
           </a:p>
@@ -4675,48 +4845,10 @@
       </p:grpSpPr>
       <p:sp>
         <p:nvSpPr>
-          <p:cNvPr id="2" name="슬라이드 번호 개체 틀 1">
+          <p:cNvPr id="17" name="사각형: 둥근 모서리 16">
             <a:extLst>
               <a:ext uri="{FF2B5EF4-FFF2-40B4-BE49-F238E27FC236}">
-                <a16:creationId xmlns:a16="http://schemas.microsoft.com/office/drawing/2014/main" id="{2D209849-35AF-CBA2-8CCB-4D8ABE3A7FDC}"/>
-              </a:ext>
-            </a:extLst>
-          </p:cNvPr>
-          <p:cNvSpPr>
-            <a:spLocks noGrp="1"/>
-          </p:cNvSpPr>
-          <p:nvPr>
-            <p:ph type="sldNum" sz="quarter" idx="12"/>
-          </p:nvPr>
-        </p:nvSpPr>
-        <p:spPr/>
-        <p:txBody>
-          <a:bodyPr/>
-          <a:lstStyle/>
-          <a:p>
-            <a:fld id="{27FBB162-8746-42C9-BFFF-D75069B6786A}" type="slidenum">
-              <a:rPr lang="ko-KR" altLang="en-US" smtClean="0"/>
-              <a:pPr/>
-              <a:t>10</a:t>
-            </a:fld>
-            <a:r>
-              <a:rPr lang="ko-KR" altLang="en-US" dirty="0"/>
-              <a:t> </a:t>
-            </a:r>
-            <a:r>
-              <a:rPr lang="en-US" altLang="ko-KR" dirty="0"/>
-              <a:t>/ 11</a:t>
-            </a:r>
-            <a:endParaRPr lang="ko-KR" altLang="en-US" dirty="0"/>
-          </a:p>
-        </p:txBody>
-      </p:sp>
-      <p:sp>
-        <p:nvSpPr>
-          <p:cNvPr id="4" name="사각형: 둥근 모서리 5">
-            <a:extLst>
-              <a:ext uri="{FF2B5EF4-FFF2-40B4-BE49-F238E27FC236}">
-                <a16:creationId xmlns:a16="http://schemas.microsoft.com/office/drawing/2014/main" id="{D5740F8C-A917-37FE-C8E9-74B7AEE07357}"/>
+                <a16:creationId xmlns:a16="http://schemas.microsoft.com/office/drawing/2014/main" id="{4723E3FE-EF00-FFA5-B48D-882973BB36C0}"/>
               </a:ext>
             </a:extLst>
           </p:cNvPr>
@@ -4725,16 +4857,18 @@
         </p:nvSpPr>
         <p:spPr>
           <a:xfrm>
-            <a:off x="2691435" y="2152064"/>
-            <a:ext cx="6809130" cy="2553872"/>
+            <a:off x="5744561" y="1781344"/>
+            <a:ext cx="2879433" cy="4709431"/>
           </a:xfrm>
           <a:prstGeom prst="roundRect">
-            <a:avLst/>
+            <a:avLst>
+              <a:gd name="adj" fmla="val 0"/>
+            </a:avLst>
           </a:prstGeom>
           <a:noFill/>
-          <a:ln w="57150">
+          <a:ln w="38100">
             <a:solidFill>
-              <a:srgbClr val="8CD3D5"/>
+              <a:srgbClr val="C2DCB1"/>
             </a:solidFill>
           </a:ln>
         </p:spPr>
@@ -4758,218 +4892,385 @@
           <a:bodyPr rtlCol="0" anchor="ctr"/>
           <a:lstStyle/>
           <a:p>
-            <a:pPr algn="ctr"/>
-            <a:r>
-              <a:rPr lang="en-US" altLang="ko-KR" sz="5800" dirty="0">
+            <a:r>
+              <a:rPr lang="en-US" altLang="ko-KR" sz="1300" dirty="0">
                 <a:solidFill>
                   <a:srgbClr val="000000"/>
                 </a:solidFill>
               </a:rPr>
-              <a:t>Yahtzee </a:t>
-            </a:r>
-            <a:r>
-              <a:rPr lang="ko-KR" altLang="en-US" sz="5800" dirty="0">
+              <a:t>1</a:t>
+            </a:r>
+            <a:r>
+              <a:rPr lang="ko-KR" altLang="en-US" sz="1300" dirty="0">
                 <a:solidFill>
                   <a:srgbClr val="000000"/>
                 </a:solidFill>
               </a:rPr>
-              <a:t>게임 시현</a:t>
-            </a:r>
-            <a:endParaRPr lang="en-US" altLang="ko-KR" sz="5800" dirty="0">
+              <a:t>주차</a:t>
+            </a:r>
+            <a:endParaRPr lang="en-US" altLang="ko-KR" sz="1300" dirty="0">
               <a:solidFill>
                 <a:srgbClr val="000000"/>
               </a:solidFill>
             </a:endParaRPr>
           </a:p>
-        </p:txBody>
-      </p:sp>
-    </p:spTree>
-    <p:extLst>
-      <p:ext uri="{BB962C8B-B14F-4D97-AF65-F5344CB8AC3E}">
-        <p14:creationId xmlns:p14="http://schemas.microsoft.com/office/powerpoint/2010/main" val="1533492019"/>
-      </p:ext>
-    </p:extLst>
-  </p:cSld>
-  <p:clrMapOvr>
-    <a:masterClrMapping/>
-  </p:clrMapOvr>
-</p:sld>
-</file>
-
-<file path=ppt/slides/slide11.xml><?xml version="1.0" encoding="utf-8"?>
-<p:sld xmlns:a="http://schemas.openxmlformats.org/drawingml/2006/main" xmlns:r="http://schemas.openxmlformats.org/officeDocument/2006/relationships" xmlns:p="http://schemas.openxmlformats.org/presentationml/2006/main">
-  <p:cSld>
-    <p:bg>
-      <p:bgPr>
-        <a:solidFill>
-          <a:srgbClr val="FFFBE8"/>
-        </a:solidFill>
-        <a:effectLst/>
-      </p:bgPr>
-    </p:bg>
-    <p:spTree>
-      <p:nvGrpSpPr>
-        <p:cNvPr id="1" name=""/>
-        <p:cNvGrpSpPr/>
-        <p:nvPr/>
-      </p:nvGrpSpPr>
-      <p:grpSpPr>
-        <a:xfrm>
-          <a:off x="0" y="0"/>
-          <a:ext cx="0" cy="0"/>
-          <a:chOff x="0" y="0"/>
-          <a:chExt cx="0" cy="0"/>
-        </a:xfrm>
-      </p:grpSpPr>
-      <p:sp>
-        <p:nvSpPr>
-          <p:cNvPr id="2" name="슬라이드 번호 개체 틀 1">
-            <a:extLst>
-              <a:ext uri="{FF2B5EF4-FFF2-40B4-BE49-F238E27FC236}">
-                <a16:creationId xmlns:a16="http://schemas.microsoft.com/office/drawing/2014/main" id="{2D209849-35AF-CBA2-8CCB-4D8ABE3A7FDC}"/>
-              </a:ext>
-            </a:extLst>
-          </p:cNvPr>
-          <p:cNvSpPr>
-            <a:spLocks noGrp="1"/>
-          </p:cNvSpPr>
-          <p:nvPr>
-            <p:ph type="sldNum" sz="quarter" idx="12"/>
-          </p:nvPr>
-        </p:nvSpPr>
-        <p:spPr/>
-        <p:txBody>
-          <a:bodyPr/>
-          <a:lstStyle/>
-          <a:p>
-            <a:fld id="{27FBB162-8746-42C9-BFFF-D75069B6786A}" type="slidenum">
-              <a:rPr lang="ko-KR" altLang="en-US" smtClean="0"/>
-              <a:pPr/>
-              <a:t>11</a:t>
-            </a:fld>
-            <a:r>
-              <a:rPr lang="ko-KR" altLang="en-US" dirty="0"/>
-              <a:t> </a:t>
-            </a:r>
-            <a:r>
-              <a:rPr lang="en-US" altLang="ko-KR" dirty="0"/>
-              <a:t>/ 11</a:t>
-            </a:r>
-            <a:endParaRPr lang="ko-KR" altLang="en-US" dirty="0"/>
+          <a:p>
+            <a:pPr marL="285750" indent="-285750">
+              <a:buFont typeface="Arial" panose="020B0604020202020204" pitchFamily="34" charset="0"/>
+              <a:buChar char="•"/>
+            </a:pPr>
+            <a:r>
+              <a:rPr lang="en-US" altLang="ko-KR" sz="1300" dirty="0">
+                <a:solidFill>
+                  <a:srgbClr val="000000"/>
+                </a:solidFill>
+              </a:rPr>
+              <a:t>UI</a:t>
+            </a:r>
+            <a:r>
+              <a:rPr lang="ko-KR" altLang="en-US" sz="1300" dirty="0">
+                <a:solidFill>
+                  <a:srgbClr val="000000"/>
+                </a:solidFill>
+              </a:rPr>
+              <a:t>구도 잡기 </a:t>
+            </a:r>
+            <a:r>
+              <a:rPr lang="en-US" altLang="ko-KR" sz="1300" dirty="0">
+                <a:solidFill>
+                  <a:srgbClr val="000000"/>
+                </a:solidFill>
+              </a:rPr>
+              <a:t>(</a:t>
+            </a:r>
+            <a:r>
+              <a:rPr lang="en-US" altLang="ko-KR" sz="1300" dirty="0" err="1">
+                <a:solidFill>
+                  <a:srgbClr val="000000"/>
+                </a:solidFill>
+              </a:rPr>
+              <a:t>OmarChoi</a:t>
+            </a:r>
+            <a:r>
+              <a:rPr lang="en-US" altLang="ko-KR" sz="1300" dirty="0">
+                <a:solidFill>
+                  <a:srgbClr val="000000"/>
+                </a:solidFill>
+              </a:rPr>
+              <a:t> commit)</a:t>
+            </a:r>
+          </a:p>
+          <a:p>
+            <a:endParaRPr lang="en-US" altLang="ko-KR" sz="1300" dirty="0">
+              <a:solidFill>
+                <a:srgbClr val="000000"/>
+              </a:solidFill>
+            </a:endParaRPr>
+          </a:p>
+          <a:p>
+            <a:r>
+              <a:rPr lang="en-US" altLang="ko-KR" sz="1300" dirty="0">
+                <a:solidFill>
+                  <a:srgbClr val="000000"/>
+                </a:solidFill>
+              </a:rPr>
+              <a:t>2</a:t>
+            </a:r>
+            <a:r>
+              <a:rPr lang="ko-KR" altLang="en-US" sz="1300" dirty="0">
+                <a:solidFill>
+                  <a:srgbClr val="000000"/>
+                </a:solidFill>
+              </a:rPr>
+              <a:t>주차</a:t>
+            </a:r>
+            <a:endParaRPr lang="en-US" altLang="ko-KR" sz="1300" dirty="0">
+              <a:solidFill>
+                <a:srgbClr val="000000"/>
+              </a:solidFill>
+            </a:endParaRPr>
+          </a:p>
+          <a:p>
+            <a:pPr marL="285750" indent="-285750">
+              <a:buFont typeface="Arial" panose="020B0604020202020204" pitchFamily="34" charset="0"/>
+              <a:buChar char="•"/>
+            </a:pPr>
+            <a:r>
+              <a:rPr lang="en-US" altLang="ko-KR" sz="1300" dirty="0">
+                <a:solidFill>
+                  <a:srgbClr val="000000"/>
+                </a:solidFill>
+              </a:rPr>
+              <a:t>4</a:t>
+            </a:r>
+            <a:r>
+              <a:rPr lang="ko-KR" altLang="en-US" sz="1300" dirty="0">
+                <a:solidFill>
+                  <a:srgbClr val="000000"/>
+                </a:solidFill>
+              </a:rPr>
+              <a:t>목 게임 제작</a:t>
+            </a:r>
+            <a:endParaRPr lang="en-US" altLang="ko-KR" sz="1300" dirty="0">
+              <a:solidFill>
+                <a:srgbClr val="000000"/>
+              </a:solidFill>
+            </a:endParaRPr>
+          </a:p>
+          <a:p>
+            <a:endParaRPr lang="en-US" altLang="ko-KR" sz="1300" dirty="0">
+              <a:solidFill>
+                <a:srgbClr val="000000"/>
+              </a:solidFill>
+            </a:endParaRPr>
+          </a:p>
+          <a:p>
+            <a:r>
+              <a:rPr lang="en-US" altLang="ko-KR" sz="1300" dirty="0">
+                <a:solidFill>
+                  <a:srgbClr val="000000"/>
+                </a:solidFill>
+              </a:rPr>
+              <a:t>3</a:t>
+            </a:r>
+            <a:r>
+              <a:rPr lang="ko-KR" altLang="en-US" sz="1300" dirty="0">
+                <a:solidFill>
+                  <a:srgbClr val="000000"/>
+                </a:solidFill>
+              </a:rPr>
+              <a:t>주차</a:t>
+            </a:r>
+            <a:endParaRPr lang="en-US" altLang="ko-KR" sz="1300" dirty="0">
+              <a:solidFill>
+                <a:srgbClr val="000000"/>
+              </a:solidFill>
+            </a:endParaRPr>
+          </a:p>
+          <a:p>
+            <a:pPr marL="285750" indent="-285750">
+              <a:buFont typeface="Arial" panose="020B0604020202020204" pitchFamily="34" charset="0"/>
+              <a:buChar char="•"/>
+            </a:pPr>
+            <a:r>
+              <a:rPr lang="en-US" altLang="ko-KR" sz="1300" dirty="0">
+                <a:solidFill>
+                  <a:srgbClr val="000000"/>
+                </a:solidFill>
+              </a:rPr>
+              <a:t>UI</a:t>
+            </a:r>
+            <a:r>
+              <a:rPr lang="ko-KR" altLang="en-US" sz="1300" dirty="0">
+                <a:solidFill>
+                  <a:srgbClr val="000000"/>
+                </a:solidFill>
+              </a:rPr>
+              <a:t>내에 이미지 삽입</a:t>
+            </a:r>
+            <a:endParaRPr lang="en-US" altLang="ko-KR" sz="1300" dirty="0">
+              <a:solidFill>
+                <a:srgbClr val="000000"/>
+              </a:solidFill>
+            </a:endParaRPr>
+          </a:p>
+          <a:p>
+            <a:endParaRPr lang="en-US" altLang="ko-KR" sz="1300" dirty="0">
+              <a:solidFill>
+                <a:srgbClr val="000000"/>
+              </a:solidFill>
+            </a:endParaRPr>
+          </a:p>
+          <a:p>
+            <a:r>
+              <a:rPr lang="en-US" altLang="ko-KR" sz="1300" dirty="0">
+                <a:solidFill>
+                  <a:srgbClr val="000000"/>
+                </a:solidFill>
+              </a:rPr>
+              <a:t>4</a:t>
+            </a:r>
+            <a:r>
+              <a:rPr lang="ko-KR" altLang="en-US" sz="1300" dirty="0">
+                <a:solidFill>
+                  <a:srgbClr val="000000"/>
+                </a:solidFill>
+              </a:rPr>
+              <a:t>주차</a:t>
+            </a:r>
+            <a:endParaRPr lang="en-US" altLang="ko-KR" sz="1300" dirty="0">
+              <a:solidFill>
+                <a:srgbClr val="000000"/>
+              </a:solidFill>
+            </a:endParaRPr>
+          </a:p>
+          <a:p>
+            <a:pPr marL="285750" indent="-285750">
+              <a:buFont typeface="Arial" panose="020B0604020202020204" pitchFamily="34" charset="0"/>
+              <a:buChar char="•"/>
+            </a:pPr>
+            <a:r>
+              <a:rPr lang="ko-KR" altLang="en-US" sz="1300" dirty="0">
+                <a:solidFill>
+                  <a:srgbClr val="000000"/>
+                </a:solidFill>
+              </a:rPr>
+              <a:t>선택한 정보 지도에 출력</a:t>
+            </a:r>
+            <a:endParaRPr lang="en-US" altLang="ko-KR" sz="1300" dirty="0">
+              <a:solidFill>
+                <a:srgbClr val="000000"/>
+              </a:solidFill>
+            </a:endParaRPr>
+          </a:p>
+          <a:p>
+            <a:pPr marL="285750" indent="-285750">
+              <a:buFont typeface="Arial" panose="020B0604020202020204" pitchFamily="34" charset="0"/>
+              <a:buChar char="•"/>
+            </a:pPr>
+            <a:r>
+              <a:rPr lang="ko-KR" altLang="en-US" sz="1300" dirty="0">
+                <a:solidFill>
+                  <a:srgbClr val="000000"/>
+                </a:solidFill>
+              </a:rPr>
+              <a:t>수신자의 입력을 받아 선택한 정보를 이메일을 통해 전송</a:t>
+            </a:r>
+            <a:endParaRPr lang="en-US" altLang="ko-KR" sz="1300" dirty="0">
+              <a:solidFill>
+                <a:srgbClr val="000000"/>
+              </a:solidFill>
+            </a:endParaRPr>
+          </a:p>
+          <a:p>
+            <a:endParaRPr lang="en-US" altLang="ko-KR" sz="1300" dirty="0">
+              <a:solidFill>
+                <a:srgbClr val="000000"/>
+              </a:solidFill>
+            </a:endParaRPr>
+          </a:p>
+          <a:p>
+            <a:r>
+              <a:rPr lang="en-US" altLang="ko-KR" sz="1300" dirty="0">
+                <a:solidFill>
+                  <a:srgbClr val="000000"/>
+                </a:solidFill>
+              </a:rPr>
+              <a:t>5</a:t>
+            </a:r>
+            <a:r>
+              <a:rPr lang="ko-KR" altLang="en-US" sz="1300" dirty="0">
+                <a:solidFill>
+                  <a:srgbClr val="000000"/>
+                </a:solidFill>
+              </a:rPr>
+              <a:t>주차</a:t>
+            </a:r>
+            <a:endParaRPr lang="en-US" altLang="ko-KR" sz="1300" dirty="0">
+              <a:solidFill>
+                <a:srgbClr val="000000"/>
+              </a:solidFill>
+            </a:endParaRPr>
+          </a:p>
+          <a:p>
+            <a:pPr marL="285750" indent="-285750">
+              <a:buFont typeface="Arial" panose="020B0604020202020204" pitchFamily="34" charset="0"/>
+              <a:buChar char="•"/>
+            </a:pPr>
+            <a:r>
+              <a:rPr lang="en-US" altLang="ko-KR" sz="1300" dirty="0">
+                <a:solidFill>
+                  <a:srgbClr val="000000"/>
+                </a:solidFill>
+              </a:rPr>
+              <a:t>C/C++ </a:t>
+            </a:r>
+            <a:r>
+              <a:rPr lang="ko-KR" altLang="en-US" sz="1300" dirty="0">
+                <a:solidFill>
+                  <a:srgbClr val="000000"/>
+                </a:solidFill>
+              </a:rPr>
+              <a:t>연동</a:t>
+            </a:r>
+            <a:endParaRPr lang="en-US" altLang="ko-KR" sz="1300" dirty="0">
+              <a:solidFill>
+                <a:srgbClr val="000000"/>
+              </a:solidFill>
+            </a:endParaRPr>
+          </a:p>
+          <a:p>
+            <a:pPr marL="285750" indent="-285750">
+              <a:buFont typeface="Arial" panose="020B0604020202020204" pitchFamily="34" charset="0"/>
+              <a:buChar char="•"/>
+            </a:pPr>
+            <a:endParaRPr lang="en-US" altLang="ko-KR" sz="1300" dirty="0">
+              <a:solidFill>
+                <a:srgbClr val="000000"/>
+              </a:solidFill>
+            </a:endParaRPr>
+          </a:p>
+          <a:p>
+            <a:r>
+              <a:rPr lang="en-US" altLang="ko-KR" sz="1300" dirty="0">
+                <a:solidFill>
+                  <a:srgbClr val="000000"/>
+                </a:solidFill>
+              </a:rPr>
+              <a:t>6</a:t>
+            </a:r>
+            <a:r>
+              <a:rPr lang="ko-KR" altLang="en-US" sz="1300" dirty="0">
+                <a:solidFill>
+                  <a:srgbClr val="000000"/>
+                </a:solidFill>
+              </a:rPr>
+              <a:t>주차</a:t>
+            </a:r>
+            <a:endParaRPr lang="en-US" altLang="ko-KR" sz="1300" dirty="0">
+              <a:solidFill>
+                <a:srgbClr val="000000"/>
+              </a:solidFill>
+            </a:endParaRPr>
+          </a:p>
+          <a:p>
+            <a:pPr marL="285750" indent="-285750">
+              <a:buFont typeface="Arial" panose="020B0604020202020204" pitchFamily="34" charset="0"/>
+              <a:buChar char="•"/>
+            </a:pPr>
+            <a:r>
+              <a:rPr lang="ko-KR" altLang="en-US" sz="1300" dirty="0" err="1">
+                <a:solidFill>
+                  <a:srgbClr val="000000"/>
+                </a:solidFill>
+              </a:rPr>
+              <a:t>배포판</a:t>
+            </a:r>
+            <a:r>
+              <a:rPr lang="ko-KR" altLang="en-US" sz="1300" dirty="0">
+                <a:solidFill>
+                  <a:srgbClr val="000000"/>
+                </a:solidFill>
+              </a:rPr>
+              <a:t> 제작</a:t>
+            </a:r>
+            <a:endParaRPr lang="en-US" altLang="ko-KR" sz="1300" dirty="0">
+              <a:solidFill>
+                <a:srgbClr val="000000"/>
+              </a:solidFill>
+            </a:endParaRPr>
           </a:p>
         </p:txBody>
       </p:sp>
       <p:sp>
         <p:nvSpPr>
-          <p:cNvPr id="4" name="사각형: 둥근 모서리 5">
-            <a:extLst>
-              <a:ext uri="{FF2B5EF4-FFF2-40B4-BE49-F238E27FC236}">
-                <a16:creationId xmlns:a16="http://schemas.microsoft.com/office/drawing/2014/main" id="{D5740F8C-A917-37FE-C8E9-74B7AEE07357}"/>
-              </a:ext>
-            </a:extLst>
-          </p:cNvPr>
+          <p:cNvPr id="50" name="자유형 49"/>
           <p:cNvSpPr/>
           <p:nvPr/>
         </p:nvSpPr>
         <p:spPr>
           <a:xfrm>
-            <a:off x="2691435" y="2152064"/>
-            <a:ext cx="6809130" cy="2553872"/>
-          </a:xfrm>
-          <a:prstGeom prst="roundRect">
-            <a:avLst/>
-          </a:prstGeom>
-          <a:noFill/>
-          <a:ln w="57150">
-            <a:solidFill>
-              <a:srgbClr val="8CD3D5"/>
-            </a:solidFill>
-          </a:ln>
-        </p:spPr>
-        <p:style>
-          <a:lnRef idx="2">
-            <a:schemeClr val="accent1">
-              <a:shade val="50000"/>
-            </a:schemeClr>
-          </a:lnRef>
-          <a:fillRef idx="1">
-            <a:schemeClr val="accent1"/>
-          </a:fillRef>
-          <a:effectRef idx="0">
-            <a:schemeClr val="accent1"/>
-          </a:effectRef>
-          <a:fontRef idx="minor">
-            <a:schemeClr val="lt1"/>
-          </a:fontRef>
-        </p:style>
-        <p:txBody>
-          <a:bodyPr rtlCol="0" anchor="ctr"/>
-          <a:lstStyle/>
-          <a:p>
-            <a:pPr algn="ctr"/>
-            <a:r>
-              <a:rPr lang="ko-KR" altLang="en-US" sz="5800" dirty="0">
-                <a:solidFill>
-                  <a:srgbClr val="000000"/>
-                </a:solidFill>
-              </a:rPr>
-              <a:t>감사합니다</a:t>
-            </a:r>
-            <a:endParaRPr lang="en-US" altLang="ko-KR" sz="5800" dirty="0">
-              <a:solidFill>
-                <a:srgbClr val="000000"/>
-              </a:solidFill>
-            </a:endParaRPr>
-          </a:p>
-        </p:txBody>
-      </p:sp>
-    </p:spTree>
-    <p:extLst>
-      <p:ext uri="{BB962C8B-B14F-4D97-AF65-F5344CB8AC3E}">
-        <p14:creationId xmlns:p14="http://schemas.microsoft.com/office/powerpoint/2010/main" val="805470065"/>
-      </p:ext>
-    </p:extLst>
-  </p:cSld>
-  <p:clrMapOvr>
-    <a:masterClrMapping/>
-  </p:clrMapOvr>
-</p:sld>
-</file>
-
-<file path=ppt/slides/slide2.xml><?xml version="1.0" encoding="utf-8"?>
-<p:sld xmlns:a="http://schemas.openxmlformats.org/drawingml/2006/main" xmlns:r="http://schemas.openxmlformats.org/officeDocument/2006/relationships" xmlns:p="http://schemas.openxmlformats.org/presentationml/2006/main">
-  <p:cSld>
-    <p:bg>
-      <p:bgPr>
-        <a:solidFill>
-          <a:srgbClr val="FFFBE8"/>
-        </a:solidFill>
-        <a:effectLst/>
-      </p:bgPr>
-    </p:bg>
-    <p:spTree>
-      <p:nvGrpSpPr>
-        <p:cNvPr id="1" name=""/>
-        <p:cNvGrpSpPr/>
-        <p:nvPr/>
-      </p:nvGrpSpPr>
-      <p:grpSpPr>
-        <a:xfrm>
-          <a:off x="0" y="0"/>
-          <a:ext cx="0" cy="0"/>
-          <a:chOff x="0" y="0"/>
-          <a:chExt cx="0" cy="0"/>
-        </a:xfrm>
-      </p:grpSpPr>
-      <p:sp>
-        <p:nvSpPr>
-          <p:cNvPr id="49" name="자유형 48"/>
-          <p:cNvSpPr/>
-          <p:nvPr/>
-        </p:nvSpPr>
-        <p:spPr>
-          <a:xfrm>
-            <a:off x="2" y="0"/>
+            <a:off x="0" y="0"/>
             <a:ext cx="12191999" cy="965200"/>
           </a:xfrm>
           <a:custGeom>
@@ -5203,33 +5504,88 @@
           </a:bodyPr>
           <a:lstStyle/>
           <a:p>
-            <a:pPr lvl="2">
+            <a:pPr marL="914400" marR="0" lvl="2" indent="0" algn="l" defTabSz="914400" rtl="0" eaLnBrk="1" fontAlgn="auto" latinLnBrk="1" hangingPunct="1">
               <a:lnSpc>
                 <a:spcPct val="150000"/>
               </a:lnSpc>
+              <a:spcBef>
+                <a:spcPts val="0"/>
+              </a:spcBef>
+              <a:spcAft>
+                <a:spcPts val="0"/>
+              </a:spcAft>
+              <a:buClrTx/>
+              <a:buSzTx/>
+              <a:buFontTx/>
+              <a:buNone/>
+              <a:tabLst/>
+              <a:defRPr/>
             </a:pPr>
             <a:r>
-              <a:rPr lang="ko-KR" altLang="en-US" sz="2800" i="1" dirty="0">
+              <a:rPr kumimoji="0" lang="ko-KR" altLang="en-US" sz="2800" b="0" i="1" u="none" strike="noStrike" kern="1200" cap="none" spc="0" normalizeH="0" baseline="0" noProof="0" dirty="0">
+                <a:ln>
+                  <a:noFill/>
+                </a:ln>
                 <a:solidFill>
                   <a:prstClr val="white"/>
                 </a:solidFill>
-              </a:rPr>
-              <a:t>목차</a:t>
-            </a:r>
-            <a:endParaRPr lang="en-US" altLang="ko-KR" sz="2800" dirty="0">
-              <a:solidFill>
-                <a:prstClr val="white"/>
-              </a:solidFill>
-            </a:endParaRPr>
+                <a:effectLst/>
+                <a:uLnTx/>
+                <a:uFillTx/>
+                <a:latin typeface="맑은 고딕" panose="020F0502020204030204"/>
+                <a:ea typeface="맑은 고딕" panose="020B0503020000020004" pitchFamily="50" charset="-127"/>
+                <a:cs typeface="+mn-cs"/>
+              </a:rPr>
+              <a:t>경기도 지역화폐 가맹점 정보 조회 애플리케이션</a:t>
+            </a:r>
           </a:p>
         </p:txBody>
       </p:sp>
+      <p:cxnSp>
+        <p:nvCxnSpPr>
+          <p:cNvPr id="51" name="직선 연결선 50">
+            <a:extLst>
+              <a:ext uri="{FF2B5EF4-FFF2-40B4-BE49-F238E27FC236}">
+                <a16:creationId xmlns:a16="http://schemas.microsoft.com/office/drawing/2014/main" id="{1AE37557-4613-CDAE-BD28-ADE2A1C43FA2}"/>
+              </a:ext>
+            </a:extLst>
+          </p:cNvPr>
+          <p:cNvCxnSpPr>
+            <a:cxnSpLocks/>
+          </p:cNvCxnSpPr>
+          <p:nvPr/>
+        </p:nvCxnSpPr>
+        <p:spPr>
+          <a:xfrm>
+            <a:off x="700497" y="1625144"/>
+            <a:ext cx="2273300" cy="0"/>
+          </a:xfrm>
+          <a:prstGeom prst="line">
+            <a:avLst/>
+          </a:prstGeom>
+          <a:ln w="12700"/>
+        </p:spPr>
+        <p:style>
+          <a:lnRef idx="1">
+            <a:schemeClr val="dk1"/>
+          </a:lnRef>
+          <a:fillRef idx="0">
+            <a:schemeClr val="dk1"/>
+          </a:fillRef>
+          <a:effectRef idx="0">
+            <a:schemeClr val="dk1"/>
+          </a:effectRef>
+          <a:fontRef idx="minor">
+            <a:schemeClr val="tx1"/>
+          </a:fontRef>
+        </p:style>
+      </p:cxnSp>
       <p:sp>
         <p:nvSpPr>
-          <p:cNvPr id="8" name="사각형: 둥근 모서리 7">
+          <p:cNvPr id="20" name="직사각형 19">
             <a:extLst>
               <a:ext uri="{FF2B5EF4-FFF2-40B4-BE49-F238E27FC236}">
-                <a16:creationId xmlns:a16="http://schemas.microsoft.com/office/drawing/2014/main" id="{9EA10790-092C-00DD-1949-4446F18AB5A9}"/>
+                <a16:creationId xmlns:a16="http://schemas.microsoft.com/office/drawing/2014/main" id="{BA46FDC4-C3DB-8FAE-FBF7-4CDFFD28211A}"/>
               </a:ext>
             </a:extLst>
           </p:cNvPr>
@@ -5238,19 +5594,141 @@
         </p:nvSpPr>
         <p:spPr>
           <a:xfrm>
-            <a:off x="3854705" y="1166192"/>
-            <a:ext cx="4482591" cy="5287616"/>
+            <a:off x="847725" y="1098035"/>
+            <a:ext cx="1981200" cy="532282"/>
+          </a:xfrm>
+          <a:prstGeom prst="rect">
+            <a:avLst/>
+          </a:prstGeom>
+          <a:noFill/>
+          <a:ln>
+            <a:noFill/>
+          </a:ln>
+        </p:spPr>
+        <p:style>
+          <a:lnRef idx="2">
+            <a:schemeClr val="dk1"/>
+          </a:lnRef>
+          <a:fillRef idx="1">
+            <a:schemeClr val="lt1"/>
+          </a:fillRef>
+          <a:effectRef idx="0">
+            <a:schemeClr val="dk1"/>
+          </a:effectRef>
+          <a:fontRef idx="minor">
+            <a:schemeClr val="dk1"/>
+          </a:fontRef>
+        </p:style>
+        <p:txBody>
+          <a:bodyPr rtlCol="0" anchor="ctr"/>
+          <a:lstStyle/>
+          <a:p>
+            <a:pPr marL="0" marR="0" lvl="0" indent="0" algn="ctr" defTabSz="914400" rtl="0" eaLnBrk="1" fontAlgn="auto" latinLnBrk="1" hangingPunct="1">
+              <a:lnSpc>
+                <a:spcPct val="100000"/>
+              </a:lnSpc>
+              <a:spcBef>
+                <a:spcPts val="0"/>
+              </a:spcBef>
+              <a:spcAft>
+                <a:spcPts val="0"/>
+              </a:spcAft>
+              <a:buClrTx/>
+              <a:buSzTx/>
+              <a:buFontTx/>
+              <a:buNone/>
+              <a:tabLst/>
+              <a:defRPr/>
+            </a:pPr>
+            <a:r>
+              <a:rPr lang="en-US" altLang="ko-KR" b="1" dirty="0">
+                <a:solidFill>
+                  <a:prstClr val="black">
+                    <a:lumMod val="65000"/>
+                    <a:lumOff val="35000"/>
+                  </a:prstClr>
+                </a:solidFill>
+                <a:latin typeface="맑은 고딕" panose="020F0502020204030204"/>
+                <a:ea typeface="맑은 고딕" panose="020B0503020000020004" pitchFamily="50" charset="-127"/>
+              </a:rPr>
+              <a:t>Commit</a:t>
+            </a:r>
+            <a:r>
+              <a:rPr kumimoji="0" lang="ko-KR" altLang="en-US" sz="1800" b="1" i="0" u="none" strike="noStrike" kern="1200" cap="none" spc="0" normalizeH="0" baseline="0" noProof="0" dirty="0">
+                <a:ln>
+                  <a:noFill/>
+                </a:ln>
+                <a:solidFill>
+                  <a:prstClr val="black">
+                    <a:lumMod val="65000"/>
+                    <a:lumOff val="35000"/>
+                  </a:prstClr>
+                </a:solidFill>
+                <a:effectLst/>
+                <a:uLnTx/>
+                <a:uFillTx/>
+                <a:latin typeface="맑은 고딕" panose="020F0502020204030204"/>
+                <a:ea typeface="맑은 고딕" panose="020B0503020000020004" pitchFamily="50" charset="-127"/>
+                <a:cs typeface="+mn-cs"/>
+              </a:rPr>
+              <a:t> </a:t>
+            </a:r>
+            <a:r>
+              <a:rPr lang="ko-KR" altLang="en-US" b="1" dirty="0">
+                <a:solidFill>
+                  <a:prstClr val="black">
+                    <a:lumMod val="65000"/>
+                    <a:lumOff val="35000"/>
+                  </a:prstClr>
+                </a:solidFill>
+                <a:latin typeface="맑은 고딕" panose="020F0502020204030204"/>
+                <a:ea typeface="맑은 고딕" panose="020B0503020000020004" pitchFamily="50" charset="-127"/>
+              </a:rPr>
+              <a:t>내역</a:t>
+            </a:r>
+            <a:endParaRPr kumimoji="0" lang="ko-KR" altLang="en-US" sz="1800" b="0" i="0" u="none" strike="noStrike" kern="1200" cap="none" spc="0" normalizeH="0" baseline="0" noProof="0" dirty="0">
+              <a:ln>
+                <a:noFill/>
+              </a:ln>
+              <a:solidFill>
+                <a:prstClr val="black"/>
+              </a:solidFill>
+              <a:effectLst/>
+              <a:uLnTx/>
+              <a:uFillTx/>
+              <a:latin typeface="맑은 고딕" panose="020F0502020204030204"/>
+              <a:ea typeface="맑은 고딕" panose="020B0503020000020004" pitchFamily="50" charset="-127"/>
+              <a:cs typeface="+mn-cs"/>
+            </a:endParaRPr>
+          </a:p>
+        </p:txBody>
+      </p:sp>
+      <p:sp>
+        <p:nvSpPr>
+          <p:cNvPr id="11" name="사각형: 둥근 모서리 10">
+            <a:extLst>
+              <a:ext uri="{FF2B5EF4-FFF2-40B4-BE49-F238E27FC236}">
+                <a16:creationId xmlns:a16="http://schemas.microsoft.com/office/drawing/2014/main" id="{5128BA1A-4676-40E4-59B6-24D8713DB83D}"/>
+              </a:ext>
+            </a:extLst>
+          </p:cNvPr>
+          <p:cNvSpPr/>
+          <p:nvPr/>
+        </p:nvSpPr>
+        <p:spPr>
+          <a:xfrm>
+            <a:off x="5744561" y="1103503"/>
+            <a:ext cx="2879433" cy="674209"/>
           </a:xfrm>
           <a:prstGeom prst="roundRect">
-            <a:avLst/>
+            <a:avLst>
+              <a:gd name="adj" fmla="val 0"/>
+            </a:avLst>
           </a:prstGeom>
           <a:noFill/>
           <a:ln w="38100">
             <a:solidFill>
-              <a:schemeClr val="accent6">
-                <a:lumMod val="60000"/>
-                <a:lumOff val="40000"/>
-              </a:schemeClr>
+              <a:srgbClr val="C2DCB1"/>
             </a:solidFill>
           </a:ln>
         </p:spPr>
@@ -5274,364 +5752,815 @@
           <a:bodyPr rtlCol="0" anchor="ctr"/>
           <a:lstStyle/>
           <a:p>
-            <a:pPr>
-              <a:lnSpc>
-                <a:spcPct val="150000"/>
-              </a:lnSpc>
-            </a:pPr>
-            <a:endParaRPr lang="en-US" altLang="ko-KR" sz="1600" b="1" dirty="0">
+            <a:pPr algn="ctr"/>
+            <a:r>
+              <a:rPr lang="en-US" altLang="ko-KR" dirty="0">
+                <a:solidFill>
+                  <a:srgbClr val="000000"/>
+                </a:solidFill>
+              </a:rPr>
+              <a:t>2018184011 </a:t>
+            </a:r>
+            <a:r>
+              <a:rPr lang="ko-KR" altLang="en-US" dirty="0" err="1">
+                <a:solidFill>
+                  <a:srgbClr val="000000"/>
+                </a:solidFill>
+              </a:rPr>
+              <a:t>서길재</a:t>
+            </a:r>
+            <a:endParaRPr lang="en-US" altLang="ko-KR" dirty="0">
               <a:solidFill>
-                <a:prstClr val="black">
-                  <a:lumMod val="65000"/>
-                  <a:lumOff val="35000"/>
-                </a:prstClr>
+                <a:srgbClr val="000000"/>
               </a:solidFill>
             </a:endParaRPr>
           </a:p>
           <a:p>
-            <a:pPr marL="457200" indent="-457200" algn="just">
-              <a:lnSpc>
-                <a:spcPct val="150000"/>
-              </a:lnSpc>
-              <a:buFont typeface="+mj-lt"/>
-              <a:buAutoNum type="arabicPeriod"/>
-            </a:pPr>
-            <a:r>
-              <a:rPr lang="ko-KR" altLang="en-US" sz="2000" b="1" dirty="0">
-                <a:solidFill>
-                  <a:prstClr val="black">
-                    <a:lumMod val="65000"/>
-                    <a:lumOff val="35000"/>
-                  </a:prstClr>
-                </a:solidFill>
-              </a:rPr>
-              <a:t>프로그램 소개</a:t>
-            </a:r>
-            <a:r>
-              <a:rPr lang="en-US" altLang="ko-KR" sz="1400" b="1" dirty="0">
-                <a:solidFill>
-                  <a:prstClr val="black">
-                    <a:lumMod val="65000"/>
-                    <a:lumOff val="35000"/>
-                  </a:prstClr>
-                </a:solidFill>
-              </a:rPr>
-              <a:t>---------------------03</a:t>
-            </a:r>
-          </a:p>
-          <a:p>
-            <a:pPr marL="342900" indent="-342900" algn="just">
-              <a:lnSpc>
-                <a:spcPct val="150000"/>
-              </a:lnSpc>
-              <a:buFont typeface="+mj-lt"/>
-              <a:buAutoNum type="arabicPeriod"/>
-            </a:pPr>
-            <a:endParaRPr lang="en-US" altLang="ko-KR" sz="1400" b="1" dirty="0">
+            <a:pPr algn="ctr"/>
+            <a:r>
+              <a:rPr lang="en-US" altLang="ko-KR" dirty="0">
+                <a:solidFill>
+                  <a:srgbClr val="000000"/>
+                </a:solidFill>
+              </a:rPr>
+              <a:t>Commit Name - </a:t>
+            </a:r>
+            <a:r>
+              <a:rPr lang="en-US" altLang="ko-KR" dirty="0" err="1">
+                <a:solidFill>
+                  <a:srgbClr val="000000"/>
+                </a:solidFill>
+              </a:rPr>
+              <a:t>SeoGJ</a:t>
+            </a:r>
+            <a:r>
+              <a:rPr lang="en-US" altLang="ko-KR" dirty="0">
+                <a:solidFill>
+                  <a:srgbClr val="000000"/>
+                </a:solidFill>
+              </a:rPr>
+              <a:t> </a:t>
+            </a:r>
+          </a:p>
+        </p:txBody>
+      </p:sp>
+      <p:pic>
+        <p:nvPicPr>
+          <p:cNvPr id="5" name="그림 4" descr="텍스트이(가) 표시된 사진&#10;&#10;자동 생성된 설명">
+            <a:extLst>
+              <a:ext uri="{FF2B5EF4-FFF2-40B4-BE49-F238E27FC236}">
+                <a16:creationId xmlns:a16="http://schemas.microsoft.com/office/drawing/2014/main" id="{E62B7D08-72A0-2090-4877-D8EA2B2CB2BE}"/>
+              </a:ext>
+            </a:extLst>
+          </p:cNvPr>
+          <p:cNvPicPr>
+            <a:picLocks noChangeAspect="1"/>
+          </p:cNvPicPr>
+          <p:nvPr/>
+        </p:nvPicPr>
+        <p:blipFill rotWithShape="1">
+          <a:blip r:embed="rId3">
+            <a:extLst>
+              <a:ext uri="{28A0092B-C50C-407E-A947-70E740481C1C}">
+                <a14:useLocalDpi xmlns:a14="http://schemas.microsoft.com/office/drawing/2010/main" val="0"/>
+              </a:ext>
+            </a:extLst>
+          </a:blip>
+          <a:srcRect r="66842"/>
+          <a:stretch/>
+        </p:blipFill>
+        <p:spPr>
+          <a:xfrm>
+            <a:off x="2910926" y="1763151"/>
+            <a:ext cx="2685241" cy="4700331"/>
+          </a:xfrm>
+          <a:prstGeom prst="rect">
+            <a:avLst/>
+          </a:prstGeom>
+          <a:ln>
+            <a:solidFill>
+              <a:schemeClr val="tx1"/>
+            </a:solidFill>
+          </a:ln>
+        </p:spPr>
+      </p:pic>
+      <p:pic>
+        <p:nvPicPr>
+          <p:cNvPr id="3" name="그림 2" descr="텍스트, 화면, 스크린샷, 서류이(가) 표시된 사진&#10;&#10;자동 생성된 설명">
+            <a:extLst>
+              <a:ext uri="{FF2B5EF4-FFF2-40B4-BE49-F238E27FC236}">
+                <a16:creationId xmlns:a16="http://schemas.microsoft.com/office/drawing/2014/main" id="{BD4FCD9D-5DAA-17C1-5EAB-D77B9040C6D5}"/>
+              </a:ext>
+            </a:extLst>
+          </p:cNvPr>
+          <p:cNvPicPr>
+            <a:picLocks noChangeAspect="1"/>
+          </p:cNvPicPr>
+          <p:nvPr/>
+        </p:nvPicPr>
+        <p:blipFill rotWithShape="1">
+          <a:blip r:embed="rId4">
+            <a:extLst>
+              <a:ext uri="{28A0092B-C50C-407E-A947-70E740481C1C}">
+                <a14:useLocalDpi xmlns:a14="http://schemas.microsoft.com/office/drawing/2010/main" val="0"/>
+              </a:ext>
+            </a:extLst>
+          </a:blip>
+          <a:srcRect r="64966"/>
+          <a:stretch/>
+        </p:blipFill>
+        <p:spPr>
+          <a:xfrm>
+            <a:off x="225685" y="1763152"/>
+            <a:ext cx="2685241" cy="4700330"/>
+          </a:xfrm>
+          <a:prstGeom prst="rect">
+            <a:avLst/>
+          </a:prstGeom>
+          <a:ln>
+            <a:solidFill>
+              <a:schemeClr val="tx1"/>
+            </a:solidFill>
+          </a:ln>
+        </p:spPr>
+      </p:pic>
+      <p:sp>
+        <p:nvSpPr>
+          <p:cNvPr id="18" name="사각형: 둥근 모서리 17">
+            <a:extLst>
+              <a:ext uri="{FF2B5EF4-FFF2-40B4-BE49-F238E27FC236}">
+                <a16:creationId xmlns:a16="http://schemas.microsoft.com/office/drawing/2014/main" id="{7FF2289E-1439-80F8-5417-8F7469742C50}"/>
+              </a:ext>
+            </a:extLst>
+          </p:cNvPr>
+          <p:cNvSpPr/>
+          <p:nvPr/>
+        </p:nvSpPr>
+        <p:spPr>
+          <a:xfrm>
+            <a:off x="8623994" y="1781344"/>
+            <a:ext cx="3093195" cy="4700331"/>
+          </a:xfrm>
+          <a:prstGeom prst="roundRect">
+            <a:avLst>
+              <a:gd name="adj" fmla="val 0"/>
+            </a:avLst>
+          </a:prstGeom>
+          <a:noFill/>
+          <a:ln w="38100">
+            <a:solidFill>
+              <a:srgbClr val="C2DCB1"/>
+            </a:solidFill>
+          </a:ln>
+        </p:spPr>
+        <p:style>
+          <a:lnRef idx="2">
+            <a:schemeClr val="accent1">
+              <a:shade val="50000"/>
+            </a:schemeClr>
+          </a:lnRef>
+          <a:fillRef idx="1">
+            <a:schemeClr val="accent1"/>
+          </a:fillRef>
+          <a:effectRef idx="0">
+            <a:schemeClr val="accent1"/>
+          </a:effectRef>
+          <a:fontRef idx="minor">
+            <a:schemeClr val="lt1"/>
+          </a:fontRef>
+        </p:style>
+        <p:txBody>
+          <a:bodyPr rtlCol="0" anchor="ctr"/>
+          <a:lstStyle/>
+          <a:p>
+            <a:endParaRPr lang="en-US" altLang="ko-KR" sz="1300" dirty="0">
               <a:solidFill>
-                <a:prstClr val="black">
-                  <a:lumMod val="65000"/>
-                  <a:lumOff val="35000"/>
-                </a:prstClr>
+                <a:srgbClr val="000000"/>
               </a:solidFill>
             </a:endParaRPr>
           </a:p>
           <a:p>
-            <a:pPr marL="457200" indent="-457200" algn="just">
-              <a:lnSpc>
-                <a:spcPct val="150000"/>
-              </a:lnSpc>
-              <a:buFont typeface="+mj-lt"/>
-              <a:buAutoNum type="arabicPeriod"/>
-            </a:pPr>
-            <a:r>
-              <a:rPr lang="ko-KR" altLang="en-US" sz="2000" b="1" dirty="0">
-                <a:solidFill>
-                  <a:prstClr val="black">
-                    <a:lumMod val="65000"/>
-                    <a:lumOff val="35000"/>
-                  </a:prstClr>
-                </a:solidFill>
-              </a:rPr>
-              <a:t>개발 일정</a:t>
-            </a:r>
-            <a:r>
-              <a:rPr lang="en-US" altLang="ko-KR" sz="1400" b="1" dirty="0">
-                <a:solidFill>
-                  <a:prstClr val="black">
-                    <a:lumMod val="65000"/>
-                    <a:lumOff val="35000"/>
-                  </a:prstClr>
-                </a:solidFill>
-              </a:rPr>
-              <a:t>----------------------------04</a:t>
-            </a:r>
-            <a:endParaRPr lang="en-US" altLang="ko-KR" sz="1600" b="1" dirty="0">
+            <a:r>
+              <a:rPr lang="en-US" altLang="ko-KR" sz="1300" dirty="0">
+                <a:solidFill>
+                  <a:srgbClr val="000000"/>
+                </a:solidFill>
+              </a:rPr>
+              <a:t>1</a:t>
+            </a:r>
+            <a:r>
+              <a:rPr lang="ko-KR" altLang="en-US" sz="1300" dirty="0">
+                <a:solidFill>
+                  <a:srgbClr val="000000"/>
+                </a:solidFill>
+              </a:rPr>
+              <a:t>주차</a:t>
+            </a:r>
+            <a:endParaRPr lang="en-US" altLang="ko-KR" sz="1300" dirty="0">
               <a:solidFill>
-                <a:prstClr val="black">
-                  <a:lumMod val="65000"/>
-                  <a:lumOff val="35000"/>
-                </a:prstClr>
+                <a:srgbClr val="000000"/>
               </a:solidFill>
             </a:endParaRPr>
           </a:p>
           <a:p>
-            <a:pPr marL="342900" indent="-342900" algn="just">
-              <a:lnSpc>
-                <a:spcPct val="150000"/>
-              </a:lnSpc>
-              <a:buFont typeface="+mj-lt"/>
-              <a:buAutoNum type="arabicPeriod"/>
+            <a:pPr marL="285750" indent="-285750">
+              <a:buFont typeface="Arial" panose="020B0604020202020204" pitchFamily="34" charset="0"/>
+              <a:buChar char="•"/>
             </a:pPr>
-            <a:endParaRPr lang="en-US" altLang="ko-KR" sz="1600" b="1" dirty="0">
+            <a:r>
+              <a:rPr lang="en-US" altLang="ko-KR" sz="1300" dirty="0">
+                <a:solidFill>
+                  <a:srgbClr val="000000"/>
+                </a:solidFill>
+              </a:rPr>
+              <a:t>Tik-</a:t>
+            </a:r>
+            <a:r>
+              <a:rPr lang="en-US" altLang="ko-KR" sz="1300" dirty="0" err="1">
+                <a:solidFill>
+                  <a:srgbClr val="000000"/>
+                </a:solidFill>
+              </a:rPr>
+              <a:t>Tak</a:t>
+            </a:r>
+            <a:r>
+              <a:rPr lang="en-US" altLang="ko-KR" sz="1300" dirty="0">
+                <a:solidFill>
+                  <a:srgbClr val="000000"/>
+                </a:solidFill>
+              </a:rPr>
+              <a:t>-Toe </a:t>
+            </a:r>
+            <a:r>
+              <a:rPr lang="ko-KR" altLang="en-US" sz="1300" dirty="0">
+                <a:solidFill>
+                  <a:srgbClr val="000000"/>
+                </a:solidFill>
+              </a:rPr>
+              <a:t>제작 </a:t>
+            </a:r>
+            <a:endParaRPr lang="en-US" altLang="ko-KR" sz="1300" dirty="0">
               <a:solidFill>
-                <a:prstClr val="black">
-                  <a:lumMod val="65000"/>
-                  <a:lumOff val="35000"/>
-                </a:prstClr>
+                <a:srgbClr val="000000"/>
               </a:solidFill>
             </a:endParaRPr>
           </a:p>
           <a:p>
-            <a:pPr marL="457200" indent="-457200" algn="just">
-              <a:lnSpc>
-                <a:spcPct val="150000"/>
-              </a:lnSpc>
-              <a:buFont typeface="+mj-lt"/>
-              <a:buAutoNum type="arabicPeriod"/>
+            <a:pPr marL="285750" indent="-285750">
+              <a:buFont typeface="Arial" panose="020B0604020202020204" pitchFamily="34" charset="0"/>
+              <a:buChar char="•"/>
             </a:pPr>
             <a:r>
-              <a:rPr lang="ko-KR" altLang="en-US" sz="2000" b="1" dirty="0">
-                <a:solidFill>
-                  <a:prstClr val="black">
-                    <a:lumMod val="65000"/>
-                    <a:lumOff val="35000"/>
-                  </a:prstClr>
-                </a:solidFill>
-              </a:rPr>
-              <a:t>사용한 </a:t>
-            </a:r>
-            <a:r>
-              <a:rPr lang="en-US" altLang="ko-KR" sz="2000" b="1" dirty="0">
-                <a:solidFill>
-                  <a:prstClr val="black">
-                    <a:lumMod val="65000"/>
-                    <a:lumOff val="35000"/>
-                  </a:prstClr>
-                </a:solidFill>
-              </a:rPr>
-              <a:t>Open API</a:t>
-            </a:r>
-            <a:r>
-              <a:rPr lang="en-US" altLang="ko-KR" sz="1400" b="1" dirty="0">
-                <a:solidFill>
-                  <a:prstClr val="black">
-                    <a:lumMod val="65000"/>
-                    <a:lumOff val="35000"/>
-                  </a:prstClr>
-                </a:solidFill>
-              </a:rPr>
-              <a:t>----------------07</a:t>
-            </a:r>
-          </a:p>
-          <a:p>
-            <a:pPr marL="342900" indent="-342900" algn="just">
-              <a:lnSpc>
-                <a:spcPct val="150000"/>
-              </a:lnSpc>
-              <a:buFont typeface="+mj-lt"/>
-              <a:buAutoNum type="arabicPeriod"/>
-            </a:pPr>
-            <a:endParaRPr lang="en-US" altLang="ko-KR" sz="1600" b="1" dirty="0">
+              <a:rPr lang="en-US" altLang="ko-KR" sz="1300" dirty="0">
+                <a:solidFill>
+                  <a:srgbClr val="000000"/>
+                </a:solidFill>
+              </a:rPr>
+              <a:t>UI</a:t>
+            </a:r>
+            <a:r>
+              <a:rPr lang="ko-KR" altLang="en-US" sz="1300" dirty="0">
+                <a:solidFill>
+                  <a:srgbClr val="000000"/>
+                </a:solidFill>
+              </a:rPr>
+              <a:t>구도 잡기</a:t>
+            </a:r>
+            <a:endParaRPr lang="en-US" altLang="ko-KR" sz="1300" dirty="0">
               <a:solidFill>
-                <a:prstClr val="black">
-                  <a:lumMod val="65000"/>
-                  <a:lumOff val="35000"/>
-                </a:prstClr>
+                <a:srgbClr val="000000"/>
               </a:solidFill>
             </a:endParaRPr>
           </a:p>
           <a:p>
-            <a:pPr marL="457200" indent="-457200" algn="just">
-              <a:lnSpc>
-                <a:spcPct val="150000"/>
-              </a:lnSpc>
-              <a:buFont typeface="+mj-lt"/>
-              <a:buAutoNum type="arabicPeriod"/>
-            </a:pPr>
-            <a:r>
-              <a:rPr lang="en-US" altLang="ko-KR" sz="2000" b="1" dirty="0" err="1">
-                <a:solidFill>
-                  <a:prstClr val="black">
-                    <a:lumMod val="65000"/>
-                    <a:lumOff val="35000"/>
-                  </a:prstClr>
-                </a:solidFill>
-              </a:rPr>
-              <a:t>Git</a:t>
-            </a:r>
-            <a:r>
-              <a:rPr lang="en-US" altLang="ko-KR" sz="2000" b="1" dirty="0">
-                <a:solidFill>
-                  <a:prstClr val="black">
-                    <a:lumMod val="65000"/>
-                    <a:lumOff val="35000"/>
-                  </a:prstClr>
-                </a:solidFill>
-              </a:rPr>
-              <a:t> </a:t>
-            </a:r>
-            <a:r>
-              <a:rPr lang="ko-KR" altLang="en-US" sz="2000" b="1" dirty="0">
-                <a:solidFill>
-                  <a:prstClr val="black">
-                    <a:lumMod val="65000"/>
-                    <a:lumOff val="35000"/>
-                  </a:prstClr>
-                </a:solidFill>
-              </a:rPr>
-              <a:t>통계</a:t>
-            </a:r>
-            <a:r>
-              <a:rPr lang="en-US" altLang="ko-KR" sz="1400" b="1" dirty="0">
-                <a:solidFill>
-                  <a:prstClr val="black">
-                    <a:lumMod val="65000"/>
-                    <a:lumOff val="35000"/>
-                  </a:prstClr>
-                </a:solidFill>
-              </a:rPr>
-              <a:t>------------------------------08</a:t>
-            </a:r>
-          </a:p>
-          <a:p>
-            <a:pPr marL="342900" indent="-342900" algn="just">
-              <a:lnSpc>
-                <a:spcPct val="150000"/>
-              </a:lnSpc>
-              <a:buFont typeface="+mj-lt"/>
-              <a:buAutoNum type="arabicPeriod"/>
-            </a:pPr>
-            <a:endParaRPr lang="en-US" altLang="ko-KR" sz="1600" b="1" dirty="0">
+            <a:endParaRPr lang="en-US" altLang="ko-KR" sz="1300" dirty="0">
               <a:solidFill>
-                <a:prstClr val="black">
-                  <a:lumMod val="65000"/>
-                  <a:lumOff val="35000"/>
-                </a:prstClr>
+                <a:srgbClr val="000000"/>
               </a:solidFill>
             </a:endParaRPr>
           </a:p>
           <a:p>
-            <a:pPr marL="457200" indent="-457200" algn="just">
-              <a:lnSpc>
-                <a:spcPct val="150000"/>
-              </a:lnSpc>
-              <a:buFont typeface="+mj-lt"/>
-              <a:buAutoNum type="arabicPeriod"/>
-            </a:pPr>
-            <a:r>
-              <a:rPr lang="ko-KR" altLang="en-US" sz="2000" b="1" dirty="0">
-                <a:solidFill>
-                  <a:prstClr val="black">
-                    <a:lumMod val="65000"/>
-                    <a:lumOff val="35000"/>
-                  </a:prstClr>
-                </a:solidFill>
-              </a:rPr>
-              <a:t>프로그램 시현</a:t>
-            </a:r>
-            <a:r>
-              <a:rPr lang="en-US" altLang="ko-KR" sz="1400" b="1" dirty="0">
-                <a:solidFill>
-                  <a:prstClr val="black">
-                    <a:lumMod val="65000"/>
-                    <a:lumOff val="35000"/>
-                  </a:prstClr>
-                </a:solidFill>
-              </a:rPr>
-              <a:t>---------------------09</a:t>
-            </a:r>
-          </a:p>
-          <a:p>
-            <a:pPr marL="457200" indent="-457200" algn="just">
-              <a:lnSpc>
-                <a:spcPct val="150000"/>
-              </a:lnSpc>
-              <a:buFont typeface="+mj-lt"/>
-              <a:buAutoNum type="arabicPeriod"/>
-            </a:pPr>
-            <a:endParaRPr lang="en-US" altLang="ko-KR" sz="1400" b="1" dirty="0">
+            <a:r>
+              <a:rPr lang="en-US" altLang="ko-KR" sz="1300" dirty="0">
+                <a:solidFill>
+                  <a:srgbClr val="000000"/>
+                </a:solidFill>
+              </a:rPr>
+              <a:t>2</a:t>
+            </a:r>
+            <a:r>
+              <a:rPr lang="ko-KR" altLang="en-US" sz="1300" dirty="0">
+                <a:solidFill>
+                  <a:srgbClr val="000000"/>
+                </a:solidFill>
+              </a:rPr>
+              <a:t>주차</a:t>
+            </a:r>
+            <a:endParaRPr lang="en-US" altLang="ko-KR" sz="1300" dirty="0">
               <a:solidFill>
-                <a:prstClr val="black">
-                  <a:lumMod val="65000"/>
-                  <a:lumOff val="35000"/>
-                </a:prstClr>
+                <a:srgbClr val="000000"/>
               </a:solidFill>
             </a:endParaRPr>
           </a:p>
           <a:p>
-            <a:pPr marL="457200" indent="-457200" algn="just">
-              <a:lnSpc>
-                <a:spcPct val="150000"/>
-              </a:lnSpc>
-              <a:buFont typeface="+mj-lt"/>
-              <a:buAutoNum type="arabicPeriod"/>
+            <a:pPr marL="285750" indent="-285750">
+              <a:buFont typeface="Arial" panose="020B0604020202020204" pitchFamily="34" charset="0"/>
+              <a:buChar char="•"/>
             </a:pPr>
             <a:r>
-              <a:rPr lang="en-US" altLang="ko-KR" sz="2000" b="1" dirty="0">
-                <a:solidFill>
-                  <a:prstClr val="black">
-                    <a:lumMod val="65000"/>
-                    <a:lumOff val="35000"/>
-                  </a:prstClr>
-                </a:solidFill>
-              </a:rPr>
-              <a:t>Yahtzee </a:t>
-            </a:r>
-            <a:r>
-              <a:rPr lang="ko-KR" altLang="en-US" sz="2000" b="1" dirty="0">
-                <a:solidFill>
-                  <a:prstClr val="black">
-                    <a:lumMod val="65000"/>
-                    <a:lumOff val="35000"/>
-                  </a:prstClr>
-                </a:solidFill>
-              </a:rPr>
-              <a:t>게임 시현</a:t>
-            </a:r>
-            <a:r>
-              <a:rPr lang="en-US" altLang="ko-KR" sz="1400" b="1" dirty="0">
-                <a:solidFill>
-                  <a:prstClr val="black">
-                    <a:lumMod val="65000"/>
-                    <a:lumOff val="35000"/>
-                  </a:prstClr>
-                </a:solidFill>
-              </a:rPr>
-              <a:t>--------------09</a:t>
-            </a:r>
-          </a:p>
-          <a:p>
-            <a:pPr lvl="1" algn="dist">
-              <a:lnSpc>
-                <a:spcPct val="150000"/>
-              </a:lnSpc>
+              <a:rPr lang="ko-KR" altLang="en-US" sz="1300" dirty="0">
+                <a:solidFill>
+                  <a:srgbClr val="000000"/>
+                </a:solidFill>
+              </a:rPr>
+              <a:t>기획 발표자료 </a:t>
+            </a:r>
+            <a:r>
+              <a:rPr lang="en-US" altLang="ko-KR" sz="1300" dirty="0">
+                <a:solidFill>
+                  <a:srgbClr val="000000"/>
+                </a:solidFill>
+              </a:rPr>
+              <a:t>Commit</a:t>
+            </a:r>
+          </a:p>
+          <a:p>
+            <a:pPr marL="285750" indent="-285750">
+              <a:buFont typeface="Arial" panose="020B0604020202020204" pitchFamily="34" charset="0"/>
+              <a:buChar char="•"/>
             </a:pPr>
-            <a:endParaRPr lang="en-US" altLang="ko-KR" sz="1400" b="1" dirty="0">
+            <a:endParaRPr lang="en-US" altLang="ko-KR" sz="1300" dirty="0">
               <a:solidFill>
-                <a:prstClr val="black">
-                  <a:lumMod val="65000"/>
-                  <a:lumOff val="35000"/>
-                </a:prstClr>
+                <a:srgbClr val="000000"/>
               </a:solidFill>
             </a:endParaRPr>
+          </a:p>
+          <a:p>
+            <a:r>
+              <a:rPr lang="en-US" altLang="ko-KR" sz="1300" dirty="0">
+                <a:solidFill>
+                  <a:srgbClr val="000000"/>
+                </a:solidFill>
+              </a:rPr>
+              <a:t>3</a:t>
+            </a:r>
+            <a:r>
+              <a:rPr lang="ko-KR" altLang="en-US" sz="1300" dirty="0">
+                <a:solidFill>
+                  <a:srgbClr val="000000"/>
+                </a:solidFill>
+              </a:rPr>
+              <a:t>주차</a:t>
+            </a:r>
+            <a:endParaRPr lang="en-US" altLang="ko-KR" sz="1300" dirty="0">
+              <a:solidFill>
+                <a:srgbClr val="000000"/>
+              </a:solidFill>
+            </a:endParaRPr>
+          </a:p>
+          <a:p>
+            <a:pPr marL="285750" indent="-285750">
+              <a:buFont typeface="Arial" panose="020B0604020202020204" pitchFamily="34" charset="0"/>
+              <a:buChar char="•"/>
+            </a:pPr>
+            <a:r>
+              <a:rPr lang="en-US" altLang="ko-KR" sz="1300" dirty="0">
+                <a:solidFill>
+                  <a:srgbClr val="000000"/>
+                </a:solidFill>
+              </a:rPr>
+              <a:t>Hangman </a:t>
+            </a:r>
+            <a:r>
+              <a:rPr lang="ko-KR" altLang="en-US" sz="1300" dirty="0">
+                <a:solidFill>
+                  <a:srgbClr val="000000"/>
+                </a:solidFill>
+              </a:rPr>
+              <a:t>게임 업로드</a:t>
+            </a:r>
+            <a:endParaRPr lang="en-US" altLang="ko-KR" sz="1300" dirty="0">
+              <a:solidFill>
+                <a:srgbClr val="000000"/>
+              </a:solidFill>
+            </a:endParaRPr>
+          </a:p>
+          <a:p>
+            <a:pPr marL="285750" indent="-285750">
+              <a:buFont typeface="Arial" panose="020B0604020202020204" pitchFamily="34" charset="0"/>
+              <a:buChar char="•"/>
+            </a:pPr>
+            <a:r>
+              <a:rPr lang="en-US" altLang="ko-KR" sz="1300" dirty="0">
+                <a:solidFill>
+                  <a:srgbClr val="000000"/>
+                </a:solidFill>
+              </a:rPr>
+              <a:t>GUI</a:t>
+            </a:r>
+            <a:r>
+              <a:rPr lang="ko-KR" altLang="en-US" sz="1300" dirty="0">
+                <a:solidFill>
+                  <a:srgbClr val="000000"/>
+                </a:solidFill>
+              </a:rPr>
+              <a:t>제작</a:t>
+            </a:r>
+            <a:r>
+              <a:rPr lang="en-US" altLang="ko-KR" sz="1300" dirty="0">
+                <a:solidFill>
+                  <a:srgbClr val="000000"/>
+                </a:solidFill>
+              </a:rPr>
+              <a:t> </a:t>
+            </a:r>
+            <a:r>
+              <a:rPr lang="ko-KR" altLang="en-US" sz="1300" dirty="0">
+                <a:solidFill>
+                  <a:srgbClr val="000000"/>
+                </a:solidFill>
+              </a:rPr>
+              <a:t>및 검색기능 구현</a:t>
+            </a:r>
+            <a:endParaRPr lang="en-US" altLang="ko-KR" sz="1300" dirty="0">
+              <a:solidFill>
+                <a:srgbClr val="000000"/>
+              </a:solidFill>
+            </a:endParaRPr>
+          </a:p>
+          <a:p>
+            <a:pPr marL="285750" indent="-285750">
+              <a:buFont typeface="Arial" panose="020B0604020202020204" pitchFamily="34" charset="0"/>
+              <a:buChar char="•"/>
+            </a:pPr>
+            <a:r>
+              <a:rPr lang="en-US" altLang="ko-KR" sz="1300" dirty="0" err="1">
+                <a:solidFill>
+                  <a:srgbClr val="000000"/>
+                </a:solidFill>
+              </a:rPr>
+              <a:t>OpenApi</a:t>
+            </a:r>
+            <a:r>
+              <a:rPr lang="ko-KR" altLang="en-US" sz="1300" dirty="0">
+                <a:solidFill>
+                  <a:srgbClr val="000000"/>
+                </a:solidFill>
+              </a:rPr>
+              <a:t>를 이용하여 데이터 호출</a:t>
+            </a:r>
+            <a:endParaRPr lang="en-US" altLang="ko-KR" sz="1300" dirty="0">
+              <a:solidFill>
+                <a:srgbClr val="000000"/>
+              </a:solidFill>
+            </a:endParaRPr>
+          </a:p>
+          <a:p>
+            <a:pPr marL="285750" indent="-285750">
+              <a:buFont typeface="Arial" panose="020B0604020202020204" pitchFamily="34" charset="0"/>
+              <a:buChar char="•"/>
+            </a:pPr>
+            <a:endParaRPr lang="en-US" altLang="ko-KR" sz="1300" dirty="0">
+              <a:solidFill>
+                <a:srgbClr val="000000"/>
+              </a:solidFill>
+            </a:endParaRPr>
+          </a:p>
+          <a:p>
+            <a:r>
+              <a:rPr lang="en-US" altLang="ko-KR" sz="1300" dirty="0">
+                <a:solidFill>
+                  <a:srgbClr val="000000"/>
+                </a:solidFill>
+              </a:rPr>
+              <a:t>4</a:t>
+            </a:r>
+            <a:r>
+              <a:rPr lang="ko-KR" altLang="en-US" sz="1300" dirty="0">
+                <a:solidFill>
+                  <a:srgbClr val="000000"/>
+                </a:solidFill>
+              </a:rPr>
+              <a:t>주차</a:t>
+            </a:r>
+            <a:endParaRPr lang="en-US" altLang="ko-KR" sz="1300" dirty="0">
+              <a:solidFill>
+                <a:srgbClr val="000000"/>
+              </a:solidFill>
+            </a:endParaRPr>
+          </a:p>
+          <a:p>
+            <a:pPr marL="285750" indent="-285750">
+              <a:buFont typeface="Arial" panose="020B0604020202020204" pitchFamily="34" charset="0"/>
+              <a:buChar char="•"/>
+            </a:pPr>
+            <a:r>
+              <a:rPr lang="ko-KR" altLang="en-US" sz="1300" dirty="0">
+                <a:solidFill>
+                  <a:srgbClr val="000000"/>
+                </a:solidFill>
+              </a:rPr>
+              <a:t>데이터 호출 기능 변경</a:t>
+            </a:r>
+            <a:endParaRPr lang="en-US" altLang="ko-KR" sz="1300" dirty="0">
+              <a:solidFill>
+                <a:srgbClr val="000000"/>
+              </a:solidFill>
+            </a:endParaRPr>
+          </a:p>
+          <a:p>
+            <a:pPr marL="285750" indent="-285750">
+              <a:buFont typeface="Arial" panose="020B0604020202020204" pitchFamily="34" charset="0"/>
+              <a:buChar char="•"/>
+            </a:pPr>
+            <a:r>
+              <a:rPr lang="ko-KR" altLang="en-US" sz="1300" dirty="0">
+                <a:solidFill>
+                  <a:srgbClr val="000000"/>
+                </a:solidFill>
+              </a:rPr>
+              <a:t>검색 기능 변경</a:t>
+            </a:r>
+            <a:endParaRPr lang="en-US" altLang="ko-KR" sz="1300" dirty="0">
+              <a:solidFill>
+                <a:srgbClr val="000000"/>
+              </a:solidFill>
+            </a:endParaRPr>
+          </a:p>
+          <a:p>
+            <a:pPr marL="285750" indent="-285750">
+              <a:buFont typeface="Arial" panose="020B0604020202020204" pitchFamily="34" charset="0"/>
+              <a:buChar char="•"/>
+            </a:pPr>
+            <a:endParaRPr lang="en-US" altLang="ko-KR" sz="1300" dirty="0">
+              <a:solidFill>
+                <a:srgbClr val="000000"/>
+              </a:solidFill>
+            </a:endParaRPr>
+          </a:p>
+          <a:p>
+            <a:r>
+              <a:rPr lang="en-US" altLang="ko-KR" sz="1300" dirty="0">
+                <a:solidFill>
+                  <a:srgbClr val="000000"/>
+                </a:solidFill>
+              </a:rPr>
+              <a:t>5</a:t>
+            </a:r>
+            <a:r>
+              <a:rPr lang="ko-KR" altLang="en-US" sz="1300" dirty="0">
+                <a:solidFill>
+                  <a:srgbClr val="000000"/>
+                </a:solidFill>
+              </a:rPr>
+              <a:t>주차</a:t>
+            </a:r>
+            <a:endParaRPr lang="en-US" altLang="ko-KR" sz="1300" dirty="0">
+              <a:solidFill>
+                <a:srgbClr val="000000"/>
+              </a:solidFill>
+            </a:endParaRPr>
+          </a:p>
+          <a:p>
+            <a:pPr marL="285750" indent="-285750">
+              <a:buFont typeface="Arial" panose="020B0604020202020204" pitchFamily="34" charset="0"/>
+              <a:buChar char="•"/>
+            </a:pPr>
+            <a:r>
+              <a:rPr lang="en-US" altLang="ko-KR" sz="1300" dirty="0">
+                <a:solidFill>
+                  <a:srgbClr val="000000"/>
+                </a:solidFill>
+              </a:rPr>
+              <a:t>Yahtzee </a:t>
+            </a:r>
+            <a:r>
+              <a:rPr lang="ko-KR" altLang="en-US" sz="1300" dirty="0">
+                <a:solidFill>
+                  <a:srgbClr val="000000"/>
+                </a:solidFill>
+              </a:rPr>
+              <a:t>게임 제작</a:t>
+            </a:r>
+            <a:endParaRPr lang="en-US" altLang="ko-KR" sz="1300" dirty="0">
+              <a:solidFill>
+                <a:srgbClr val="000000"/>
+              </a:solidFill>
+            </a:endParaRPr>
+          </a:p>
+          <a:p>
+            <a:pPr marL="285750" indent="-285750">
+              <a:buFont typeface="Arial" panose="020B0604020202020204" pitchFamily="34" charset="0"/>
+              <a:buChar char="•"/>
+            </a:pPr>
+            <a:endParaRPr lang="en-US" altLang="ko-KR" sz="1300" dirty="0">
+              <a:solidFill>
+                <a:srgbClr val="000000"/>
+              </a:solidFill>
+            </a:endParaRPr>
+          </a:p>
+          <a:p>
+            <a:r>
+              <a:rPr lang="en-US" altLang="ko-KR" sz="1300" dirty="0">
+                <a:solidFill>
+                  <a:srgbClr val="000000"/>
+                </a:solidFill>
+              </a:rPr>
+              <a:t>6</a:t>
+            </a:r>
+            <a:r>
+              <a:rPr lang="ko-KR" altLang="en-US" sz="1300" dirty="0">
+                <a:solidFill>
+                  <a:srgbClr val="000000"/>
+                </a:solidFill>
+              </a:rPr>
+              <a:t>주차</a:t>
+            </a:r>
+            <a:endParaRPr lang="en-US" altLang="ko-KR" sz="1300" dirty="0">
+              <a:solidFill>
+                <a:srgbClr val="000000"/>
+              </a:solidFill>
+            </a:endParaRPr>
+          </a:p>
+          <a:p>
+            <a:pPr marL="285750" indent="-285750">
+              <a:buFont typeface="Arial" panose="020B0604020202020204" pitchFamily="34" charset="0"/>
+              <a:buChar char="•"/>
+            </a:pPr>
+            <a:r>
+              <a:rPr lang="en-US" altLang="ko-KR" sz="1300" dirty="0">
+                <a:solidFill>
+                  <a:srgbClr val="000000"/>
+                </a:solidFill>
+              </a:rPr>
+              <a:t>Telegram Bot </a:t>
+            </a:r>
+            <a:r>
+              <a:rPr lang="ko-KR" altLang="en-US" sz="1300" dirty="0">
+                <a:solidFill>
+                  <a:srgbClr val="000000"/>
+                </a:solidFill>
+              </a:rPr>
+              <a:t>연동</a:t>
+            </a:r>
+            <a:endParaRPr lang="en-US" altLang="ko-KR" sz="1300" dirty="0">
+              <a:solidFill>
+                <a:srgbClr val="000000"/>
+              </a:solidFill>
+            </a:endParaRPr>
+          </a:p>
+          <a:p>
+            <a:endParaRPr lang="en-US" altLang="ko-KR" dirty="0">
+              <a:solidFill>
+                <a:srgbClr val="000000"/>
+              </a:solidFill>
+            </a:endParaRPr>
+          </a:p>
+        </p:txBody>
+      </p:sp>
+      <p:sp>
+        <p:nvSpPr>
+          <p:cNvPr id="19" name="사각형: 둥근 모서리 18">
+            <a:extLst>
+              <a:ext uri="{FF2B5EF4-FFF2-40B4-BE49-F238E27FC236}">
+                <a16:creationId xmlns:a16="http://schemas.microsoft.com/office/drawing/2014/main" id="{609D2A5B-9C80-E07E-B06F-81DB6F2DB0A0}"/>
+              </a:ext>
+            </a:extLst>
+          </p:cNvPr>
+          <p:cNvSpPr/>
+          <p:nvPr/>
+        </p:nvSpPr>
+        <p:spPr>
+          <a:xfrm>
+            <a:off x="8623994" y="1098035"/>
+            <a:ext cx="3093195" cy="674209"/>
+          </a:xfrm>
+          <a:prstGeom prst="roundRect">
+            <a:avLst>
+              <a:gd name="adj" fmla="val 0"/>
+            </a:avLst>
+          </a:prstGeom>
+          <a:noFill/>
+          <a:ln w="38100">
+            <a:solidFill>
+              <a:srgbClr val="C2DCB1"/>
+            </a:solidFill>
+          </a:ln>
+        </p:spPr>
+        <p:style>
+          <a:lnRef idx="2">
+            <a:schemeClr val="accent1">
+              <a:shade val="50000"/>
+            </a:schemeClr>
+          </a:lnRef>
+          <a:fillRef idx="1">
+            <a:schemeClr val="accent1"/>
+          </a:fillRef>
+          <a:effectRef idx="0">
+            <a:schemeClr val="accent1"/>
+          </a:effectRef>
+          <a:fontRef idx="minor">
+            <a:schemeClr val="lt1"/>
+          </a:fontRef>
+        </p:style>
+        <p:txBody>
+          <a:bodyPr rtlCol="0" anchor="ctr"/>
+          <a:lstStyle/>
+          <a:p>
+            <a:pPr algn="ctr"/>
+            <a:r>
+              <a:rPr lang="en-US" altLang="ko-KR" dirty="0">
+                <a:solidFill>
+                  <a:srgbClr val="000000"/>
+                </a:solidFill>
+              </a:rPr>
+              <a:t>2018184036 </a:t>
+            </a:r>
+            <a:r>
+              <a:rPr lang="ko-KR" altLang="en-US" dirty="0">
+                <a:solidFill>
+                  <a:srgbClr val="000000"/>
+                </a:solidFill>
+              </a:rPr>
+              <a:t>최재준</a:t>
+            </a:r>
+            <a:endParaRPr lang="en-US" altLang="ko-KR" dirty="0">
+              <a:solidFill>
+                <a:srgbClr val="000000"/>
+              </a:solidFill>
+            </a:endParaRPr>
+          </a:p>
+          <a:p>
+            <a:pPr algn="ctr"/>
+            <a:r>
+              <a:rPr lang="en-US" altLang="ko-KR" dirty="0">
+                <a:solidFill>
+                  <a:srgbClr val="000000"/>
+                </a:solidFill>
+              </a:rPr>
+              <a:t>Commit Name - </a:t>
+            </a:r>
+            <a:r>
+              <a:rPr lang="en-US" altLang="ko-KR" dirty="0" err="1">
+                <a:solidFill>
+                  <a:srgbClr val="000000"/>
+                </a:solidFill>
+              </a:rPr>
+              <a:t>OmarChoi</a:t>
+            </a:r>
+            <a:r>
+              <a:rPr lang="en-US" altLang="ko-KR" dirty="0">
+                <a:solidFill>
+                  <a:srgbClr val="000000"/>
+                </a:solidFill>
+              </a:rPr>
+              <a:t> </a:t>
+            </a:r>
+          </a:p>
+        </p:txBody>
+      </p:sp>
+      <p:sp>
+        <p:nvSpPr>
+          <p:cNvPr id="7" name="슬라이드 번호 개체 틀 6">
+            <a:extLst>
+              <a:ext uri="{FF2B5EF4-FFF2-40B4-BE49-F238E27FC236}">
+                <a16:creationId xmlns:a16="http://schemas.microsoft.com/office/drawing/2014/main" id="{46F66DAF-F935-2C02-CAB2-3800244C2017}"/>
+              </a:ext>
+            </a:extLst>
+          </p:cNvPr>
+          <p:cNvSpPr>
+            <a:spLocks noGrp="1"/>
+          </p:cNvSpPr>
+          <p:nvPr>
+            <p:ph type="sldNum" sz="quarter" idx="12"/>
+          </p:nvPr>
+        </p:nvSpPr>
+        <p:spPr/>
+        <p:txBody>
+          <a:bodyPr/>
+          <a:lstStyle/>
+          <a:p>
+            <a:fld id="{27FBB162-8746-42C9-BFFF-D75069B6786A}" type="slidenum">
+              <a:rPr lang="ko-KR" altLang="en-US" smtClean="0"/>
+              <a:pPr/>
+              <a:t>10</a:t>
+            </a:fld>
+            <a:r>
+              <a:rPr lang="ko-KR" altLang="en-US" dirty="0"/>
+              <a:t> </a:t>
+            </a:r>
+            <a:r>
+              <a:rPr lang="en-US" altLang="ko-KR" dirty="0"/>
+              <a:t>/ 11</a:t>
+            </a:r>
+            <a:endParaRPr lang="ko-KR" altLang="en-US" dirty="0"/>
           </a:p>
         </p:txBody>
       </p:sp>
     </p:spTree>
     <p:extLst>
       <p:ext uri="{BB962C8B-B14F-4D97-AF65-F5344CB8AC3E}">
-        <p14:creationId xmlns:p14="http://schemas.microsoft.com/office/powerpoint/2010/main" val="1693178110"/>
+        <p14:creationId xmlns:p14="http://schemas.microsoft.com/office/powerpoint/2010/main" val="2173037920"/>
       </p:ext>
     </p:extLst>
   </p:cSld>
@@ -5641,7 +6570,7 @@
 </p:sld>
 </file>
 
-<file path=ppt/slides/slide3.xml><?xml version="1.0" encoding="utf-8"?>
+<file path=ppt/slides/slide11.xml><?xml version="1.0" encoding="utf-8"?>
 <p:sld xmlns:a="http://schemas.openxmlformats.org/drawingml/2006/main" xmlns:r="http://schemas.openxmlformats.org/officeDocument/2006/relationships" xmlns:p="http://schemas.openxmlformats.org/presentationml/2006/main">
   <p:cSld>
     <p:bg>
@@ -5668,13 +6597,441 @@
       </p:grpSpPr>
       <p:sp>
         <p:nvSpPr>
-          <p:cNvPr id="50" name="자유형 49"/>
+          <p:cNvPr id="2" name="슬라이드 번호 개체 틀 1">
+            <a:extLst>
+              <a:ext uri="{FF2B5EF4-FFF2-40B4-BE49-F238E27FC236}">
+                <a16:creationId xmlns:a16="http://schemas.microsoft.com/office/drawing/2014/main" id="{2D209849-35AF-CBA2-8CCB-4D8ABE3A7FDC}"/>
+              </a:ext>
+            </a:extLst>
+          </p:cNvPr>
+          <p:cNvSpPr>
+            <a:spLocks noGrp="1"/>
+          </p:cNvSpPr>
+          <p:nvPr>
+            <p:ph type="sldNum" sz="quarter" idx="12"/>
+          </p:nvPr>
+        </p:nvSpPr>
+        <p:spPr/>
+        <p:txBody>
+          <a:bodyPr/>
+          <a:lstStyle/>
+          <a:p>
+            <a:fld id="{27FBB162-8746-42C9-BFFF-D75069B6786A}" type="slidenum">
+              <a:rPr lang="ko-KR" altLang="en-US" smtClean="0"/>
+              <a:pPr/>
+              <a:t>11</a:t>
+            </a:fld>
+            <a:r>
+              <a:rPr lang="ko-KR" altLang="en-US" dirty="0"/>
+              <a:t> </a:t>
+            </a:r>
+            <a:r>
+              <a:rPr lang="en-US" altLang="ko-KR" dirty="0"/>
+              <a:t>/ 11</a:t>
+            </a:r>
+            <a:endParaRPr lang="ko-KR" altLang="en-US" dirty="0"/>
+          </a:p>
+        </p:txBody>
+      </p:sp>
+      <p:sp>
+        <p:nvSpPr>
+          <p:cNvPr id="4" name="사각형: 둥근 모서리 5">
+            <a:extLst>
+              <a:ext uri="{FF2B5EF4-FFF2-40B4-BE49-F238E27FC236}">
+                <a16:creationId xmlns:a16="http://schemas.microsoft.com/office/drawing/2014/main" id="{D5740F8C-A917-37FE-C8E9-74B7AEE07357}"/>
+              </a:ext>
+            </a:extLst>
+          </p:cNvPr>
           <p:cNvSpPr/>
           <p:nvPr/>
         </p:nvSpPr>
         <p:spPr>
           <a:xfrm>
-            <a:off x="0" y="0"/>
+            <a:off x="2691435" y="2152064"/>
+            <a:ext cx="6809130" cy="2553872"/>
+          </a:xfrm>
+          <a:prstGeom prst="roundRect">
+            <a:avLst/>
+          </a:prstGeom>
+          <a:noFill/>
+          <a:ln w="57150">
+            <a:solidFill>
+              <a:srgbClr val="8CD3D5"/>
+            </a:solidFill>
+          </a:ln>
+        </p:spPr>
+        <p:style>
+          <a:lnRef idx="2">
+            <a:schemeClr val="accent1">
+              <a:shade val="50000"/>
+            </a:schemeClr>
+          </a:lnRef>
+          <a:fillRef idx="1">
+            <a:schemeClr val="accent1"/>
+          </a:fillRef>
+          <a:effectRef idx="0">
+            <a:schemeClr val="accent1"/>
+          </a:effectRef>
+          <a:fontRef idx="minor">
+            <a:schemeClr val="lt1"/>
+          </a:fontRef>
+        </p:style>
+        <p:txBody>
+          <a:bodyPr rtlCol="0" anchor="ctr"/>
+          <a:lstStyle/>
+          <a:p>
+            <a:pPr algn="ctr"/>
+            <a:r>
+              <a:rPr lang="ko-KR" altLang="en-US" sz="5800" dirty="0">
+                <a:solidFill>
+                  <a:srgbClr val="000000"/>
+                </a:solidFill>
+              </a:rPr>
+              <a:t>프로그램 시현</a:t>
+            </a:r>
+            <a:endParaRPr lang="en-US" altLang="ko-KR" sz="5800" dirty="0">
+              <a:solidFill>
+                <a:srgbClr val="000000"/>
+              </a:solidFill>
+            </a:endParaRPr>
+          </a:p>
+        </p:txBody>
+      </p:sp>
+    </p:spTree>
+    <p:extLst>
+      <p:ext uri="{BB962C8B-B14F-4D97-AF65-F5344CB8AC3E}">
+        <p14:creationId xmlns:p14="http://schemas.microsoft.com/office/powerpoint/2010/main" val="2694400918"/>
+      </p:ext>
+    </p:extLst>
+  </p:cSld>
+  <p:clrMapOvr>
+    <a:masterClrMapping/>
+  </p:clrMapOvr>
+</p:sld>
+</file>
+
+<file path=ppt/slides/slide12.xml><?xml version="1.0" encoding="utf-8"?>
+<p:sld xmlns:a="http://schemas.openxmlformats.org/drawingml/2006/main" xmlns:r="http://schemas.openxmlformats.org/officeDocument/2006/relationships" xmlns:p="http://schemas.openxmlformats.org/presentationml/2006/main">
+  <p:cSld>
+    <p:bg>
+      <p:bgPr>
+        <a:solidFill>
+          <a:srgbClr val="FFFBE8"/>
+        </a:solidFill>
+        <a:effectLst/>
+      </p:bgPr>
+    </p:bg>
+    <p:spTree>
+      <p:nvGrpSpPr>
+        <p:cNvPr id="1" name=""/>
+        <p:cNvGrpSpPr/>
+        <p:nvPr/>
+      </p:nvGrpSpPr>
+      <p:grpSpPr>
+        <a:xfrm>
+          <a:off x="0" y="0"/>
+          <a:ext cx="0" cy="0"/>
+          <a:chOff x="0" y="0"/>
+          <a:chExt cx="0" cy="0"/>
+        </a:xfrm>
+      </p:grpSpPr>
+      <p:sp>
+        <p:nvSpPr>
+          <p:cNvPr id="2" name="슬라이드 번호 개체 틀 1">
+            <a:extLst>
+              <a:ext uri="{FF2B5EF4-FFF2-40B4-BE49-F238E27FC236}">
+                <a16:creationId xmlns:a16="http://schemas.microsoft.com/office/drawing/2014/main" id="{2D209849-35AF-CBA2-8CCB-4D8ABE3A7FDC}"/>
+              </a:ext>
+            </a:extLst>
+          </p:cNvPr>
+          <p:cNvSpPr>
+            <a:spLocks noGrp="1"/>
+          </p:cNvSpPr>
+          <p:nvPr>
+            <p:ph type="sldNum" sz="quarter" idx="12"/>
+          </p:nvPr>
+        </p:nvSpPr>
+        <p:spPr/>
+        <p:txBody>
+          <a:bodyPr/>
+          <a:lstStyle/>
+          <a:p>
+            <a:fld id="{27FBB162-8746-42C9-BFFF-D75069B6786A}" type="slidenum">
+              <a:rPr lang="ko-KR" altLang="en-US" smtClean="0"/>
+              <a:pPr/>
+              <a:t>12</a:t>
+            </a:fld>
+            <a:r>
+              <a:rPr lang="ko-KR" altLang="en-US" dirty="0"/>
+              <a:t> </a:t>
+            </a:r>
+            <a:r>
+              <a:rPr lang="en-US" altLang="ko-KR" dirty="0"/>
+              <a:t>/ 11</a:t>
+            </a:r>
+            <a:endParaRPr lang="ko-KR" altLang="en-US" dirty="0"/>
+          </a:p>
+        </p:txBody>
+      </p:sp>
+      <p:sp>
+        <p:nvSpPr>
+          <p:cNvPr id="4" name="사각형: 둥근 모서리 5">
+            <a:extLst>
+              <a:ext uri="{FF2B5EF4-FFF2-40B4-BE49-F238E27FC236}">
+                <a16:creationId xmlns:a16="http://schemas.microsoft.com/office/drawing/2014/main" id="{D5740F8C-A917-37FE-C8E9-74B7AEE07357}"/>
+              </a:ext>
+            </a:extLst>
+          </p:cNvPr>
+          <p:cNvSpPr/>
+          <p:nvPr/>
+        </p:nvSpPr>
+        <p:spPr>
+          <a:xfrm>
+            <a:off x="2691435" y="2152064"/>
+            <a:ext cx="6809130" cy="2553872"/>
+          </a:xfrm>
+          <a:prstGeom prst="roundRect">
+            <a:avLst/>
+          </a:prstGeom>
+          <a:noFill/>
+          <a:ln w="57150">
+            <a:solidFill>
+              <a:srgbClr val="8CD3D5"/>
+            </a:solidFill>
+          </a:ln>
+        </p:spPr>
+        <p:style>
+          <a:lnRef idx="2">
+            <a:schemeClr val="accent1">
+              <a:shade val="50000"/>
+            </a:schemeClr>
+          </a:lnRef>
+          <a:fillRef idx="1">
+            <a:schemeClr val="accent1"/>
+          </a:fillRef>
+          <a:effectRef idx="0">
+            <a:schemeClr val="accent1"/>
+          </a:effectRef>
+          <a:fontRef idx="minor">
+            <a:schemeClr val="lt1"/>
+          </a:fontRef>
+        </p:style>
+        <p:txBody>
+          <a:bodyPr rtlCol="0" anchor="ctr"/>
+          <a:lstStyle/>
+          <a:p>
+            <a:pPr algn="ctr"/>
+            <a:r>
+              <a:rPr lang="en-US" altLang="ko-KR" sz="5800" dirty="0">
+                <a:solidFill>
+                  <a:srgbClr val="000000"/>
+                </a:solidFill>
+              </a:rPr>
+              <a:t>Yahtzee </a:t>
+            </a:r>
+            <a:r>
+              <a:rPr lang="ko-KR" altLang="en-US" sz="5800" dirty="0">
+                <a:solidFill>
+                  <a:srgbClr val="000000"/>
+                </a:solidFill>
+              </a:rPr>
+              <a:t>게임 시현</a:t>
+            </a:r>
+            <a:endParaRPr lang="en-US" altLang="ko-KR" sz="5800" dirty="0">
+              <a:solidFill>
+                <a:srgbClr val="000000"/>
+              </a:solidFill>
+            </a:endParaRPr>
+          </a:p>
+        </p:txBody>
+      </p:sp>
+    </p:spTree>
+    <p:extLst>
+      <p:ext uri="{BB962C8B-B14F-4D97-AF65-F5344CB8AC3E}">
+        <p14:creationId xmlns:p14="http://schemas.microsoft.com/office/powerpoint/2010/main" val="1533492019"/>
+      </p:ext>
+    </p:extLst>
+  </p:cSld>
+  <p:clrMapOvr>
+    <a:masterClrMapping/>
+  </p:clrMapOvr>
+</p:sld>
+</file>
+
+<file path=ppt/slides/slide13.xml><?xml version="1.0" encoding="utf-8"?>
+<p:sld xmlns:a="http://schemas.openxmlformats.org/drawingml/2006/main" xmlns:r="http://schemas.openxmlformats.org/officeDocument/2006/relationships" xmlns:p="http://schemas.openxmlformats.org/presentationml/2006/main">
+  <p:cSld>
+    <p:bg>
+      <p:bgPr>
+        <a:solidFill>
+          <a:srgbClr val="FFFBE8"/>
+        </a:solidFill>
+        <a:effectLst/>
+      </p:bgPr>
+    </p:bg>
+    <p:spTree>
+      <p:nvGrpSpPr>
+        <p:cNvPr id="1" name=""/>
+        <p:cNvGrpSpPr/>
+        <p:nvPr/>
+      </p:nvGrpSpPr>
+      <p:grpSpPr>
+        <a:xfrm>
+          <a:off x="0" y="0"/>
+          <a:ext cx="0" cy="0"/>
+          <a:chOff x="0" y="0"/>
+          <a:chExt cx="0" cy="0"/>
+        </a:xfrm>
+      </p:grpSpPr>
+      <p:sp>
+        <p:nvSpPr>
+          <p:cNvPr id="2" name="슬라이드 번호 개체 틀 1">
+            <a:extLst>
+              <a:ext uri="{FF2B5EF4-FFF2-40B4-BE49-F238E27FC236}">
+                <a16:creationId xmlns:a16="http://schemas.microsoft.com/office/drawing/2014/main" id="{2D209849-35AF-CBA2-8CCB-4D8ABE3A7FDC}"/>
+              </a:ext>
+            </a:extLst>
+          </p:cNvPr>
+          <p:cNvSpPr>
+            <a:spLocks noGrp="1"/>
+          </p:cNvSpPr>
+          <p:nvPr>
+            <p:ph type="sldNum" sz="quarter" idx="12"/>
+          </p:nvPr>
+        </p:nvSpPr>
+        <p:spPr/>
+        <p:txBody>
+          <a:bodyPr/>
+          <a:lstStyle/>
+          <a:p>
+            <a:fld id="{27FBB162-8746-42C9-BFFF-D75069B6786A}" type="slidenum">
+              <a:rPr lang="ko-KR" altLang="en-US" smtClean="0"/>
+              <a:pPr/>
+              <a:t>13</a:t>
+            </a:fld>
+            <a:r>
+              <a:rPr lang="ko-KR" altLang="en-US" dirty="0"/>
+              <a:t> </a:t>
+            </a:r>
+            <a:r>
+              <a:rPr lang="en-US" altLang="ko-KR" dirty="0"/>
+              <a:t>/ 11</a:t>
+            </a:r>
+            <a:endParaRPr lang="ko-KR" altLang="en-US" dirty="0"/>
+          </a:p>
+        </p:txBody>
+      </p:sp>
+      <p:sp>
+        <p:nvSpPr>
+          <p:cNvPr id="4" name="사각형: 둥근 모서리 5">
+            <a:extLst>
+              <a:ext uri="{FF2B5EF4-FFF2-40B4-BE49-F238E27FC236}">
+                <a16:creationId xmlns:a16="http://schemas.microsoft.com/office/drawing/2014/main" id="{D5740F8C-A917-37FE-C8E9-74B7AEE07357}"/>
+              </a:ext>
+            </a:extLst>
+          </p:cNvPr>
+          <p:cNvSpPr/>
+          <p:nvPr/>
+        </p:nvSpPr>
+        <p:spPr>
+          <a:xfrm>
+            <a:off x="2691435" y="2152064"/>
+            <a:ext cx="6809130" cy="2553872"/>
+          </a:xfrm>
+          <a:prstGeom prst="roundRect">
+            <a:avLst/>
+          </a:prstGeom>
+          <a:noFill/>
+          <a:ln w="57150">
+            <a:solidFill>
+              <a:srgbClr val="8CD3D5"/>
+            </a:solidFill>
+          </a:ln>
+        </p:spPr>
+        <p:style>
+          <a:lnRef idx="2">
+            <a:schemeClr val="accent1">
+              <a:shade val="50000"/>
+            </a:schemeClr>
+          </a:lnRef>
+          <a:fillRef idx="1">
+            <a:schemeClr val="accent1"/>
+          </a:fillRef>
+          <a:effectRef idx="0">
+            <a:schemeClr val="accent1"/>
+          </a:effectRef>
+          <a:fontRef idx="minor">
+            <a:schemeClr val="lt1"/>
+          </a:fontRef>
+        </p:style>
+        <p:txBody>
+          <a:bodyPr rtlCol="0" anchor="ctr"/>
+          <a:lstStyle/>
+          <a:p>
+            <a:pPr algn="ctr"/>
+            <a:r>
+              <a:rPr lang="ko-KR" altLang="en-US" sz="5800" dirty="0">
+                <a:solidFill>
+                  <a:srgbClr val="000000"/>
+                </a:solidFill>
+              </a:rPr>
+              <a:t>감사합니다</a:t>
+            </a:r>
+            <a:endParaRPr lang="en-US" altLang="ko-KR" sz="5800" dirty="0">
+              <a:solidFill>
+                <a:srgbClr val="000000"/>
+              </a:solidFill>
+            </a:endParaRPr>
+          </a:p>
+        </p:txBody>
+      </p:sp>
+    </p:spTree>
+    <p:extLst>
+      <p:ext uri="{BB962C8B-B14F-4D97-AF65-F5344CB8AC3E}">
+        <p14:creationId xmlns:p14="http://schemas.microsoft.com/office/powerpoint/2010/main" val="805470065"/>
+      </p:ext>
+    </p:extLst>
+  </p:cSld>
+  <p:clrMapOvr>
+    <a:masterClrMapping/>
+  </p:clrMapOvr>
+</p:sld>
+</file>
+
+<file path=ppt/slides/slide2.xml><?xml version="1.0" encoding="utf-8"?>
+<p:sld xmlns:a="http://schemas.openxmlformats.org/drawingml/2006/main" xmlns:r="http://schemas.openxmlformats.org/officeDocument/2006/relationships" xmlns:p="http://schemas.openxmlformats.org/presentationml/2006/main">
+  <p:cSld>
+    <p:bg>
+      <p:bgPr>
+        <a:solidFill>
+          <a:srgbClr val="FFFBE8"/>
+        </a:solidFill>
+        <a:effectLst/>
+      </p:bgPr>
+    </p:bg>
+    <p:spTree>
+      <p:nvGrpSpPr>
+        <p:cNvPr id="1" name=""/>
+        <p:cNvGrpSpPr/>
+        <p:nvPr/>
+      </p:nvGrpSpPr>
+      <p:grpSpPr>
+        <a:xfrm>
+          <a:off x="0" y="0"/>
+          <a:ext cx="0" cy="0"/>
+          <a:chOff x="0" y="0"/>
+          <a:chExt cx="0" cy="0"/>
+        </a:xfrm>
+      </p:grpSpPr>
+      <p:sp>
+        <p:nvSpPr>
+          <p:cNvPr id="49" name="자유형 48"/>
+          <p:cNvSpPr/>
+          <p:nvPr/>
+        </p:nvSpPr>
+        <p:spPr>
+          <a:xfrm>
+            <a:off x="2" y="0"/>
             <a:ext cx="12191999" cy="965200"/>
           </a:xfrm>
           <a:custGeom>
@@ -5908,88 +7265,33 @@
           </a:bodyPr>
           <a:lstStyle/>
           <a:p>
-            <a:pPr marL="914400" marR="0" lvl="2" indent="0" algn="l" defTabSz="914400" rtl="0" eaLnBrk="1" fontAlgn="auto" latinLnBrk="1" hangingPunct="1">
+            <a:pPr lvl="2">
               <a:lnSpc>
                 <a:spcPct val="150000"/>
               </a:lnSpc>
-              <a:spcBef>
-                <a:spcPts val="0"/>
-              </a:spcBef>
-              <a:spcAft>
-                <a:spcPts val="0"/>
-              </a:spcAft>
-              <a:buClrTx/>
-              <a:buSzTx/>
-              <a:buFontTx/>
-              <a:buNone/>
-              <a:tabLst/>
-              <a:defRPr/>
             </a:pPr>
             <a:r>
-              <a:rPr kumimoji="0" lang="ko-KR" altLang="en-US" sz="2800" b="0" i="1" u="none" strike="noStrike" kern="1200" cap="none" spc="0" normalizeH="0" baseline="0" noProof="0" dirty="0">
-                <a:ln>
-                  <a:noFill/>
-                </a:ln>
+              <a:rPr lang="ko-KR" altLang="en-US" sz="2800" i="1" dirty="0">
                 <a:solidFill>
                   <a:prstClr val="white"/>
                 </a:solidFill>
-                <a:effectLst/>
-                <a:uLnTx/>
-                <a:uFillTx/>
-                <a:latin typeface="맑은 고딕" panose="020F0502020204030204"/>
-                <a:ea typeface="맑은 고딕" panose="020B0503020000020004" pitchFamily="50" charset="-127"/>
-                <a:cs typeface="+mn-cs"/>
-              </a:rPr>
-              <a:t>경기도 지역화폐 가맹점 정보 조회 애플리케이션</a:t>
-            </a:r>
+              </a:rPr>
+              <a:t>목차</a:t>
+            </a:r>
+            <a:endParaRPr lang="en-US" altLang="ko-KR" sz="2800" dirty="0">
+              <a:solidFill>
+                <a:prstClr val="white"/>
+              </a:solidFill>
+            </a:endParaRPr>
           </a:p>
         </p:txBody>
       </p:sp>
-      <p:cxnSp>
-        <p:nvCxnSpPr>
-          <p:cNvPr id="10" name="직선 연결선 9">
-            <a:extLst>
-              <a:ext uri="{FF2B5EF4-FFF2-40B4-BE49-F238E27FC236}">
-                <a16:creationId xmlns:a16="http://schemas.microsoft.com/office/drawing/2014/main" id="{47D4A8FD-45B7-EF0F-C8B0-04CD3BD4EF07}"/>
-              </a:ext>
-            </a:extLst>
-          </p:cNvPr>
-          <p:cNvCxnSpPr>
-            <a:cxnSpLocks/>
-          </p:cNvCxnSpPr>
-          <p:nvPr/>
-        </p:nvCxnSpPr>
-        <p:spPr>
-          <a:xfrm>
-            <a:off x="700497" y="1625144"/>
-            <a:ext cx="2273300" cy="0"/>
-          </a:xfrm>
-          <a:prstGeom prst="line">
-            <a:avLst/>
-          </a:prstGeom>
-          <a:ln w="12700"/>
-        </p:spPr>
-        <p:style>
-          <a:lnRef idx="1">
-            <a:schemeClr val="dk1"/>
-          </a:lnRef>
-          <a:fillRef idx="0">
-            <a:schemeClr val="dk1"/>
-          </a:fillRef>
-          <a:effectRef idx="0">
-            <a:schemeClr val="dk1"/>
-          </a:effectRef>
-          <a:fontRef idx="minor">
-            <a:schemeClr val="tx1"/>
-          </a:fontRef>
-        </p:style>
-      </p:cxnSp>
       <p:sp>
         <p:nvSpPr>
           <p:cNvPr id="8" name="사각형: 둥근 모서리 7">
             <a:extLst>
               <a:ext uri="{FF2B5EF4-FFF2-40B4-BE49-F238E27FC236}">
-                <a16:creationId xmlns:a16="http://schemas.microsoft.com/office/drawing/2014/main" id="{BF2D5C24-9431-3815-F868-0D6E4BB48A75}"/>
+                <a16:creationId xmlns:a16="http://schemas.microsoft.com/office/drawing/2014/main" id="{9EA10790-092C-00DD-1949-4446F18AB5A9}"/>
               </a:ext>
             </a:extLst>
           </p:cNvPr>
@@ -5998,8 +7300,8 @@
         </p:nvSpPr>
         <p:spPr>
           <a:xfrm>
-            <a:off x="700497" y="1763152"/>
-            <a:ext cx="10793456" cy="4551921"/>
+            <a:off x="3854705" y="1166192"/>
+            <a:ext cx="4482591" cy="5287616"/>
           </a:xfrm>
           <a:prstGeom prst="roundRect">
             <a:avLst/>
@@ -6034,295 +7336,356 @@
           <a:bodyPr rtlCol="0" anchor="ctr"/>
           <a:lstStyle/>
           <a:p>
-            <a:r>
-              <a:rPr lang="ko-KR" altLang="en-US" sz="2400" dirty="0">
-                <a:solidFill>
-                  <a:srgbClr val="000000"/>
-                </a:solidFill>
-              </a:rPr>
-              <a:t>지역화폐 가입되어 있는 </a:t>
-            </a:r>
-            <a:r>
-              <a:rPr lang="en-US" altLang="ko-KR" sz="2400" b="0" i="0" dirty="0">
-                <a:solidFill>
-                  <a:srgbClr val="000000"/>
-                </a:solidFill>
-                <a:effectLst/>
-              </a:rPr>
-              <a:t>558,491</a:t>
-            </a:r>
-            <a:r>
-              <a:rPr lang="ko-KR" altLang="en-US" sz="2400" b="0" i="0" dirty="0">
-                <a:solidFill>
-                  <a:srgbClr val="000000"/>
-                </a:solidFill>
-                <a:effectLst/>
-              </a:rPr>
-              <a:t>개의 </a:t>
-            </a:r>
-            <a:r>
-              <a:rPr lang="ko-KR" altLang="en-US" sz="2400" dirty="0">
-                <a:solidFill>
-                  <a:srgbClr val="000000"/>
-                </a:solidFill>
-              </a:rPr>
-              <a:t>가맹점 중</a:t>
-            </a:r>
-            <a:endParaRPr lang="en-US" altLang="ko-KR" sz="2400" dirty="0">
+            <a:pPr>
+              <a:lnSpc>
+                <a:spcPct val="150000"/>
+              </a:lnSpc>
+            </a:pPr>
+            <a:endParaRPr lang="en-US" altLang="ko-KR" sz="1600" b="1" dirty="0">
               <a:solidFill>
-                <a:srgbClr val="000000"/>
+                <a:prstClr val="black">
+                  <a:lumMod val="65000"/>
+                  <a:lumOff val="35000"/>
+                </a:prstClr>
               </a:solidFill>
             </a:endParaRPr>
           </a:p>
           <a:p>
-            <a:endParaRPr lang="en-US" altLang="ko-KR" sz="2000" dirty="0">
-              <a:solidFill>
-                <a:srgbClr val="000000"/>
-              </a:solidFill>
-            </a:endParaRPr>
-          </a:p>
-          <a:p>
-            <a:pPr marL="800100" lvl="1" indent="-342900">
-              <a:buFont typeface="Arial" panose="020B0604020202020204" pitchFamily="34" charset="0"/>
-              <a:buChar char="•"/>
+            <a:pPr marL="457200" indent="-457200" algn="just">
+              <a:lnSpc>
+                <a:spcPct val="150000"/>
+              </a:lnSpc>
+              <a:buFont typeface="+mj-lt"/>
+              <a:buAutoNum type="arabicPeriod"/>
             </a:pPr>
             <a:r>
-              <a:rPr lang="ko-KR" altLang="en-US" sz="2000" dirty="0">
-                <a:solidFill>
-                  <a:srgbClr val="000000"/>
-                </a:solidFill>
-              </a:rPr>
-              <a:t>사용자 원하는 가맹점 정보 검색</a:t>
-            </a:r>
-            <a:endParaRPr lang="en-US" altLang="ko-KR" sz="2000" dirty="0">
-              <a:solidFill>
-                <a:srgbClr val="000000"/>
-              </a:solidFill>
-            </a:endParaRPr>
-          </a:p>
-          <a:p>
-            <a:pPr marL="800100" lvl="1" indent="-342900">
-              <a:buFont typeface="Arial" panose="020B0604020202020204" pitchFamily="34" charset="0"/>
-              <a:buChar char="•"/>
-            </a:pPr>
-            <a:endParaRPr lang="en-US" altLang="ko-KR" sz="2000" dirty="0">
-              <a:solidFill>
-                <a:srgbClr val="000000"/>
-              </a:solidFill>
-            </a:endParaRPr>
-          </a:p>
-          <a:p>
-            <a:pPr marL="800100" lvl="1" indent="-342900">
-              <a:buFont typeface="Arial" panose="020B0604020202020204" pitchFamily="34" charset="0"/>
-              <a:buChar char="•"/>
-            </a:pPr>
-            <a:r>
-              <a:rPr lang="ko-KR" altLang="en-US" sz="2000" dirty="0">
-                <a:solidFill>
-                  <a:srgbClr val="000000"/>
-                </a:solidFill>
-              </a:rPr>
-              <a:t>검색한 가맹점 정보 출력</a:t>
-            </a:r>
-            <a:endParaRPr lang="en-US" altLang="ko-KR" sz="2000" dirty="0">
-              <a:solidFill>
-                <a:srgbClr val="000000"/>
-              </a:solidFill>
-            </a:endParaRPr>
-          </a:p>
-          <a:p>
-            <a:pPr marL="800100" lvl="1" indent="-342900">
-              <a:buFont typeface="Arial" panose="020B0604020202020204" pitchFamily="34" charset="0"/>
-              <a:buChar char="•"/>
-            </a:pPr>
-            <a:endParaRPr lang="en-US" altLang="ko-KR" sz="2000" dirty="0">
-              <a:solidFill>
-                <a:srgbClr val="000000"/>
-              </a:solidFill>
-            </a:endParaRPr>
-          </a:p>
-          <a:p>
-            <a:pPr marL="800100" lvl="1" indent="-342900">
-              <a:buFont typeface="Arial" panose="020B0604020202020204" pitchFamily="34" charset="0"/>
-              <a:buChar char="•"/>
-            </a:pPr>
-            <a:r>
-              <a:rPr lang="ko-KR" altLang="en-US" sz="2000" dirty="0">
-                <a:solidFill>
-                  <a:srgbClr val="000000"/>
-                </a:solidFill>
-              </a:rPr>
-              <a:t>가맹점 정보 메일 전송</a:t>
-            </a:r>
-            <a:endParaRPr lang="en-US" altLang="ko-KR" sz="2000" dirty="0">
-              <a:solidFill>
-                <a:srgbClr val="000000"/>
-              </a:solidFill>
-            </a:endParaRPr>
-          </a:p>
-          <a:p>
-            <a:pPr marL="800100" lvl="1" indent="-342900">
-              <a:buFont typeface="Arial" panose="020B0604020202020204" pitchFamily="34" charset="0"/>
-              <a:buChar char="•"/>
-            </a:pPr>
-            <a:endParaRPr lang="en-US" altLang="ko-KR" sz="2000" dirty="0">
-              <a:solidFill>
-                <a:srgbClr val="000000"/>
-              </a:solidFill>
-            </a:endParaRPr>
-          </a:p>
-          <a:p>
-            <a:pPr marL="800100" lvl="1" indent="-342900">
-              <a:buFont typeface="Arial" panose="020B0604020202020204" pitchFamily="34" charset="0"/>
-              <a:buChar char="•"/>
-            </a:pPr>
-            <a:r>
-              <a:rPr lang="ko-KR" altLang="en-US" sz="2000" dirty="0">
-                <a:solidFill>
-                  <a:srgbClr val="000000"/>
-                </a:solidFill>
-              </a:rPr>
-              <a:t>가맹점 위치 지도에서 출력</a:t>
-            </a:r>
-            <a:endParaRPr lang="en-US" altLang="ko-KR" sz="2000" dirty="0">
-              <a:solidFill>
-                <a:srgbClr val="000000"/>
-              </a:solidFill>
-            </a:endParaRPr>
-          </a:p>
-        </p:txBody>
-      </p:sp>
-      <p:sp>
-        <p:nvSpPr>
-          <p:cNvPr id="7" name="슬라이드 번호 개체 틀 6">
-            <a:extLst>
-              <a:ext uri="{FF2B5EF4-FFF2-40B4-BE49-F238E27FC236}">
-                <a16:creationId xmlns:a16="http://schemas.microsoft.com/office/drawing/2014/main" id="{14AF44B6-1506-AA16-9E49-38CF263DAADC}"/>
-              </a:ext>
-            </a:extLst>
-          </p:cNvPr>
-          <p:cNvSpPr>
-            <a:spLocks noGrp="1"/>
-          </p:cNvSpPr>
-          <p:nvPr>
-            <p:ph type="sldNum" sz="quarter" idx="12"/>
-          </p:nvPr>
-        </p:nvSpPr>
-        <p:spPr/>
-        <p:txBody>
-          <a:bodyPr/>
-          <a:lstStyle/>
-          <a:p>
-            <a:fld id="{27FBB162-8746-42C9-BFFF-D75069B6786A}" type="slidenum">
-              <a:rPr lang="ko-KR" altLang="en-US" smtClean="0"/>
-              <a:pPr/>
-              <a:t>3</a:t>
-            </a:fld>
-            <a:r>
-              <a:rPr lang="ko-KR" altLang="en-US" dirty="0"/>
-              <a:t> </a:t>
-            </a:r>
-            <a:r>
-              <a:rPr lang="en-US" altLang="ko-KR" dirty="0"/>
-              <a:t>/ 11</a:t>
-            </a:r>
-            <a:endParaRPr lang="ko-KR" altLang="en-US" dirty="0"/>
-          </a:p>
-        </p:txBody>
-      </p:sp>
-      <p:sp>
-        <p:nvSpPr>
-          <p:cNvPr id="9" name="직사각형 8">
-            <a:extLst>
-              <a:ext uri="{FF2B5EF4-FFF2-40B4-BE49-F238E27FC236}">
-                <a16:creationId xmlns:a16="http://schemas.microsoft.com/office/drawing/2014/main" id="{08B13FE4-2850-BCC2-C5F4-EE3F8E01D2E3}"/>
-              </a:ext>
-            </a:extLst>
-          </p:cNvPr>
-          <p:cNvSpPr/>
-          <p:nvPr/>
-        </p:nvSpPr>
-        <p:spPr>
-          <a:xfrm>
-            <a:off x="720412" y="1093617"/>
-            <a:ext cx="2233469" cy="532282"/>
-          </a:xfrm>
-          <a:prstGeom prst="rect">
-            <a:avLst/>
-          </a:prstGeom>
-          <a:noFill/>
-          <a:ln>
-            <a:noFill/>
-          </a:ln>
-        </p:spPr>
-        <p:style>
-          <a:lnRef idx="2">
-            <a:schemeClr val="dk1"/>
-          </a:lnRef>
-          <a:fillRef idx="1">
-            <a:schemeClr val="lt1"/>
-          </a:fillRef>
-          <a:effectRef idx="0">
-            <a:schemeClr val="dk1"/>
-          </a:effectRef>
-          <a:fontRef idx="minor">
-            <a:schemeClr val="dk1"/>
-          </a:fontRef>
-        </p:style>
-        <p:txBody>
-          <a:bodyPr rtlCol="0" anchor="ctr"/>
-          <a:lstStyle/>
-          <a:p>
-            <a:pPr marL="0" marR="0" lvl="0" indent="0" algn="ctr" defTabSz="914400" rtl="0" eaLnBrk="1" fontAlgn="auto" latinLnBrk="1" hangingPunct="1">
-              <a:lnSpc>
-                <a:spcPct val="100000"/>
-              </a:lnSpc>
-              <a:spcBef>
-                <a:spcPts val="0"/>
-              </a:spcBef>
-              <a:spcAft>
-                <a:spcPts val="0"/>
-              </a:spcAft>
-              <a:buClrTx/>
-              <a:buSzTx/>
-              <a:buFontTx/>
-              <a:buNone/>
-              <a:tabLst/>
-              <a:defRPr/>
-            </a:pPr>
-            <a:r>
-              <a:rPr kumimoji="0" lang="ko-KR" altLang="en-US" sz="1800" b="1" i="0" u="none" strike="noStrike" kern="1200" cap="none" spc="0" normalizeH="0" baseline="0" noProof="0" dirty="0">
-                <a:ln>
-                  <a:noFill/>
-                </a:ln>
+              <a:rPr lang="ko-KR" altLang="en-US" sz="2000" b="1" dirty="0">
                 <a:solidFill>
                   <a:prstClr val="black">
                     <a:lumMod val="65000"/>
                     <a:lumOff val="35000"/>
                   </a:prstClr>
                 </a:solidFill>
-                <a:effectLst/>
-                <a:uLnTx/>
-                <a:uFillTx/>
-                <a:latin typeface="맑은 고딕" panose="020F0502020204030204"/>
-                <a:ea typeface="맑은 고딕" panose="020B0503020000020004" pitchFamily="50" charset="-127"/>
-                <a:cs typeface="+mn-cs"/>
               </a:rPr>
               <a:t>프로그램 소개</a:t>
             </a:r>
-            <a:endParaRPr kumimoji="0" lang="ko-KR" altLang="en-US" sz="1800" b="0" i="0" u="none" strike="noStrike" kern="1200" cap="none" spc="0" normalizeH="0" baseline="0" noProof="0" dirty="0">
-              <a:ln>
-                <a:noFill/>
-              </a:ln>
+            <a:r>
+              <a:rPr lang="en-US" altLang="ko-KR" sz="1400" b="1" dirty="0">
+                <a:solidFill>
+                  <a:prstClr val="black">
+                    <a:lumMod val="65000"/>
+                    <a:lumOff val="35000"/>
+                  </a:prstClr>
+                </a:solidFill>
+              </a:rPr>
+              <a:t>---------------------03</a:t>
+            </a:r>
+          </a:p>
+          <a:p>
+            <a:pPr marL="342900" indent="-342900" algn="just">
+              <a:lnSpc>
+                <a:spcPct val="150000"/>
+              </a:lnSpc>
+              <a:buFont typeface="+mj-lt"/>
+              <a:buAutoNum type="arabicPeriod"/>
+            </a:pPr>
+            <a:endParaRPr lang="en-US" altLang="ko-KR" sz="1400" b="1" dirty="0">
               <a:solidFill>
-                <a:prstClr val="black"/>
+                <a:prstClr val="black">
+                  <a:lumMod val="65000"/>
+                  <a:lumOff val="35000"/>
+                </a:prstClr>
               </a:solidFill>
-              <a:effectLst/>
-              <a:uLnTx/>
-              <a:uFillTx/>
-              <a:latin typeface="맑은 고딕" panose="020F0502020204030204"/>
-              <a:ea typeface="맑은 고딕" panose="020B0503020000020004" pitchFamily="50" charset="-127"/>
-              <a:cs typeface="+mn-cs"/>
+            </a:endParaRPr>
+          </a:p>
+          <a:p>
+            <a:pPr marL="457200" indent="-457200" algn="just">
+              <a:lnSpc>
+                <a:spcPct val="150000"/>
+              </a:lnSpc>
+              <a:buFont typeface="+mj-lt"/>
+              <a:buAutoNum type="arabicPeriod"/>
+            </a:pPr>
+            <a:r>
+              <a:rPr lang="ko-KR" altLang="en-US" sz="2000" b="1" dirty="0">
+                <a:solidFill>
+                  <a:prstClr val="black">
+                    <a:lumMod val="65000"/>
+                    <a:lumOff val="35000"/>
+                  </a:prstClr>
+                </a:solidFill>
+              </a:rPr>
+              <a:t>개발 일정</a:t>
+            </a:r>
+            <a:r>
+              <a:rPr lang="en-US" altLang="ko-KR" sz="1400" b="1" dirty="0">
+                <a:solidFill>
+                  <a:prstClr val="black">
+                    <a:lumMod val="65000"/>
+                    <a:lumOff val="35000"/>
+                  </a:prstClr>
+                </a:solidFill>
+              </a:rPr>
+              <a:t>----------------------------04</a:t>
+            </a:r>
+            <a:endParaRPr lang="en-US" altLang="ko-KR" sz="1600" b="1" dirty="0">
+              <a:solidFill>
+                <a:prstClr val="black">
+                  <a:lumMod val="65000"/>
+                  <a:lumOff val="35000"/>
+                </a:prstClr>
+              </a:solidFill>
+            </a:endParaRPr>
+          </a:p>
+          <a:p>
+            <a:pPr marL="342900" indent="-342900" algn="just">
+              <a:lnSpc>
+                <a:spcPct val="150000"/>
+              </a:lnSpc>
+              <a:buFont typeface="+mj-lt"/>
+              <a:buAutoNum type="arabicPeriod"/>
+            </a:pPr>
+            <a:endParaRPr lang="en-US" altLang="ko-KR" sz="1600" b="1" dirty="0">
+              <a:solidFill>
+                <a:prstClr val="black">
+                  <a:lumMod val="65000"/>
+                  <a:lumOff val="35000"/>
+                </a:prstClr>
+              </a:solidFill>
+            </a:endParaRPr>
+          </a:p>
+          <a:p>
+            <a:pPr marL="457200" indent="-457200" algn="just">
+              <a:lnSpc>
+                <a:spcPct val="150000"/>
+              </a:lnSpc>
+              <a:buFont typeface="+mj-lt"/>
+              <a:buAutoNum type="arabicPeriod"/>
+            </a:pPr>
+            <a:r>
+              <a:rPr lang="ko-KR" altLang="en-US" sz="2000" b="1" dirty="0">
+                <a:solidFill>
+                  <a:prstClr val="black">
+                    <a:lumMod val="65000"/>
+                    <a:lumOff val="35000"/>
+                  </a:prstClr>
+                </a:solidFill>
+              </a:rPr>
+              <a:t>사용한 </a:t>
+            </a:r>
+            <a:r>
+              <a:rPr lang="en-US" altLang="ko-KR" sz="2000" b="1" dirty="0">
+                <a:solidFill>
+                  <a:prstClr val="black">
+                    <a:lumMod val="65000"/>
+                    <a:lumOff val="35000"/>
+                  </a:prstClr>
+                </a:solidFill>
+              </a:rPr>
+              <a:t>Open API</a:t>
+            </a:r>
+            <a:r>
+              <a:rPr lang="en-US" altLang="ko-KR" sz="1400" b="1" dirty="0">
+                <a:solidFill>
+                  <a:prstClr val="black">
+                    <a:lumMod val="65000"/>
+                    <a:lumOff val="35000"/>
+                  </a:prstClr>
+                </a:solidFill>
+              </a:rPr>
+              <a:t>----------------07</a:t>
+            </a:r>
+          </a:p>
+          <a:p>
+            <a:pPr marL="342900" indent="-342900" algn="just">
+              <a:lnSpc>
+                <a:spcPct val="150000"/>
+              </a:lnSpc>
+              <a:buFont typeface="+mj-lt"/>
+              <a:buAutoNum type="arabicPeriod"/>
+            </a:pPr>
+            <a:endParaRPr lang="en-US" altLang="ko-KR" sz="1600" b="1" dirty="0">
+              <a:solidFill>
+                <a:prstClr val="black">
+                  <a:lumMod val="65000"/>
+                  <a:lumOff val="35000"/>
+                </a:prstClr>
+              </a:solidFill>
+            </a:endParaRPr>
+          </a:p>
+          <a:p>
+            <a:pPr marL="457200" indent="-457200" algn="just">
+              <a:lnSpc>
+                <a:spcPct val="150000"/>
+              </a:lnSpc>
+              <a:buFont typeface="+mj-lt"/>
+              <a:buAutoNum type="arabicPeriod"/>
+            </a:pPr>
+            <a:r>
+              <a:rPr lang="en-US" altLang="ko-KR" sz="2000" b="1" dirty="0" err="1">
+                <a:solidFill>
+                  <a:prstClr val="black">
+                    <a:lumMod val="65000"/>
+                    <a:lumOff val="35000"/>
+                  </a:prstClr>
+                </a:solidFill>
+              </a:rPr>
+              <a:t>Git</a:t>
+            </a:r>
+            <a:r>
+              <a:rPr lang="en-US" altLang="ko-KR" sz="2000" b="1" dirty="0">
+                <a:solidFill>
+                  <a:prstClr val="black">
+                    <a:lumMod val="65000"/>
+                    <a:lumOff val="35000"/>
+                  </a:prstClr>
+                </a:solidFill>
+              </a:rPr>
+              <a:t> </a:t>
+            </a:r>
+            <a:r>
+              <a:rPr lang="ko-KR" altLang="en-US" sz="2000" b="1" dirty="0">
+                <a:solidFill>
+                  <a:prstClr val="black">
+                    <a:lumMod val="65000"/>
+                    <a:lumOff val="35000"/>
+                  </a:prstClr>
+                </a:solidFill>
+              </a:rPr>
+              <a:t>통계</a:t>
+            </a:r>
+            <a:r>
+              <a:rPr lang="en-US" altLang="ko-KR" sz="1400" b="1" dirty="0">
+                <a:solidFill>
+                  <a:prstClr val="black">
+                    <a:lumMod val="65000"/>
+                    <a:lumOff val="35000"/>
+                  </a:prstClr>
+                </a:solidFill>
+              </a:rPr>
+              <a:t>------------------------------08</a:t>
+            </a:r>
+          </a:p>
+          <a:p>
+            <a:pPr marL="342900" indent="-342900" algn="just">
+              <a:lnSpc>
+                <a:spcPct val="150000"/>
+              </a:lnSpc>
+              <a:buFont typeface="+mj-lt"/>
+              <a:buAutoNum type="arabicPeriod"/>
+            </a:pPr>
+            <a:endParaRPr lang="en-US" altLang="ko-KR" sz="1600" b="1" dirty="0">
+              <a:solidFill>
+                <a:prstClr val="black">
+                  <a:lumMod val="65000"/>
+                  <a:lumOff val="35000"/>
+                </a:prstClr>
+              </a:solidFill>
+            </a:endParaRPr>
+          </a:p>
+          <a:p>
+            <a:pPr marL="457200" indent="-457200" algn="just">
+              <a:lnSpc>
+                <a:spcPct val="150000"/>
+              </a:lnSpc>
+              <a:buFont typeface="+mj-lt"/>
+              <a:buAutoNum type="arabicPeriod"/>
+            </a:pPr>
+            <a:r>
+              <a:rPr lang="ko-KR" altLang="en-US" sz="2000" b="1" dirty="0">
+                <a:solidFill>
+                  <a:prstClr val="black">
+                    <a:lumMod val="65000"/>
+                    <a:lumOff val="35000"/>
+                  </a:prstClr>
+                </a:solidFill>
+              </a:rPr>
+              <a:t>프로그램 시현</a:t>
+            </a:r>
+            <a:r>
+              <a:rPr lang="en-US" altLang="ko-KR" sz="1400" b="1" dirty="0">
+                <a:solidFill>
+                  <a:prstClr val="black">
+                    <a:lumMod val="65000"/>
+                    <a:lumOff val="35000"/>
+                  </a:prstClr>
+                </a:solidFill>
+              </a:rPr>
+              <a:t>---------------------09</a:t>
+            </a:r>
+          </a:p>
+          <a:p>
+            <a:pPr marL="457200" indent="-457200" algn="just">
+              <a:lnSpc>
+                <a:spcPct val="150000"/>
+              </a:lnSpc>
+              <a:buFont typeface="+mj-lt"/>
+              <a:buAutoNum type="arabicPeriod"/>
+            </a:pPr>
+            <a:endParaRPr lang="en-US" altLang="ko-KR" sz="1400" b="1" dirty="0">
+              <a:solidFill>
+                <a:prstClr val="black">
+                  <a:lumMod val="65000"/>
+                  <a:lumOff val="35000"/>
+                </a:prstClr>
+              </a:solidFill>
+            </a:endParaRPr>
+          </a:p>
+          <a:p>
+            <a:pPr marL="457200" indent="-457200" algn="just">
+              <a:lnSpc>
+                <a:spcPct val="150000"/>
+              </a:lnSpc>
+              <a:buFont typeface="+mj-lt"/>
+              <a:buAutoNum type="arabicPeriod"/>
+            </a:pPr>
+            <a:r>
+              <a:rPr lang="en-US" altLang="ko-KR" sz="2000" b="1" dirty="0">
+                <a:solidFill>
+                  <a:prstClr val="black">
+                    <a:lumMod val="65000"/>
+                    <a:lumOff val="35000"/>
+                  </a:prstClr>
+                </a:solidFill>
+              </a:rPr>
+              <a:t>Yahtzee </a:t>
+            </a:r>
+            <a:r>
+              <a:rPr lang="ko-KR" altLang="en-US" sz="2000" b="1" dirty="0">
+                <a:solidFill>
+                  <a:prstClr val="black">
+                    <a:lumMod val="65000"/>
+                    <a:lumOff val="35000"/>
+                  </a:prstClr>
+                </a:solidFill>
+              </a:rPr>
+              <a:t>게임 시현</a:t>
+            </a:r>
+            <a:r>
+              <a:rPr lang="en-US" altLang="ko-KR" sz="1400" b="1" dirty="0">
+                <a:solidFill>
+                  <a:prstClr val="black">
+                    <a:lumMod val="65000"/>
+                    <a:lumOff val="35000"/>
+                  </a:prstClr>
+                </a:solidFill>
+              </a:rPr>
+              <a:t>--------------09</a:t>
+            </a:r>
+          </a:p>
+          <a:p>
+            <a:pPr lvl="1" algn="dist">
+              <a:lnSpc>
+                <a:spcPct val="150000"/>
+              </a:lnSpc>
+            </a:pPr>
+            <a:endParaRPr lang="en-US" altLang="ko-KR" sz="1400" b="1" dirty="0">
+              <a:solidFill>
+                <a:prstClr val="black">
+                  <a:lumMod val="65000"/>
+                  <a:lumOff val="35000"/>
+                </a:prstClr>
+              </a:solidFill>
             </a:endParaRPr>
           </a:p>
         </p:txBody>
@@ -6330,7 +7693,7 @@
     </p:spTree>
     <p:extLst>
       <p:ext uri="{BB962C8B-B14F-4D97-AF65-F5344CB8AC3E}">
-        <p14:creationId xmlns:p14="http://schemas.microsoft.com/office/powerpoint/2010/main" val="235776499"/>
+        <p14:creationId xmlns:p14="http://schemas.microsoft.com/office/powerpoint/2010/main" val="1693178110"/>
       </p:ext>
     </p:extLst>
   </p:cSld>
@@ -6340,7 +7703,7 @@
 </p:sld>
 </file>
 
-<file path=ppt/slides/slide4.xml><?xml version="1.0" encoding="utf-8"?>
+<file path=ppt/slides/slide3.xml><?xml version="1.0" encoding="utf-8"?>
 <p:sld xmlns:a="http://schemas.openxmlformats.org/drawingml/2006/main" xmlns:r="http://schemas.openxmlformats.org/officeDocument/2006/relationships" xmlns:p="http://schemas.openxmlformats.org/presentationml/2006/main">
   <p:cSld>
     <p:bg>
@@ -6373,7 +7736,7 @@
         </p:nvSpPr>
         <p:spPr>
           <a:xfrm>
-            <a:off x="1" y="11199"/>
+            <a:off x="0" y="0"/>
             <a:ext cx="12191999" cy="965200"/>
           </a:xfrm>
           <a:custGeom>
@@ -6685,6 +8048,214 @@
       </p:cxnSp>
       <p:sp>
         <p:nvSpPr>
+          <p:cNvPr id="8" name="사각형: 둥근 모서리 7">
+            <a:extLst>
+              <a:ext uri="{FF2B5EF4-FFF2-40B4-BE49-F238E27FC236}">
+                <a16:creationId xmlns:a16="http://schemas.microsoft.com/office/drawing/2014/main" id="{BF2D5C24-9431-3815-F868-0D6E4BB48A75}"/>
+              </a:ext>
+            </a:extLst>
+          </p:cNvPr>
+          <p:cNvSpPr/>
+          <p:nvPr/>
+        </p:nvSpPr>
+        <p:spPr>
+          <a:xfrm>
+            <a:off x="700497" y="1763152"/>
+            <a:ext cx="10793456" cy="4551921"/>
+          </a:xfrm>
+          <a:prstGeom prst="roundRect">
+            <a:avLst/>
+          </a:prstGeom>
+          <a:noFill/>
+          <a:ln w="38100">
+            <a:solidFill>
+              <a:schemeClr val="accent6">
+                <a:lumMod val="60000"/>
+                <a:lumOff val="40000"/>
+              </a:schemeClr>
+            </a:solidFill>
+          </a:ln>
+        </p:spPr>
+        <p:style>
+          <a:lnRef idx="2">
+            <a:schemeClr val="accent1">
+              <a:shade val="50000"/>
+            </a:schemeClr>
+          </a:lnRef>
+          <a:fillRef idx="1">
+            <a:schemeClr val="accent1"/>
+          </a:fillRef>
+          <a:effectRef idx="0">
+            <a:schemeClr val="accent1"/>
+          </a:effectRef>
+          <a:fontRef idx="minor">
+            <a:schemeClr val="lt1"/>
+          </a:fontRef>
+        </p:style>
+        <p:txBody>
+          <a:bodyPr rtlCol="0" anchor="ctr"/>
+          <a:lstStyle/>
+          <a:p>
+            <a:r>
+              <a:rPr lang="ko-KR" altLang="en-US" sz="2400" dirty="0">
+                <a:solidFill>
+                  <a:srgbClr val="000000"/>
+                </a:solidFill>
+              </a:rPr>
+              <a:t>지역화폐 가입되어 있는 </a:t>
+            </a:r>
+            <a:r>
+              <a:rPr lang="en-US" altLang="ko-KR" sz="2400" b="0" i="0" dirty="0">
+                <a:solidFill>
+                  <a:srgbClr val="000000"/>
+                </a:solidFill>
+                <a:effectLst/>
+              </a:rPr>
+              <a:t>558,491</a:t>
+            </a:r>
+            <a:r>
+              <a:rPr lang="ko-KR" altLang="en-US" sz="2400" b="0" i="0" dirty="0">
+                <a:solidFill>
+                  <a:srgbClr val="000000"/>
+                </a:solidFill>
+                <a:effectLst/>
+              </a:rPr>
+              <a:t>개의 </a:t>
+            </a:r>
+            <a:r>
+              <a:rPr lang="ko-KR" altLang="en-US" sz="2400" dirty="0">
+                <a:solidFill>
+                  <a:srgbClr val="000000"/>
+                </a:solidFill>
+              </a:rPr>
+              <a:t>가맹점 중</a:t>
+            </a:r>
+            <a:endParaRPr lang="en-US" altLang="ko-KR" sz="2400" dirty="0">
+              <a:solidFill>
+                <a:srgbClr val="000000"/>
+              </a:solidFill>
+            </a:endParaRPr>
+          </a:p>
+          <a:p>
+            <a:endParaRPr lang="en-US" altLang="ko-KR" sz="2000" dirty="0">
+              <a:solidFill>
+                <a:srgbClr val="000000"/>
+              </a:solidFill>
+            </a:endParaRPr>
+          </a:p>
+          <a:p>
+            <a:pPr marL="800100" lvl="1" indent="-342900">
+              <a:buFont typeface="Arial" panose="020B0604020202020204" pitchFamily="34" charset="0"/>
+              <a:buChar char="•"/>
+            </a:pPr>
+            <a:r>
+              <a:rPr lang="ko-KR" altLang="en-US" sz="2000" dirty="0">
+                <a:solidFill>
+                  <a:srgbClr val="000000"/>
+                </a:solidFill>
+              </a:rPr>
+              <a:t>사용자 원하는 가맹점 정보 검색</a:t>
+            </a:r>
+            <a:endParaRPr lang="en-US" altLang="ko-KR" sz="2000" dirty="0">
+              <a:solidFill>
+                <a:srgbClr val="000000"/>
+              </a:solidFill>
+            </a:endParaRPr>
+          </a:p>
+          <a:p>
+            <a:pPr marL="800100" lvl="1" indent="-342900">
+              <a:buFont typeface="Arial" panose="020B0604020202020204" pitchFamily="34" charset="0"/>
+              <a:buChar char="•"/>
+            </a:pPr>
+            <a:endParaRPr lang="en-US" altLang="ko-KR" sz="2000" dirty="0">
+              <a:solidFill>
+                <a:srgbClr val="000000"/>
+              </a:solidFill>
+            </a:endParaRPr>
+          </a:p>
+          <a:p>
+            <a:pPr marL="800100" lvl="1" indent="-342900">
+              <a:buFont typeface="Arial" panose="020B0604020202020204" pitchFamily="34" charset="0"/>
+              <a:buChar char="•"/>
+            </a:pPr>
+            <a:r>
+              <a:rPr lang="ko-KR" altLang="en-US" sz="2000" dirty="0">
+                <a:solidFill>
+                  <a:srgbClr val="000000"/>
+                </a:solidFill>
+              </a:rPr>
+              <a:t>검색한 가맹점 정보 출력</a:t>
+            </a:r>
+            <a:endParaRPr lang="en-US" altLang="ko-KR" sz="2000" dirty="0">
+              <a:solidFill>
+                <a:srgbClr val="000000"/>
+              </a:solidFill>
+            </a:endParaRPr>
+          </a:p>
+          <a:p>
+            <a:pPr marL="800100" lvl="1" indent="-342900">
+              <a:buFont typeface="Arial" panose="020B0604020202020204" pitchFamily="34" charset="0"/>
+              <a:buChar char="•"/>
+            </a:pPr>
+            <a:endParaRPr lang="en-US" altLang="ko-KR" sz="2000" dirty="0">
+              <a:solidFill>
+                <a:srgbClr val="000000"/>
+              </a:solidFill>
+            </a:endParaRPr>
+          </a:p>
+          <a:p>
+            <a:pPr marL="800100" lvl="1" indent="-342900">
+              <a:buFont typeface="Arial" panose="020B0604020202020204" pitchFamily="34" charset="0"/>
+              <a:buChar char="•"/>
+            </a:pPr>
+            <a:r>
+              <a:rPr lang="ko-KR" altLang="en-US" sz="2000" dirty="0">
+                <a:solidFill>
+                  <a:srgbClr val="000000"/>
+                </a:solidFill>
+              </a:rPr>
+              <a:t>가맹점 정보 메일 전송</a:t>
+            </a:r>
+            <a:endParaRPr lang="en-US" altLang="ko-KR" sz="2000" dirty="0">
+              <a:solidFill>
+                <a:srgbClr val="000000"/>
+              </a:solidFill>
+            </a:endParaRPr>
+          </a:p>
+          <a:p>
+            <a:pPr marL="800100" lvl="1" indent="-342900">
+              <a:buFont typeface="Arial" panose="020B0604020202020204" pitchFamily="34" charset="0"/>
+              <a:buChar char="•"/>
+            </a:pPr>
+            <a:endParaRPr lang="en-US" altLang="ko-KR" sz="2000" dirty="0">
+              <a:solidFill>
+                <a:srgbClr val="000000"/>
+              </a:solidFill>
+            </a:endParaRPr>
+          </a:p>
+          <a:p>
+            <a:pPr marL="800100" lvl="1" indent="-342900">
+              <a:buFont typeface="Arial" panose="020B0604020202020204" pitchFamily="34" charset="0"/>
+              <a:buChar char="•"/>
+            </a:pPr>
+            <a:r>
+              <a:rPr lang="ko-KR" altLang="en-US" sz="2000" dirty="0">
+                <a:solidFill>
+                  <a:srgbClr val="000000"/>
+                </a:solidFill>
+              </a:rPr>
+              <a:t>가맹점 위치 지도에서 출력</a:t>
+            </a:r>
+            <a:endParaRPr lang="en-US" altLang="ko-KR" sz="2000" dirty="0">
+              <a:solidFill>
+                <a:srgbClr val="000000"/>
+              </a:solidFill>
+            </a:endParaRPr>
+          </a:p>
+        </p:txBody>
+      </p:sp>
+      <p:sp>
+        <p:nvSpPr>
           <p:cNvPr id="7" name="슬라이드 번호 개체 틀 6">
             <a:extLst>
               <a:ext uri="{FF2B5EF4-FFF2-40B4-BE49-F238E27FC236}">
@@ -6707,7 +8278,7 @@
             <a:fld id="{27FBB162-8746-42C9-BFFF-D75069B6786A}" type="slidenum">
               <a:rPr lang="ko-KR" altLang="en-US" smtClean="0"/>
               <a:pPr/>
-              <a:t>4</a:t>
+              <a:t>3</a:t>
             </a:fld>
             <a:r>
               <a:rPr lang="ko-KR" altLang="en-US" dirty="0"/>
@@ -6799,6 +8370,1904 @@
                 <a:ea typeface="맑은 고딕" panose="020B0503020000020004" pitchFamily="50" charset="-127"/>
                 <a:cs typeface="+mn-cs"/>
               </a:rPr>
+              <a:t>프로그램 소개</a:t>
+            </a:r>
+            <a:endParaRPr kumimoji="0" lang="ko-KR" altLang="en-US" sz="1800" b="0" i="0" u="none" strike="noStrike" kern="1200" cap="none" spc="0" normalizeH="0" baseline="0" noProof="0" dirty="0">
+              <a:ln>
+                <a:noFill/>
+              </a:ln>
+              <a:solidFill>
+                <a:prstClr val="black"/>
+              </a:solidFill>
+              <a:effectLst/>
+              <a:uLnTx/>
+              <a:uFillTx/>
+              <a:latin typeface="맑은 고딕" panose="020F0502020204030204"/>
+              <a:ea typeface="맑은 고딕" panose="020B0503020000020004" pitchFamily="50" charset="-127"/>
+              <a:cs typeface="+mn-cs"/>
+            </a:endParaRPr>
+          </a:p>
+        </p:txBody>
+      </p:sp>
+    </p:spTree>
+    <p:extLst>
+      <p:ext uri="{BB962C8B-B14F-4D97-AF65-F5344CB8AC3E}">
+        <p14:creationId xmlns:p14="http://schemas.microsoft.com/office/powerpoint/2010/main" val="235776499"/>
+      </p:ext>
+    </p:extLst>
+  </p:cSld>
+  <p:clrMapOvr>
+    <a:masterClrMapping/>
+  </p:clrMapOvr>
+</p:sld>
+</file>
+
+<file path=ppt/slides/slide4.xml><?xml version="1.0" encoding="utf-8"?>
+<p:sld xmlns:a="http://schemas.openxmlformats.org/drawingml/2006/main" xmlns:r="http://schemas.openxmlformats.org/officeDocument/2006/relationships" xmlns:p="http://schemas.openxmlformats.org/presentationml/2006/main">
+  <p:cSld>
+    <p:bg>
+      <p:bgPr>
+        <a:solidFill>
+          <a:srgbClr val="FFFBE8"/>
+        </a:solidFill>
+        <a:effectLst/>
+      </p:bgPr>
+    </p:bg>
+    <p:spTree>
+      <p:nvGrpSpPr>
+        <p:cNvPr id="1" name=""/>
+        <p:cNvGrpSpPr/>
+        <p:nvPr/>
+      </p:nvGrpSpPr>
+      <p:grpSpPr>
+        <a:xfrm>
+          <a:off x="0" y="0"/>
+          <a:ext cx="0" cy="0"/>
+          <a:chOff x="0" y="0"/>
+          <a:chExt cx="0" cy="0"/>
+        </a:xfrm>
+      </p:grpSpPr>
+      <p:sp>
+        <p:nvSpPr>
+          <p:cNvPr id="50" name="자유형 49"/>
+          <p:cNvSpPr/>
+          <p:nvPr/>
+        </p:nvSpPr>
+        <p:spPr>
+          <a:xfrm>
+            <a:off x="0" y="0"/>
+            <a:ext cx="12191999" cy="965200"/>
+          </a:xfrm>
+          <a:custGeom>
+            <a:avLst/>
+            <a:gdLst>
+              <a:gd name="connsiteX0" fmla="*/ 0 w 12191999"/>
+              <a:gd name="connsiteY0" fmla="*/ 0 h 965200"/>
+              <a:gd name="connsiteX1" fmla="*/ 12191999 w 12191999"/>
+              <a:gd name="connsiteY1" fmla="*/ 0 h 965200"/>
+              <a:gd name="connsiteX2" fmla="*/ 12191999 w 12191999"/>
+              <a:gd name="connsiteY2" fmla="*/ 621393 h 965200"/>
+              <a:gd name="connsiteX3" fmla="*/ 11155972 w 12191999"/>
+              <a:gd name="connsiteY3" fmla="*/ 621393 h 965200"/>
+              <a:gd name="connsiteX4" fmla="*/ 11009922 w 12191999"/>
+              <a:gd name="connsiteY4" fmla="*/ 767443 h 965200"/>
+              <a:gd name="connsiteX5" fmla="*/ 11015966 w 12191999"/>
+              <a:gd name="connsiteY5" fmla="*/ 797379 h 965200"/>
+              <a:gd name="connsiteX6" fmla="*/ 9981222 w 12191999"/>
+              <a:gd name="connsiteY6" fmla="*/ 797379 h 965200"/>
+              <a:gd name="connsiteX7" fmla="*/ 9835172 w 12191999"/>
+              <a:gd name="connsiteY7" fmla="*/ 943429 h 965200"/>
+              <a:gd name="connsiteX8" fmla="*/ 9839567 w 12191999"/>
+              <a:gd name="connsiteY8" fmla="*/ 965200 h 965200"/>
+              <a:gd name="connsiteX9" fmla="*/ 8241580 w 12191999"/>
+              <a:gd name="connsiteY9" fmla="*/ 965200 h 965200"/>
+              <a:gd name="connsiteX10" fmla="*/ 8219038 w 12191999"/>
+              <a:gd name="connsiteY10" fmla="*/ 931765 h 965200"/>
+              <a:gd name="connsiteX11" fmla="*/ 8123462 w 12191999"/>
+              <a:gd name="connsiteY11" fmla="*/ 892177 h 965200"/>
+              <a:gd name="connsiteX12" fmla="*/ 5353956 w 12191999"/>
+              <a:gd name="connsiteY12" fmla="*/ 892177 h 965200"/>
+              <a:gd name="connsiteX13" fmla="*/ 5258380 w 12191999"/>
+              <a:gd name="connsiteY13" fmla="*/ 931765 h 965200"/>
+              <a:gd name="connsiteX14" fmla="*/ 5235837 w 12191999"/>
+              <a:gd name="connsiteY14" fmla="*/ 965200 h 965200"/>
+              <a:gd name="connsiteX15" fmla="*/ 689794 w 12191999"/>
+              <a:gd name="connsiteY15" fmla="*/ 965200 h 965200"/>
+              <a:gd name="connsiteX16" fmla="*/ 694190 w 12191999"/>
+              <a:gd name="connsiteY16" fmla="*/ 943429 h 965200"/>
+              <a:gd name="connsiteX17" fmla="*/ 548140 w 12191999"/>
+              <a:gd name="connsiteY17" fmla="*/ 797379 h 965200"/>
+              <a:gd name="connsiteX18" fmla="*/ 393968 w 12191999"/>
+              <a:gd name="connsiteY18" fmla="*/ 797379 h 965200"/>
+              <a:gd name="connsiteX19" fmla="*/ 394151 w 12191999"/>
+              <a:gd name="connsiteY19" fmla="*/ 796472 h 965200"/>
+              <a:gd name="connsiteX20" fmla="*/ 248101 w 12191999"/>
+              <a:gd name="connsiteY20" fmla="*/ 650422 h 965200"/>
+              <a:gd name="connsiteX21" fmla="*/ 0 w 12191999"/>
+              <a:gd name="connsiteY21" fmla="*/ 650422 h 965200"/>
+            </a:gdLst>
+            <a:ahLst/>
+            <a:cxnLst>
+              <a:cxn ang="0">
+                <a:pos x="connsiteX0" y="connsiteY0"/>
+              </a:cxn>
+              <a:cxn ang="0">
+                <a:pos x="connsiteX1" y="connsiteY1"/>
+              </a:cxn>
+              <a:cxn ang="0">
+                <a:pos x="connsiteX2" y="connsiteY2"/>
+              </a:cxn>
+              <a:cxn ang="0">
+                <a:pos x="connsiteX3" y="connsiteY3"/>
+              </a:cxn>
+              <a:cxn ang="0">
+                <a:pos x="connsiteX4" y="connsiteY4"/>
+              </a:cxn>
+              <a:cxn ang="0">
+                <a:pos x="connsiteX5" y="connsiteY5"/>
+              </a:cxn>
+              <a:cxn ang="0">
+                <a:pos x="connsiteX6" y="connsiteY6"/>
+              </a:cxn>
+              <a:cxn ang="0">
+                <a:pos x="connsiteX7" y="connsiteY7"/>
+              </a:cxn>
+              <a:cxn ang="0">
+                <a:pos x="connsiteX8" y="connsiteY8"/>
+              </a:cxn>
+              <a:cxn ang="0">
+                <a:pos x="connsiteX9" y="connsiteY9"/>
+              </a:cxn>
+              <a:cxn ang="0">
+                <a:pos x="connsiteX10" y="connsiteY10"/>
+              </a:cxn>
+              <a:cxn ang="0">
+                <a:pos x="connsiteX11" y="connsiteY11"/>
+              </a:cxn>
+              <a:cxn ang="0">
+                <a:pos x="connsiteX12" y="connsiteY12"/>
+              </a:cxn>
+              <a:cxn ang="0">
+                <a:pos x="connsiteX13" y="connsiteY13"/>
+              </a:cxn>
+              <a:cxn ang="0">
+                <a:pos x="connsiteX14" y="connsiteY14"/>
+              </a:cxn>
+              <a:cxn ang="0">
+                <a:pos x="connsiteX15" y="connsiteY15"/>
+              </a:cxn>
+              <a:cxn ang="0">
+                <a:pos x="connsiteX16" y="connsiteY16"/>
+              </a:cxn>
+              <a:cxn ang="0">
+                <a:pos x="connsiteX17" y="connsiteY17"/>
+              </a:cxn>
+              <a:cxn ang="0">
+                <a:pos x="connsiteX18" y="connsiteY18"/>
+              </a:cxn>
+              <a:cxn ang="0">
+                <a:pos x="connsiteX19" y="connsiteY19"/>
+              </a:cxn>
+              <a:cxn ang="0">
+                <a:pos x="connsiteX20" y="connsiteY20"/>
+              </a:cxn>
+              <a:cxn ang="0">
+                <a:pos x="connsiteX21" y="connsiteY21"/>
+              </a:cxn>
+            </a:cxnLst>
+            <a:rect l="l" t="t" r="r" b="b"/>
+            <a:pathLst>
+              <a:path w="12191999" h="965200">
+                <a:moveTo>
+                  <a:pt x="0" y="0"/>
+                </a:moveTo>
+                <a:lnTo>
+                  <a:pt x="12191999" y="0"/>
+                </a:lnTo>
+                <a:lnTo>
+                  <a:pt x="12191999" y="621393"/>
+                </a:lnTo>
+                <a:lnTo>
+                  <a:pt x="11155972" y="621393"/>
+                </a:lnTo>
+                <a:cubicBezTo>
+                  <a:pt x="11075311" y="621393"/>
+                  <a:pt x="11009922" y="686782"/>
+                  <a:pt x="11009922" y="767443"/>
+                </a:cubicBezTo>
+                <a:lnTo>
+                  <a:pt x="11015966" y="797379"/>
+                </a:lnTo>
+                <a:lnTo>
+                  <a:pt x="9981222" y="797379"/>
+                </a:lnTo>
+                <a:cubicBezTo>
+                  <a:pt x="9900561" y="797379"/>
+                  <a:pt x="9835172" y="862768"/>
+                  <a:pt x="9835172" y="943429"/>
+                </a:cubicBezTo>
+                <a:lnTo>
+                  <a:pt x="9839567" y="965200"/>
+                </a:lnTo>
+                <a:lnTo>
+                  <a:pt x="8241580" y="965200"/>
+                </a:lnTo>
+                <a:lnTo>
+                  <a:pt x="8219038" y="931765"/>
+                </a:lnTo>
+                <a:cubicBezTo>
+                  <a:pt x="8194578" y="907305"/>
+                  <a:pt x="8160787" y="892177"/>
+                  <a:pt x="8123462" y="892177"/>
+                </a:cubicBezTo>
+                <a:lnTo>
+                  <a:pt x="5353956" y="892177"/>
+                </a:lnTo>
+                <a:cubicBezTo>
+                  <a:pt x="5316631" y="892177"/>
+                  <a:pt x="5282840" y="907305"/>
+                  <a:pt x="5258380" y="931765"/>
+                </a:cubicBezTo>
+                <a:lnTo>
+                  <a:pt x="5235837" y="965200"/>
+                </a:lnTo>
+                <a:lnTo>
+                  <a:pt x="689794" y="965200"/>
+                </a:lnTo>
+                <a:lnTo>
+                  <a:pt x="694190" y="943429"/>
+                </a:lnTo>
+                <a:cubicBezTo>
+                  <a:pt x="694190" y="862768"/>
+                  <a:pt x="628801" y="797379"/>
+                  <a:pt x="548140" y="797379"/>
+                </a:cubicBezTo>
+                <a:lnTo>
+                  <a:pt x="393968" y="797379"/>
+                </a:lnTo>
+                <a:lnTo>
+                  <a:pt x="394151" y="796472"/>
+                </a:lnTo>
+                <a:cubicBezTo>
+                  <a:pt x="394151" y="715811"/>
+                  <a:pt x="328762" y="650422"/>
+                  <a:pt x="248101" y="650422"/>
+                </a:cubicBezTo>
+                <a:lnTo>
+                  <a:pt x="0" y="650422"/>
+                </a:lnTo>
+                <a:close/>
+              </a:path>
+            </a:pathLst>
+          </a:custGeom>
+          <a:solidFill>
+            <a:srgbClr val="8CD3D5"/>
+          </a:solidFill>
+          <a:ln>
+            <a:noFill/>
+          </a:ln>
+        </p:spPr>
+        <p:style>
+          <a:lnRef idx="2">
+            <a:schemeClr val="accent1">
+              <a:shade val="50000"/>
+            </a:schemeClr>
+          </a:lnRef>
+          <a:fillRef idx="1">
+            <a:schemeClr val="accent1"/>
+          </a:fillRef>
+          <a:effectRef idx="0">
+            <a:schemeClr val="accent1"/>
+          </a:effectRef>
+          <a:fontRef idx="minor">
+            <a:schemeClr val="lt1"/>
+          </a:fontRef>
+        </p:style>
+        <p:txBody>
+          <a:bodyPr wrap="square" rtlCol="0" anchor="ctr">
+            <a:noAutofit/>
+          </a:bodyPr>
+          <a:lstStyle/>
+          <a:p>
+            <a:pPr marL="914400" marR="0" lvl="2" indent="0" algn="l" defTabSz="914400" rtl="0" eaLnBrk="1" fontAlgn="auto" latinLnBrk="1" hangingPunct="1">
+              <a:lnSpc>
+                <a:spcPct val="150000"/>
+              </a:lnSpc>
+              <a:spcBef>
+                <a:spcPts val="0"/>
+              </a:spcBef>
+              <a:spcAft>
+                <a:spcPts val="0"/>
+              </a:spcAft>
+              <a:buClrTx/>
+              <a:buSzTx/>
+              <a:buFontTx/>
+              <a:buNone/>
+              <a:tabLst/>
+              <a:defRPr/>
+            </a:pPr>
+            <a:r>
+              <a:rPr kumimoji="0" lang="ko-KR" altLang="en-US" sz="2800" b="0" i="1" u="none" strike="noStrike" kern="1200" cap="none" spc="0" normalizeH="0" baseline="0" noProof="0" dirty="0">
+                <a:ln>
+                  <a:noFill/>
+                </a:ln>
+                <a:solidFill>
+                  <a:prstClr val="white"/>
+                </a:solidFill>
+                <a:effectLst/>
+                <a:uLnTx/>
+                <a:uFillTx/>
+                <a:latin typeface="맑은 고딕" panose="020F0502020204030204"/>
+                <a:ea typeface="맑은 고딕" panose="020B0503020000020004" pitchFamily="50" charset="-127"/>
+                <a:cs typeface="+mn-cs"/>
+              </a:rPr>
+              <a:t>경기도 지역화폐 가맹점 정보 조회 애플리케이션</a:t>
+            </a:r>
+          </a:p>
+        </p:txBody>
+      </p:sp>
+      <p:cxnSp>
+        <p:nvCxnSpPr>
+          <p:cNvPr id="10" name="직선 연결선 9">
+            <a:extLst>
+              <a:ext uri="{FF2B5EF4-FFF2-40B4-BE49-F238E27FC236}">
+                <a16:creationId xmlns:a16="http://schemas.microsoft.com/office/drawing/2014/main" id="{47D4A8FD-45B7-EF0F-C8B0-04CD3BD4EF07}"/>
+              </a:ext>
+            </a:extLst>
+          </p:cNvPr>
+          <p:cNvCxnSpPr>
+            <a:cxnSpLocks/>
+          </p:cNvCxnSpPr>
+          <p:nvPr/>
+        </p:nvCxnSpPr>
+        <p:spPr>
+          <a:xfrm>
+            <a:off x="700497" y="1625144"/>
+            <a:ext cx="2273300" cy="0"/>
+          </a:xfrm>
+          <a:prstGeom prst="line">
+            <a:avLst/>
+          </a:prstGeom>
+          <a:ln w="12700"/>
+        </p:spPr>
+        <p:style>
+          <a:lnRef idx="1">
+            <a:schemeClr val="dk1"/>
+          </a:lnRef>
+          <a:fillRef idx="0">
+            <a:schemeClr val="dk1"/>
+          </a:fillRef>
+          <a:effectRef idx="0">
+            <a:schemeClr val="dk1"/>
+          </a:effectRef>
+          <a:fontRef idx="minor">
+            <a:schemeClr val="tx1"/>
+          </a:fontRef>
+        </p:style>
+      </p:cxnSp>
+      <p:sp>
+        <p:nvSpPr>
+          <p:cNvPr id="11" name="직사각형 10">
+            <a:extLst>
+              <a:ext uri="{FF2B5EF4-FFF2-40B4-BE49-F238E27FC236}">
+                <a16:creationId xmlns:a16="http://schemas.microsoft.com/office/drawing/2014/main" id="{08B13FE4-2850-BCC2-C5F4-EE3F8E01D2E3}"/>
+              </a:ext>
+            </a:extLst>
+          </p:cNvPr>
+          <p:cNvSpPr/>
+          <p:nvPr/>
+        </p:nvSpPr>
+        <p:spPr>
+          <a:xfrm>
+            <a:off x="700497" y="1108381"/>
+            <a:ext cx="2273300" cy="532282"/>
+          </a:xfrm>
+          <a:prstGeom prst="rect">
+            <a:avLst/>
+          </a:prstGeom>
+          <a:noFill/>
+          <a:ln>
+            <a:noFill/>
+          </a:ln>
+        </p:spPr>
+        <p:style>
+          <a:lnRef idx="2">
+            <a:schemeClr val="dk1"/>
+          </a:lnRef>
+          <a:fillRef idx="1">
+            <a:schemeClr val="lt1"/>
+          </a:fillRef>
+          <a:effectRef idx="0">
+            <a:schemeClr val="dk1"/>
+          </a:effectRef>
+          <a:fontRef idx="minor">
+            <a:schemeClr val="dk1"/>
+          </a:fontRef>
+        </p:style>
+        <p:txBody>
+          <a:bodyPr rtlCol="0" anchor="ctr"/>
+          <a:lstStyle/>
+          <a:p>
+            <a:pPr marL="0" marR="0" lvl="0" indent="0" algn="ctr" defTabSz="914400" rtl="0" eaLnBrk="1" fontAlgn="auto" latinLnBrk="1" hangingPunct="1">
+              <a:lnSpc>
+                <a:spcPct val="100000"/>
+              </a:lnSpc>
+              <a:spcBef>
+                <a:spcPts val="0"/>
+              </a:spcBef>
+              <a:spcAft>
+                <a:spcPts val="0"/>
+              </a:spcAft>
+              <a:buClrTx/>
+              <a:buSzTx/>
+              <a:buFontTx/>
+              <a:buNone/>
+              <a:tabLst/>
+              <a:defRPr/>
+            </a:pPr>
+            <a:r>
+              <a:rPr kumimoji="0" lang="ko-KR" altLang="en-US" sz="1800" b="1" i="0" u="none" strike="noStrike" kern="1200" cap="none" spc="0" normalizeH="0" baseline="0" noProof="0" dirty="0">
+                <a:ln>
+                  <a:noFill/>
+                </a:ln>
+                <a:solidFill>
+                  <a:prstClr val="black">
+                    <a:lumMod val="65000"/>
+                    <a:lumOff val="35000"/>
+                  </a:prstClr>
+                </a:solidFill>
+                <a:effectLst/>
+                <a:uLnTx/>
+                <a:uFillTx/>
+                <a:latin typeface="맑은 고딕" panose="020F0502020204030204"/>
+                <a:ea typeface="맑은 고딕" panose="020B0503020000020004" pitchFamily="50" charset="-127"/>
+                <a:cs typeface="+mn-cs"/>
+              </a:rPr>
+              <a:t>프로그램 기능 소개</a:t>
+            </a:r>
+            <a:endParaRPr kumimoji="0" lang="ko-KR" altLang="en-US" sz="1800" b="0" i="0" u="none" strike="noStrike" kern="1200" cap="none" spc="0" normalizeH="0" baseline="0" noProof="0" dirty="0">
+              <a:ln>
+                <a:noFill/>
+              </a:ln>
+              <a:solidFill>
+                <a:prstClr val="black"/>
+              </a:solidFill>
+              <a:effectLst/>
+              <a:uLnTx/>
+              <a:uFillTx/>
+              <a:latin typeface="맑은 고딕" panose="020F0502020204030204"/>
+              <a:ea typeface="맑은 고딕" panose="020B0503020000020004" pitchFamily="50" charset="-127"/>
+              <a:cs typeface="+mn-cs"/>
+            </a:endParaRPr>
+          </a:p>
+        </p:txBody>
+      </p:sp>
+      <p:sp>
+        <p:nvSpPr>
+          <p:cNvPr id="44" name="사각형: 둥근 모서리 43">
+            <a:extLst>
+              <a:ext uri="{FF2B5EF4-FFF2-40B4-BE49-F238E27FC236}">
+                <a16:creationId xmlns:a16="http://schemas.microsoft.com/office/drawing/2014/main" id="{F0365861-C3BF-A048-5000-93C25877B4D2}"/>
+              </a:ext>
+            </a:extLst>
+          </p:cNvPr>
+          <p:cNvSpPr/>
+          <p:nvPr/>
+        </p:nvSpPr>
+        <p:spPr>
+          <a:xfrm>
+            <a:off x="6320042" y="4864608"/>
+            <a:ext cx="5296607" cy="1617067"/>
+          </a:xfrm>
+          <a:prstGeom prst="roundRect">
+            <a:avLst/>
+          </a:prstGeom>
+          <a:solidFill>
+            <a:schemeClr val="bg1"/>
+          </a:solidFill>
+          <a:ln w="38100">
+            <a:solidFill>
+              <a:schemeClr val="accent6">
+                <a:lumMod val="60000"/>
+                <a:lumOff val="40000"/>
+              </a:schemeClr>
+            </a:solidFill>
+          </a:ln>
+        </p:spPr>
+        <p:style>
+          <a:lnRef idx="2">
+            <a:schemeClr val="accent1">
+              <a:shade val="50000"/>
+            </a:schemeClr>
+          </a:lnRef>
+          <a:fillRef idx="1">
+            <a:schemeClr val="accent1"/>
+          </a:fillRef>
+          <a:effectRef idx="0">
+            <a:schemeClr val="accent1"/>
+          </a:effectRef>
+          <a:fontRef idx="minor">
+            <a:schemeClr val="lt1"/>
+          </a:fontRef>
+        </p:style>
+        <p:txBody>
+          <a:bodyPr rtlCol="0" anchor="ctr"/>
+          <a:lstStyle/>
+          <a:p>
+            <a:r>
+              <a:rPr lang="ko-KR" altLang="en-US" sz="2000" dirty="0">
+                <a:solidFill>
+                  <a:srgbClr val="000000"/>
+                </a:solidFill>
+              </a:rPr>
+              <a:t>입력 없이 검색 버튼 클릭 시</a:t>
+            </a:r>
+            <a:r>
+              <a:rPr lang="en-US" altLang="ko-KR" sz="2000" dirty="0">
+                <a:solidFill>
+                  <a:srgbClr val="000000"/>
+                </a:solidFill>
+              </a:rPr>
+              <a:t> </a:t>
+            </a:r>
+          </a:p>
+          <a:p>
+            <a:r>
+              <a:rPr lang="en-US" altLang="ko-KR" sz="2000" dirty="0">
+                <a:solidFill>
+                  <a:srgbClr val="000000"/>
+                </a:solidFill>
+              </a:rPr>
+              <a:t>“</a:t>
+            </a:r>
+            <a:r>
+              <a:rPr lang="ko-KR" altLang="en-US" sz="2000" dirty="0">
+                <a:solidFill>
+                  <a:srgbClr val="000000"/>
+                </a:solidFill>
+              </a:rPr>
+              <a:t>지역을 선택하세요</a:t>
+            </a:r>
+            <a:r>
+              <a:rPr lang="en-US" altLang="ko-KR" sz="2000" dirty="0">
+                <a:solidFill>
+                  <a:srgbClr val="000000"/>
+                </a:solidFill>
+              </a:rPr>
+              <a:t>” </a:t>
+            </a:r>
+            <a:r>
+              <a:rPr lang="ko-KR" altLang="en-US" sz="2000" dirty="0">
+                <a:solidFill>
+                  <a:srgbClr val="000000"/>
+                </a:solidFill>
+              </a:rPr>
+              <a:t>메시지 박스 출력</a:t>
+            </a:r>
+            <a:endParaRPr lang="en-US" altLang="ko-KR" sz="2000" dirty="0">
+              <a:solidFill>
+                <a:srgbClr val="000000"/>
+              </a:solidFill>
+            </a:endParaRPr>
+          </a:p>
+        </p:txBody>
+      </p:sp>
+      <p:sp>
+        <p:nvSpPr>
+          <p:cNvPr id="2" name="슬라이드 번호 개체 틀 1">
+            <a:extLst>
+              <a:ext uri="{FF2B5EF4-FFF2-40B4-BE49-F238E27FC236}">
+                <a16:creationId xmlns:a16="http://schemas.microsoft.com/office/drawing/2014/main" id="{41ED6F2F-AF7A-CBEA-AF7E-B0BF9A7DEA28}"/>
+              </a:ext>
+            </a:extLst>
+          </p:cNvPr>
+          <p:cNvSpPr>
+            <a:spLocks noGrp="1"/>
+          </p:cNvSpPr>
+          <p:nvPr>
+            <p:ph type="sldNum" sz="quarter" idx="12"/>
+          </p:nvPr>
+        </p:nvSpPr>
+        <p:spPr/>
+        <p:txBody>
+          <a:bodyPr/>
+          <a:lstStyle/>
+          <a:p>
+            <a:fld id="{27FBB162-8746-42C9-BFFF-D75069B6786A}" type="slidenum">
+              <a:rPr lang="ko-KR" altLang="en-US" smtClean="0"/>
+              <a:pPr/>
+              <a:t>4</a:t>
+            </a:fld>
+            <a:r>
+              <a:rPr lang="ko-KR" altLang="en-US" dirty="0"/>
+              <a:t> </a:t>
+            </a:r>
+            <a:r>
+              <a:rPr lang="en-US" altLang="ko-KR" dirty="0"/>
+              <a:t>/ 11</a:t>
+            </a:r>
+            <a:endParaRPr lang="ko-KR" altLang="en-US" dirty="0"/>
+          </a:p>
+        </p:txBody>
+      </p:sp>
+      <p:pic>
+        <p:nvPicPr>
+          <p:cNvPr id="12" name="그림 11">
+            <a:extLst>
+              <a:ext uri="{FF2B5EF4-FFF2-40B4-BE49-F238E27FC236}">
+                <a16:creationId xmlns:a16="http://schemas.microsoft.com/office/drawing/2014/main" id="{78B9CD82-91AB-EDCF-B9CE-83375D8C4890}"/>
+              </a:ext>
+            </a:extLst>
+          </p:cNvPr>
+          <p:cNvPicPr>
+            <a:picLocks noChangeAspect="1"/>
+          </p:cNvPicPr>
+          <p:nvPr/>
+        </p:nvPicPr>
+        <p:blipFill>
+          <a:blip r:embed="rId3">
+            <a:extLst>
+              <a:ext uri="{28A0092B-C50C-407E-A947-70E740481C1C}">
+                <a14:useLocalDpi xmlns:a14="http://schemas.microsoft.com/office/drawing/2010/main" val="0"/>
+              </a:ext>
+            </a:extLst>
+          </a:blip>
+          <a:stretch>
+            <a:fillRect/>
+          </a:stretch>
+        </p:blipFill>
+        <p:spPr>
+          <a:xfrm>
+            <a:off x="705901" y="1768326"/>
+            <a:ext cx="4878851" cy="4713349"/>
+          </a:xfrm>
+          <a:prstGeom prst="rect">
+            <a:avLst/>
+          </a:prstGeom>
+        </p:spPr>
+      </p:pic>
+      <p:pic>
+        <p:nvPicPr>
+          <p:cNvPr id="8" name="그림 7">
+            <a:extLst>
+              <a:ext uri="{FF2B5EF4-FFF2-40B4-BE49-F238E27FC236}">
+                <a16:creationId xmlns:a16="http://schemas.microsoft.com/office/drawing/2014/main" id="{0E7DB41C-1499-7327-C400-E28D1735C869}"/>
+              </a:ext>
+            </a:extLst>
+          </p:cNvPr>
+          <p:cNvPicPr>
+            <a:picLocks noChangeAspect="1"/>
+          </p:cNvPicPr>
+          <p:nvPr/>
+        </p:nvPicPr>
+        <p:blipFill>
+          <a:blip r:embed="rId4">
+            <a:extLst>
+              <a:ext uri="{28A0092B-C50C-407E-A947-70E740481C1C}">
+                <a14:useLocalDpi xmlns:a14="http://schemas.microsoft.com/office/drawing/2010/main" val="0"/>
+              </a:ext>
+            </a:extLst>
+          </a:blip>
+          <a:stretch>
+            <a:fillRect/>
+          </a:stretch>
+        </p:blipFill>
+        <p:spPr>
+          <a:xfrm>
+            <a:off x="7350234" y="1768326"/>
+            <a:ext cx="3236221" cy="2949978"/>
+          </a:xfrm>
+          <a:prstGeom prst="rect">
+            <a:avLst/>
+          </a:prstGeom>
+        </p:spPr>
+      </p:pic>
+    </p:spTree>
+    <p:extLst>
+      <p:ext uri="{BB962C8B-B14F-4D97-AF65-F5344CB8AC3E}">
+        <p14:creationId xmlns:p14="http://schemas.microsoft.com/office/powerpoint/2010/main" val="991350721"/>
+      </p:ext>
+    </p:extLst>
+  </p:cSld>
+  <p:clrMapOvr>
+    <a:masterClrMapping/>
+  </p:clrMapOvr>
+</p:sld>
+</file>
+
+<file path=ppt/slides/slide5.xml><?xml version="1.0" encoding="utf-8"?>
+<p:sld xmlns:a="http://schemas.openxmlformats.org/drawingml/2006/main" xmlns:r="http://schemas.openxmlformats.org/officeDocument/2006/relationships" xmlns:p="http://schemas.openxmlformats.org/presentationml/2006/main">
+  <p:cSld>
+    <p:bg>
+      <p:bgPr>
+        <a:solidFill>
+          <a:srgbClr val="FFFBE8"/>
+        </a:solidFill>
+        <a:effectLst/>
+      </p:bgPr>
+    </p:bg>
+    <p:spTree>
+      <p:nvGrpSpPr>
+        <p:cNvPr id="1" name=""/>
+        <p:cNvGrpSpPr/>
+        <p:nvPr/>
+      </p:nvGrpSpPr>
+      <p:grpSpPr>
+        <a:xfrm>
+          <a:off x="0" y="0"/>
+          <a:ext cx="0" cy="0"/>
+          <a:chOff x="0" y="0"/>
+          <a:chExt cx="0" cy="0"/>
+        </a:xfrm>
+      </p:grpSpPr>
+      <p:sp>
+        <p:nvSpPr>
+          <p:cNvPr id="50" name="자유형 49"/>
+          <p:cNvSpPr/>
+          <p:nvPr/>
+        </p:nvSpPr>
+        <p:spPr>
+          <a:xfrm>
+            <a:off x="0" y="0"/>
+            <a:ext cx="12191999" cy="965200"/>
+          </a:xfrm>
+          <a:custGeom>
+            <a:avLst/>
+            <a:gdLst>
+              <a:gd name="connsiteX0" fmla="*/ 0 w 12191999"/>
+              <a:gd name="connsiteY0" fmla="*/ 0 h 965200"/>
+              <a:gd name="connsiteX1" fmla="*/ 12191999 w 12191999"/>
+              <a:gd name="connsiteY1" fmla="*/ 0 h 965200"/>
+              <a:gd name="connsiteX2" fmla="*/ 12191999 w 12191999"/>
+              <a:gd name="connsiteY2" fmla="*/ 621393 h 965200"/>
+              <a:gd name="connsiteX3" fmla="*/ 11155972 w 12191999"/>
+              <a:gd name="connsiteY3" fmla="*/ 621393 h 965200"/>
+              <a:gd name="connsiteX4" fmla="*/ 11009922 w 12191999"/>
+              <a:gd name="connsiteY4" fmla="*/ 767443 h 965200"/>
+              <a:gd name="connsiteX5" fmla="*/ 11015966 w 12191999"/>
+              <a:gd name="connsiteY5" fmla="*/ 797379 h 965200"/>
+              <a:gd name="connsiteX6" fmla="*/ 9981222 w 12191999"/>
+              <a:gd name="connsiteY6" fmla="*/ 797379 h 965200"/>
+              <a:gd name="connsiteX7" fmla="*/ 9835172 w 12191999"/>
+              <a:gd name="connsiteY7" fmla="*/ 943429 h 965200"/>
+              <a:gd name="connsiteX8" fmla="*/ 9839567 w 12191999"/>
+              <a:gd name="connsiteY8" fmla="*/ 965200 h 965200"/>
+              <a:gd name="connsiteX9" fmla="*/ 8241580 w 12191999"/>
+              <a:gd name="connsiteY9" fmla="*/ 965200 h 965200"/>
+              <a:gd name="connsiteX10" fmla="*/ 8219038 w 12191999"/>
+              <a:gd name="connsiteY10" fmla="*/ 931765 h 965200"/>
+              <a:gd name="connsiteX11" fmla="*/ 8123462 w 12191999"/>
+              <a:gd name="connsiteY11" fmla="*/ 892177 h 965200"/>
+              <a:gd name="connsiteX12" fmla="*/ 5353956 w 12191999"/>
+              <a:gd name="connsiteY12" fmla="*/ 892177 h 965200"/>
+              <a:gd name="connsiteX13" fmla="*/ 5258380 w 12191999"/>
+              <a:gd name="connsiteY13" fmla="*/ 931765 h 965200"/>
+              <a:gd name="connsiteX14" fmla="*/ 5235837 w 12191999"/>
+              <a:gd name="connsiteY14" fmla="*/ 965200 h 965200"/>
+              <a:gd name="connsiteX15" fmla="*/ 689794 w 12191999"/>
+              <a:gd name="connsiteY15" fmla="*/ 965200 h 965200"/>
+              <a:gd name="connsiteX16" fmla="*/ 694190 w 12191999"/>
+              <a:gd name="connsiteY16" fmla="*/ 943429 h 965200"/>
+              <a:gd name="connsiteX17" fmla="*/ 548140 w 12191999"/>
+              <a:gd name="connsiteY17" fmla="*/ 797379 h 965200"/>
+              <a:gd name="connsiteX18" fmla="*/ 393968 w 12191999"/>
+              <a:gd name="connsiteY18" fmla="*/ 797379 h 965200"/>
+              <a:gd name="connsiteX19" fmla="*/ 394151 w 12191999"/>
+              <a:gd name="connsiteY19" fmla="*/ 796472 h 965200"/>
+              <a:gd name="connsiteX20" fmla="*/ 248101 w 12191999"/>
+              <a:gd name="connsiteY20" fmla="*/ 650422 h 965200"/>
+              <a:gd name="connsiteX21" fmla="*/ 0 w 12191999"/>
+              <a:gd name="connsiteY21" fmla="*/ 650422 h 965200"/>
+            </a:gdLst>
+            <a:ahLst/>
+            <a:cxnLst>
+              <a:cxn ang="0">
+                <a:pos x="connsiteX0" y="connsiteY0"/>
+              </a:cxn>
+              <a:cxn ang="0">
+                <a:pos x="connsiteX1" y="connsiteY1"/>
+              </a:cxn>
+              <a:cxn ang="0">
+                <a:pos x="connsiteX2" y="connsiteY2"/>
+              </a:cxn>
+              <a:cxn ang="0">
+                <a:pos x="connsiteX3" y="connsiteY3"/>
+              </a:cxn>
+              <a:cxn ang="0">
+                <a:pos x="connsiteX4" y="connsiteY4"/>
+              </a:cxn>
+              <a:cxn ang="0">
+                <a:pos x="connsiteX5" y="connsiteY5"/>
+              </a:cxn>
+              <a:cxn ang="0">
+                <a:pos x="connsiteX6" y="connsiteY6"/>
+              </a:cxn>
+              <a:cxn ang="0">
+                <a:pos x="connsiteX7" y="connsiteY7"/>
+              </a:cxn>
+              <a:cxn ang="0">
+                <a:pos x="connsiteX8" y="connsiteY8"/>
+              </a:cxn>
+              <a:cxn ang="0">
+                <a:pos x="connsiteX9" y="connsiteY9"/>
+              </a:cxn>
+              <a:cxn ang="0">
+                <a:pos x="connsiteX10" y="connsiteY10"/>
+              </a:cxn>
+              <a:cxn ang="0">
+                <a:pos x="connsiteX11" y="connsiteY11"/>
+              </a:cxn>
+              <a:cxn ang="0">
+                <a:pos x="connsiteX12" y="connsiteY12"/>
+              </a:cxn>
+              <a:cxn ang="0">
+                <a:pos x="connsiteX13" y="connsiteY13"/>
+              </a:cxn>
+              <a:cxn ang="0">
+                <a:pos x="connsiteX14" y="connsiteY14"/>
+              </a:cxn>
+              <a:cxn ang="0">
+                <a:pos x="connsiteX15" y="connsiteY15"/>
+              </a:cxn>
+              <a:cxn ang="0">
+                <a:pos x="connsiteX16" y="connsiteY16"/>
+              </a:cxn>
+              <a:cxn ang="0">
+                <a:pos x="connsiteX17" y="connsiteY17"/>
+              </a:cxn>
+              <a:cxn ang="0">
+                <a:pos x="connsiteX18" y="connsiteY18"/>
+              </a:cxn>
+              <a:cxn ang="0">
+                <a:pos x="connsiteX19" y="connsiteY19"/>
+              </a:cxn>
+              <a:cxn ang="0">
+                <a:pos x="connsiteX20" y="connsiteY20"/>
+              </a:cxn>
+              <a:cxn ang="0">
+                <a:pos x="connsiteX21" y="connsiteY21"/>
+              </a:cxn>
+            </a:cxnLst>
+            <a:rect l="l" t="t" r="r" b="b"/>
+            <a:pathLst>
+              <a:path w="12191999" h="965200">
+                <a:moveTo>
+                  <a:pt x="0" y="0"/>
+                </a:moveTo>
+                <a:lnTo>
+                  <a:pt x="12191999" y="0"/>
+                </a:lnTo>
+                <a:lnTo>
+                  <a:pt x="12191999" y="621393"/>
+                </a:lnTo>
+                <a:lnTo>
+                  <a:pt x="11155972" y="621393"/>
+                </a:lnTo>
+                <a:cubicBezTo>
+                  <a:pt x="11075311" y="621393"/>
+                  <a:pt x="11009922" y="686782"/>
+                  <a:pt x="11009922" y="767443"/>
+                </a:cubicBezTo>
+                <a:lnTo>
+                  <a:pt x="11015966" y="797379"/>
+                </a:lnTo>
+                <a:lnTo>
+                  <a:pt x="9981222" y="797379"/>
+                </a:lnTo>
+                <a:cubicBezTo>
+                  <a:pt x="9900561" y="797379"/>
+                  <a:pt x="9835172" y="862768"/>
+                  <a:pt x="9835172" y="943429"/>
+                </a:cubicBezTo>
+                <a:lnTo>
+                  <a:pt x="9839567" y="965200"/>
+                </a:lnTo>
+                <a:lnTo>
+                  <a:pt x="8241580" y="965200"/>
+                </a:lnTo>
+                <a:lnTo>
+                  <a:pt x="8219038" y="931765"/>
+                </a:lnTo>
+                <a:cubicBezTo>
+                  <a:pt x="8194578" y="907305"/>
+                  <a:pt x="8160787" y="892177"/>
+                  <a:pt x="8123462" y="892177"/>
+                </a:cubicBezTo>
+                <a:lnTo>
+                  <a:pt x="5353956" y="892177"/>
+                </a:lnTo>
+                <a:cubicBezTo>
+                  <a:pt x="5316631" y="892177"/>
+                  <a:pt x="5282840" y="907305"/>
+                  <a:pt x="5258380" y="931765"/>
+                </a:cubicBezTo>
+                <a:lnTo>
+                  <a:pt x="5235837" y="965200"/>
+                </a:lnTo>
+                <a:lnTo>
+                  <a:pt x="689794" y="965200"/>
+                </a:lnTo>
+                <a:lnTo>
+                  <a:pt x="694190" y="943429"/>
+                </a:lnTo>
+                <a:cubicBezTo>
+                  <a:pt x="694190" y="862768"/>
+                  <a:pt x="628801" y="797379"/>
+                  <a:pt x="548140" y="797379"/>
+                </a:cubicBezTo>
+                <a:lnTo>
+                  <a:pt x="393968" y="797379"/>
+                </a:lnTo>
+                <a:lnTo>
+                  <a:pt x="394151" y="796472"/>
+                </a:lnTo>
+                <a:cubicBezTo>
+                  <a:pt x="394151" y="715811"/>
+                  <a:pt x="328762" y="650422"/>
+                  <a:pt x="248101" y="650422"/>
+                </a:cubicBezTo>
+                <a:lnTo>
+                  <a:pt x="0" y="650422"/>
+                </a:lnTo>
+                <a:close/>
+              </a:path>
+            </a:pathLst>
+          </a:custGeom>
+          <a:solidFill>
+            <a:srgbClr val="8CD3D5"/>
+          </a:solidFill>
+          <a:ln>
+            <a:noFill/>
+          </a:ln>
+        </p:spPr>
+        <p:style>
+          <a:lnRef idx="2">
+            <a:schemeClr val="accent1">
+              <a:shade val="50000"/>
+            </a:schemeClr>
+          </a:lnRef>
+          <a:fillRef idx="1">
+            <a:schemeClr val="accent1"/>
+          </a:fillRef>
+          <a:effectRef idx="0">
+            <a:schemeClr val="accent1"/>
+          </a:effectRef>
+          <a:fontRef idx="minor">
+            <a:schemeClr val="lt1"/>
+          </a:fontRef>
+        </p:style>
+        <p:txBody>
+          <a:bodyPr wrap="square" rtlCol="0" anchor="ctr">
+            <a:noAutofit/>
+          </a:bodyPr>
+          <a:lstStyle/>
+          <a:p>
+            <a:pPr marL="914400" marR="0" lvl="2" indent="0" algn="l" defTabSz="914400" rtl="0" eaLnBrk="1" fontAlgn="auto" latinLnBrk="1" hangingPunct="1">
+              <a:lnSpc>
+                <a:spcPct val="150000"/>
+              </a:lnSpc>
+              <a:spcBef>
+                <a:spcPts val="0"/>
+              </a:spcBef>
+              <a:spcAft>
+                <a:spcPts val="0"/>
+              </a:spcAft>
+              <a:buClrTx/>
+              <a:buSzTx/>
+              <a:buFontTx/>
+              <a:buNone/>
+              <a:tabLst/>
+              <a:defRPr/>
+            </a:pPr>
+            <a:r>
+              <a:rPr kumimoji="0" lang="ko-KR" altLang="en-US" sz="2800" b="0" i="1" u="none" strike="noStrike" kern="1200" cap="none" spc="0" normalizeH="0" baseline="0" noProof="0" dirty="0">
+                <a:ln>
+                  <a:noFill/>
+                </a:ln>
+                <a:solidFill>
+                  <a:prstClr val="white"/>
+                </a:solidFill>
+                <a:effectLst/>
+                <a:uLnTx/>
+                <a:uFillTx/>
+                <a:latin typeface="맑은 고딕" panose="020F0502020204030204"/>
+                <a:ea typeface="맑은 고딕" panose="020B0503020000020004" pitchFamily="50" charset="-127"/>
+                <a:cs typeface="+mn-cs"/>
+              </a:rPr>
+              <a:t>경기도 지역화폐 가맹점 정보 조회 애플리케이션</a:t>
+            </a:r>
+          </a:p>
+        </p:txBody>
+      </p:sp>
+      <p:cxnSp>
+        <p:nvCxnSpPr>
+          <p:cNvPr id="10" name="직선 연결선 9">
+            <a:extLst>
+              <a:ext uri="{FF2B5EF4-FFF2-40B4-BE49-F238E27FC236}">
+                <a16:creationId xmlns:a16="http://schemas.microsoft.com/office/drawing/2014/main" id="{47D4A8FD-45B7-EF0F-C8B0-04CD3BD4EF07}"/>
+              </a:ext>
+            </a:extLst>
+          </p:cNvPr>
+          <p:cNvCxnSpPr>
+            <a:cxnSpLocks/>
+          </p:cNvCxnSpPr>
+          <p:nvPr/>
+        </p:nvCxnSpPr>
+        <p:spPr>
+          <a:xfrm>
+            <a:off x="700497" y="1625144"/>
+            <a:ext cx="2273300" cy="0"/>
+          </a:xfrm>
+          <a:prstGeom prst="line">
+            <a:avLst/>
+          </a:prstGeom>
+          <a:ln w="12700"/>
+        </p:spPr>
+        <p:style>
+          <a:lnRef idx="1">
+            <a:schemeClr val="dk1"/>
+          </a:lnRef>
+          <a:fillRef idx="0">
+            <a:schemeClr val="dk1"/>
+          </a:fillRef>
+          <a:effectRef idx="0">
+            <a:schemeClr val="dk1"/>
+          </a:effectRef>
+          <a:fontRef idx="minor">
+            <a:schemeClr val="tx1"/>
+          </a:fontRef>
+        </p:style>
+      </p:cxnSp>
+      <p:sp>
+        <p:nvSpPr>
+          <p:cNvPr id="11" name="직사각형 10">
+            <a:extLst>
+              <a:ext uri="{FF2B5EF4-FFF2-40B4-BE49-F238E27FC236}">
+                <a16:creationId xmlns:a16="http://schemas.microsoft.com/office/drawing/2014/main" id="{08B13FE4-2850-BCC2-C5F4-EE3F8E01D2E3}"/>
+              </a:ext>
+            </a:extLst>
+          </p:cNvPr>
+          <p:cNvSpPr/>
+          <p:nvPr/>
+        </p:nvSpPr>
+        <p:spPr>
+          <a:xfrm>
+            <a:off x="700497" y="1108381"/>
+            <a:ext cx="2273300" cy="532282"/>
+          </a:xfrm>
+          <a:prstGeom prst="rect">
+            <a:avLst/>
+          </a:prstGeom>
+          <a:noFill/>
+          <a:ln>
+            <a:noFill/>
+          </a:ln>
+        </p:spPr>
+        <p:style>
+          <a:lnRef idx="2">
+            <a:schemeClr val="dk1"/>
+          </a:lnRef>
+          <a:fillRef idx="1">
+            <a:schemeClr val="lt1"/>
+          </a:fillRef>
+          <a:effectRef idx="0">
+            <a:schemeClr val="dk1"/>
+          </a:effectRef>
+          <a:fontRef idx="minor">
+            <a:schemeClr val="dk1"/>
+          </a:fontRef>
+        </p:style>
+        <p:txBody>
+          <a:bodyPr rtlCol="0" anchor="ctr"/>
+          <a:lstStyle/>
+          <a:p>
+            <a:pPr marL="0" marR="0" lvl="0" indent="0" algn="ctr" defTabSz="914400" rtl="0" eaLnBrk="1" fontAlgn="auto" latinLnBrk="1" hangingPunct="1">
+              <a:lnSpc>
+                <a:spcPct val="100000"/>
+              </a:lnSpc>
+              <a:spcBef>
+                <a:spcPts val="0"/>
+              </a:spcBef>
+              <a:spcAft>
+                <a:spcPts val="0"/>
+              </a:spcAft>
+              <a:buClrTx/>
+              <a:buSzTx/>
+              <a:buFontTx/>
+              <a:buNone/>
+              <a:tabLst/>
+              <a:defRPr/>
+            </a:pPr>
+            <a:r>
+              <a:rPr kumimoji="0" lang="ko-KR" altLang="en-US" sz="1800" b="1" i="0" u="none" strike="noStrike" kern="1200" cap="none" spc="0" normalizeH="0" baseline="0" noProof="0" dirty="0">
+                <a:ln>
+                  <a:noFill/>
+                </a:ln>
+                <a:solidFill>
+                  <a:prstClr val="black">
+                    <a:lumMod val="65000"/>
+                    <a:lumOff val="35000"/>
+                  </a:prstClr>
+                </a:solidFill>
+                <a:effectLst/>
+                <a:uLnTx/>
+                <a:uFillTx/>
+                <a:latin typeface="맑은 고딕" panose="020F0502020204030204"/>
+                <a:ea typeface="맑은 고딕" panose="020B0503020000020004" pitchFamily="50" charset="-127"/>
+                <a:cs typeface="+mn-cs"/>
+              </a:rPr>
+              <a:t>프로그램 기능 소개</a:t>
+            </a:r>
+            <a:endParaRPr kumimoji="0" lang="ko-KR" altLang="en-US" sz="1800" b="0" i="0" u="none" strike="noStrike" kern="1200" cap="none" spc="0" normalizeH="0" baseline="0" noProof="0" dirty="0">
+              <a:ln>
+                <a:noFill/>
+              </a:ln>
+              <a:solidFill>
+                <a:prstClr val="black"/>
+              </a:solidFill>
+              <a:effectLst/>
+              <a:uLnTx/>
+              <a:uFillTx/>
+              <a:latin typeface="맑은 고딕" panose="020F0502020204030204"/>
+              <a:ea typeface="맑은 고딕" panose="020B0503020000020004" pitchFamily="50" charset="-127"/>
+              <a:cs typeface="+mn-cs"/>
+            </a:endParaRPr>
+          </a:p>
+        </p:txBody>
+      </p:sp>
+      <p:sp>
+        <p:nvSpPr>
+          <p:cNvPr id="2" name="슬라이드 번호 개체 틀 1">
+            <a:extLst>
+              <a:ext uri="{FF2B5EF4-FFF2-40B4-BE49-F238E27FC236}">
+                <a16:creationId xmlns:a16="http://schemas.microsoft.com/office/drawing/2014/main" id="{41ED6F2F-AF7A-CBEA-AF7E-B0BF9A7DEA28}"/>
+              </a:ext>
+            </a:extLst>
+          </p:cNvPr>
+          <p:cNvSpPr>
+            <a:spLocks noGrp="1"/>
+          </p:cNvSpPr>
+          <p:nvPr>
+            <p:ph type="sldNum" sz="quarter" idx="12"/>
+          </p:nvPr>
+        </p:nvSpPr>
+        <p:spPr/>
+        <p:txBody>
+          <a:bodyPr/>
+          <a:lstStyle/>
+          <a:p>
+            <a:fld id="{27FBB162-8746-42C9-BFFF-D75069B6786A}" type="slidenum">
+              <a:rPr lang="ko-KR" altLang="en-US" smtClean="0"/>
+              <a:pPr/>
+              <a:t>5</a:t>
+            </a:fld>
+            <a:r>
+              <a:rPr lang="ko-KR" altLang="en-US" dirty="0"/>
+              <a:t> </a:t>
+            </a:r>
+            <a:r>
+              <a:rPr lang="en-US" altLang="ko-KR" dirty="0"/>
+              <a:t>/ 11</a:t>
+            </a:r>
+            <a:endParaRPr lang="ko-KR" altLang="en-US" dirty="0"/>
+          </a:p>
+        </p:txBody>
+      </p:sp>
+      <p:pic>
+        <p:nvPicPr>
+          <p:cNvPr id="12" name="그림 11">
+            <a:extLst>
+              <a:ext uri="{FF2B5EF4-FFF2-40B4-BE49-F238E27FC236}">
+                <a16:creationId xmlns:a16="http://schemas.microsoft.com/office/drawing/2014/main" id="{78B9CD82-91AB-EDCF-B9CE-83375D8C4890}"/>
+              </a:ext>
+            </a:extLst>
+          </p:cNvPr>
+          <p:cNvPicPr>
+            <a:picLocks noChangeAspect="1"/>
+          </p:cNvPicPr>
+          <p:nvPr/>
+        </p:nvPicPr>
+        <p:blipFill>
+          <a:blip r:embed="rId3">
+            <a:extLst>
+              <a:ext uri="{28A0092B-C50C-407E-A947-70E740481C1C}">
+                <a14:useLocalDpi xmlns:a14="http://schemas.microsoft.com/office/drawing/2010/main" val="0"/>
+              </a:ext>
+            </a:extLst>
+          </a:blip>
+          <a:stretch>
+            <a:fillRect/>
+          </a:stretch>
+        </p:blipFill>
+        <p:spPr>
+          <a:xfrm>
+            <a:off x="705901" y="1768326"/>
+            <a:ext cx="4878851" cy="4713349"/>
+          </a:xfrm>
+          <a:prstGeom prst="rect">
+            <a:avLst/>
+          </a:prstGeom>
+        </p:spPr>
+      </p:pic>
+      <p:sp>
+        <p:nvSpPr>
+          <p:cNvPr id="9" name="사각형: 둥근 모서리 8">
+            <a:extLst>
+              <a:ext uri="{FF2B5EF4-FFF2-40B4-BE49-F238E27FC236}">
+                <a16:creationId xmlns:a16="http://schemas.microsoft.com/office/drawing/2014/main" id="{218800A6-E6D4-D399-AC9C-7C1F6181896D}"/>
+              </a:ext>
+            </a:extLst>
+          </p:cNvPr>
+          <p:cNvSpPr/>
+          <p:nvPr/>
+        </p:nvSpPr>
+        <p:spPr>
+          <a:xfrm>
+            <a:off x="6320040" y="4864608"/>
+            <a:ext cx="5296607" cy="1617067"/>
+          </a:xfrm>
+          <a:prstGeom prst="roundRect">
+            <a:avLst/>
+          </a:prstGeom>
+          <a:solidFill>
+            <a:schemeClr val="bg1"/>
+          </a:solidFill>
+          <a:ln w="38100">
+            <a:solidFill>
+              <a:schemeClr val="accent6">
+                <a:lumMod val="60000"/>
+                <a:lumOff val="40000"/>
+              </a:schemeClr>
+            </a:solidFill>
+          </a:ln>
+        </p:spPr>
+        <p:style>
+          <a:lnRef idx="2">
+            <a:schemeClr val="accent1">
+              <a:shade val="50000"/>
+            </a:schemeClr>
+          </a:lnRef>
+          <a:fillRef idx="1">
+            <a:schemeClr val="accent1"/>
+          </a:fillRef>
+          <a:effectRef idx="0">
+            <a:schemeClr val="accent1"/>
+          </a:effectRef>
+          <a:fontRef idx="minor">
+            <a:schemeClr val="lt1"/>
+          </a:fontRef>
+        </p:style>
+        <p:txBody>
+          <a:bodyPr rtlCol="0" anchor="ctr"/>
+          <a:lstStyle/>
+          <a:p>
+            <a:r>
+              <a:rPr lang="ko-KR" altLang="en-US" sz="2000" dirty="0">
+                <a:solidFill>
+                  <a:srgbClr val="000000"/>
+                </a:solidFill>
+              </a:rPr>
+              <a:t>검색창에 입력한 업체가</a:t>
+            </a:r>
+            <a:r>
+              <a:rPr lang="en-US" altLang="ko-KR" sz="2000" dirty="0">
+                <a:solidFill>
+                  <a:srgbClr val="000000"/>
+                </a:solidFill>
+              </a:rPr>
+              <a:t> </a:t>
+            </a:r>
+            <a:r>
+              <a:rPr lang="ko-KR" altLang="en-US" sz="2000" dirty="0">
+                <a:solidFill>
+                  <a:srgbClr val="000000"/>
+                </a:solidFill>
+              </a:rPr>
+              <a:t>시</a:t>
+            </a:r>
+            <a:r>
+              <a:rPr lang="en-US" altLang="ko-KR" sz="2000" dirty="0">
+                <a:solidFill>
+                  <a:srgbClr val="000000"/>
+                </a:solidFill>
+              </a:rPr>
+              <a:t>/</a:t>
+            </a:r>
+            <a:r>
+              <a:rPr lang="ko-KR" altLang="en-US" sz="2000" dirty="0">
+                <a:solidFill>
+                  <a:srgbClr val="000000"/>
+                </a:solidFill>
+              </a:rPr>
+              <a:t>군에 존재하지 않거나 지역화폐 사용이 불가능 하면</a:t>
+            </a:r>
+            <a:endParaRPr lang="en-US" altLang="ko-KR" sz="2000" dirty="0">
+              <a:solidFill>
+                <a:srgbClr val="000000"/>
+              </a:solidFill>
+            </a:endParaRPr>
+          </a:p>
+          <a:p>
+            <a:r>
+              <a:rPr lang="en-US" altLang="ko-KR" sz="2000" dirty="0">
+                <a:solidFill>
+                  <a:srgbClr val="000000"/>
+                </a:solidFill>
+              </a:rPr>
+              <a:t>"</a:t>
+            </a:r>
+            <a:r>
+              <a:rPr lang="ko-KR" altLang="en-US" sz="2000" dirty="0">
+                <a:solidFill>
+                  <a:srgbClr val="000000"/>
+                </a:solidFill>
+              </a:rPr>
+              <a:t>입력하신 업체는 지역화폐 사용이 불가능하거나</a:t>
+            </a:r>
+            <a:r>
+              <a:rPr lang="en-US" altLang="ko-KR" sz="2000" dirty="0">
+                <a:solidFill>
+                  <a:srgbClr val="000000"/>
+                </a:solidFill>
+              </a:rPr>
+              <a:t>\n</a:t>
+            </a:r>
+            <a:r>
+              <a:rPr lang="ko-KR" altLang="en-US" sz="2000" dirty="0">
+                <a:solidFill>
+                  <a:srgbClr val="000000"/>
+                </a:solidFill>
+              </a:rPr>
+              <a:t>해당 시</a:t>
+            </a:r>
+            <a:r>
+              <a:rPr lang="en-US" altLang="ko-KR" sz="2000" dirty="0">
+                <a:solidFill>
+                  <a:srgbClr val="000000"/>
+                </a:solidFill>
+              </a:rPr>
+              <a:t>/</a:t>
+            </a:r>
+            <a:r>
+              <a:rPr lang="ko-KR" altLang="en-US" sz="2000" dirty="0">
+                <a:solidFill>
+                  <a:srgbClr val="000000"/>
+                </a:solidFill>
+              </a:rPr>
+              <a:t>군에 존재하지 않습니다</a:t>
+            </a:r>
+            <a:r>
+              <a:rPr lang="en-US" altLang="ko-KR" sz="2000" dirty="0">
+                <a:solidFill>
+                  <a:srgbClr val="000000"/>
+                </a:solidFill>
+              </a:rPr>
+              <a:t>." </a:t>
+            </a:r>
+            <a:r>
+              <a:rPr lang="ko-KR" altLang="en-US" sz="2000" dirty="0">
+                <a:solidFill>
+                  <a:srgbClr val="000000"/>
+                </a:solidFill>
+              </a:rPr>
+              <a:t>메시지 박스 출력</a:t>
+            </a:r>
+            <a:endParaRPr lang="en-US" altLang="ko-KR" sz="2000" dirty="0">
+              <a:solidFill>
+                <a:srgbClr val="000000"/>
+              </a:solidFill>
+            </a:endParaRPr>
+          </a:p>
+        </p:txBody>
+      </p:sp>
+      <p:pic>
+        <p:nvPicPr>
+          <p:cNvPr id="4" name="그림 3">
+            <a:extLst>
+              <a:ext uri="{FF2B5EF4-FFF2-40B4-BE49-F238E27FC236}">
+                <a16:creationId xmlns:a16="http://schemas.microsoft.com/office/drawing/2014/main" id="{6F457D99-4768-4CD7-4AB6-45410CEC3B9A}"/>
+              </a:ext>
+            </a:extLst>
+          </p:cNvPr>
+          <p:cNvPicPr>
+            <a:picLocks noChangeAspect="1"/>
+          </p:cNvPicPr>
+          <p:nvPr/>
+        </p:nvPicPr>
+        <p:blipFill>
+          <a:blip r:embed="rId4">
+            <a:extLst>
+              <a:ext uri="{28A0092B-C50C-407E-A947-70E740481C1C}">
+                <a14:useLocalDpi xmlns:a14="http://schemas.microsoft.com/office/drawing/2010/main" val="0"/>
+              </a:ext>
+            </a:extLst>
+          </a:blip>
+          <a:stretch>
+            <a:fillRect/>
+          </a:stretch>
+        </p:blipFill>
+        <p:spPr>
+          <a:xfrm>
+            <a:off x="7350232" y="1768326"/>
+            <a:ext cx="3236221" cy="2949977"/>
+          </a:xfrm>
+          <a:prstGeom prst="rect">
+            <a:avLst/>
+          </a:prstGeom>
+        </p:spPr>
+      </p:pic>
+    </p:spTree>
+    <p:extLst>
+      <p:ext uri="{BB962C8B-B14F-4D97-AF65-F5344CB8AC3E}">
+        <p14:creationId xmlns:p14="http://schemas.microsoft.com/office/powerpoint/2010/main" val="166575334"/>
+      </p:ext>
+    </p:extLst>
+  </p:cSld>
+  <p:clrMapOvr>
+    <a:masterClrMapping/>
+  </p:clrMapOvr>
+</p:sld>
+</file>
+
+<file path=ppt/slides/slide6.xml><?xml version="1.0" encoding="utf-8"?>
+<p:sld xmlns:a="http://schemas.openxmlformats.org/drawingml/2006/main" xmlns:r="http://schemas.openxmlformats.org/officeDocument/2006/relationships" xmlns:p="http://schemas.openxmlformats.org/presentationml/2006/main">
+  <p:cSld>
+    <p:bg>
+      <p:bgPr>
+        <a:solidFill>
+          <a:srgbClr val="FFFBE8"/>
+        </a:solidFill>
+        <a:effectLst/>
+      </p:bgPr>
+    </p:bg>
+    <p:spTree>
+      <p:nvGrpSpPr>
+        <p:cNvPr id="1" name=""/>
+        <p:cNvGrpSpPr/>
+        <p:nvPr/>
+      </p:nvGrpSpPr>
+      <p:grpSpPr>
+        <a:xfrm>
+          <a:off x="0" y="0"/>
+          <a:ext cx="0" cy="0"/>
+          <a:chOff x="0" y="0"/>
+          <a:chExt cx="0" cy="0"/>
+        </a:xfrm>
+      </p:grpSpPr>
+      <p:sp>
+        <p:nvSpPr>
+          <p:cNvPr id="50" name="자유형 49"/>
+          <p:cNvSpPr/>
+          <p:nvPr/>
+        </p:nvSpPr>
+        <p:spPr>
+          <a:xfrm>
+            <a:off x="1" y="11199"/>
+            <a:ext cx="12191999" cy="965200"/>
+          </a:xfrm>
+          <a:custGeom>
+            <a:avLst/>
+            <a:gdLst>
+              <a:gd name="connsiteX0" fmla="*/ 0 w 12191999"/>
+              <a:gd name="connsiteY0" fmla="*/ 0 h 965200"/>
+              <a:gd name="connsiteX1" fmla="*/ 12191999 w 12191999"/>
+              <a:gd name="connsiteY1" fmla="*/ 0 h 965200"/>
+              <a:gd name="connsiteX2" fmla="*/ 12191999 w 12191999"/>
+              <a:gd name="connsiteY2" fmla="*/ 621393 h 965200"/>
+              <a:gd name="connsiteX3" fmla="*/ 11155972 w 12191999"/>
+              <a:gd name="connsiteY3" fmla="*/ 621393 h 965200"/>
+              <a:gd name="connsiteX4" fmla="*/ 11009922 w 12191999"/>
+              <a:gd name="connsiteY4" fmla="*/ 767443 h 965200"/>
+              <a:gd name="connsiteX5" fmla="*/ 11015966 w 12191999"/>
+              <a:gd name="connsiteY5" fmla="*/ 797379 h 965200"/>
+              <a:gd name="connsiteX6" fmla="*/ 9981222 w 12191999"/>
+              <a:gd name="connsiteY6" fmla="*/ 797379 h 965200"/>
+              <a:gd name="connsiteX7" fmla="*/ 9835172 w 12191999"/>
+              <a:gd name="connsiteY7" fmla="*/ 943429 h 965200"/>
+              <a:gd name="connsiteX8" fmla="*/ 9839567 w 12191999"/>
+              <a:gd name="connsiteY8" fmla="*/ 965200 h 965200"/>
+              <a:gd name="connsiteX9" fmla="*/ 8241580 w 12191999"/>
+              <a:gd name="connsiteY9" fmla="*/ 965200 h 965200"/>
+              <a:gd name="connsiteX10" fmla="*/ 8219038 w 12191999"/>
+              <a:gd name="connsiteY10" fmla="*/ 931765 h 965200"/>
+              <a:gd name="connsiteX11" fmla="*/ 8123462 w 12191999"/>
+              <a:gd name="connsiteY11" fmla="*/ 892177 h 965200"/>
+              <a:gd name="connsiteX12" fmla="*/ 5353956 w 12191999"/>
+              <a:gd name="connsiteY12" fmla="*/ 892177 h 965200"/>
+              <a:gd name="connsiteX13" fmla="*/ 5258380 w 12191999"/>
+              <a:gd name="connsiteY13" fmla="*/ 931765 h 965200"/>
+              <a:gd name="connsiteX14" fmla="*/ 5235837 w 12191999"/>
+              <a:gd name="connsiteY14" fmla="*/ 965200 h 965200"/>
+              <a:gd name="connsiteX15" fmla="*/ 689794 w 12191999"/>
+              <a:gd name="connsiteY15" fmla="*/ 965200 h 965200"/>
+              <a:gd name="connsiteX16" fmla="*/ 694190 w 12191999"/>
+              <a:gd name="connsiteY16" fmla="*/ 943429 h 965200"/>
+              <a:gd name="connsiteX17" fmla="*/ 548140 w 12191999"/>
+              <a:gd name="connsiteY17" fmla="*/ 797379 h 965200"/>
+              <a:gd name="connsiteX18" fmla="*/ 393968 w 12191999"/>
+              <a:gd name="connsiteY18" fmla="*/ 797379 h 965200"/>
+              <a:gd name="connsiteX19" fmla="*/ 394151 w 12191999"/>
+              <a:gd name="connsiteY19" fmla="*/ 796472 h 965200"/>
+              <a:gd name="connsiteX20" fmla="*/ 248101 w 12191999"/>
+              <a:gd name="connsiteY20" fmla="*/ 650422 h 965200"/>
+              <a:gd name="connsiteX21" fmla="*/ 0 w 12191999"/>
+              <a:gd name="connsiteY21" fmla="*/ 650422 h 965200"/>
+            </a:gdLst>
+            <a:ahLst/>
+            <a:cxnLst>
+              <a:cxn ang="0">
+                <a:pos x="connsiteX0" y="connsiteY0"/>
+              </a:cxn>
+              <a:cxn ang="0">
+                <a:pos x="connsiteX1" y="connsiteY1"/>
+              </a:cxn>
+              <a:cxn ang="0">
+                <a:pos x="connsiteX2" y="connsiteY2"/>
+              </a:cxn>
+              <a:cxn ang="0">
+                <a:pos x="connsiteX3" y="connsiteY3"/>
+              </a:cxn>
+              <a:cxn ang="0">
+                <a:pos x="connsiteX4" y="connsiteY4"/>
+              </a:cxn>
+              <a:cxn ang="0">
+                <a:pos x="connsiteX5" y="connsiteY5"/>
+              </a:cxn>
+              <a:cxn ang="0">
+                <a:pos x="connsiteX6" y="connsiteY6"/>
+              </a:cxn>
+              <a:cxn ang="0">
+                <a:pos x="connsiteX7" y="connsiteY7"/>
+              </a:cxn>
+              <a:cxn ang="0">
+                <a:pos x="connsiteX8" y="connsiteY8"/>
+              </a:cxn>
+              <a:cxn ang="0">
+                <a:pos x="connsiteX9" y="connsiteY9"/>
+              </a:cxn>
+              <a:cxn ang="0">
+                <a:pos x="connsiteX10" y="connsiteY10"/>
+              </a:cxn>
+              <a:cxn ang="0">
+                <a:pos x="connsiteX11" y="connsiteY11"/>
+              </a:cxn>
+              <a:cxn ang="0">
+                <a:pos x="connsiteX12" y="connsiteY12"/>
+              </a:cxn>
+              <a:cxn ang="0">
+                <a:pos x="connsiteX13" y="connsiteY13"/>
+              </a:cxn>
+              <a:cxn ang="0">
+                <a:pos x="connsiteX14" y="connsiteY14"/>
+              </a:cxn>
+              <a:cxn ang="0">
+                <a:pos x="connsiteX15" y="connsiteY15"/>
+              </a:cxn>
+              <a:cxn ang="0">
+                <a:pos x="connsiteX16" y="connsiteY16"/>
+              </a:cxn>
+              <a:cxn ang="0">
+                <a:pos x="connsiteX17" y="connsiteY17"/>
+              </a:cxn>
+              <a:cxn ang="0">
+                <a:pos x="connsiteX18" y="connsiteY18"/>
+              </a:cxn>
+              <a:cxn ang="0">
+                <a:pos x="connsiteX19" y="connsiteY19"/>
+              </a:cxn>
+              <a:cxn ang="0">
+                <a:pos x="connsiteX20" y="connsiteY20"/>
+              </a:cxn>
+              <a:cxn ang="0">
+                <a:pos x="connsiteX21" y="connsiteY21"/>
+              </a:cxn>
+            </a:cxnLst>
+            <a:rect l="l" t="t" r="r" b="b"/>
+            <a:pathLst>
+              <a:path w="12191999" h="965200">
+                <a:moveTo>
+                  <a:pt x="0" y="0"/>
+                </a:moveTo>
+                <a:lnTo>
+                  <a:pt x="12191999" y="0"/>
+                </a:lnTo>
+                <a:lnTo>
+                  <a:pt x="12191999" y="621393"/>
+                </a:lnTo>
+                <a:lnTo>
+                  <a:pt x="11155972" y="621393"/>
+                </a:lnTo>
+                <a:cubicBezTo>
+                  <a:pt x="11075311" y="621393"/>
+                  <a:pt x="11009922" y="686782"/>
+                  <a:pt x="11009922" y="767443"/>
+                </a:cubicBezTo>
+                <a:lnTo>
+                  <a:pt x="11015966" y="797379"/>
+                </a:lnTo>
+                <a:lnTo>
+                  <a:pt x="9981222" y="797379"/>
+                </a:lnTo>
+                <a:cubicBezTo>
+                  <a:pt x="9900561" y="797379"/>
+                  <a:pt x="9835172" y="862768"/>
+                  <a:pt x="9835172" y="943429"/>
+                </a:cubicBezTo>
+                <a:lnTo>
+                  <a:pt x="9839567" y="965200"/>
+                </a:lnTo>
+                <a:lnTo>
+                  <a:pt x="8241580" y="965200"/>
+                </a:lnTo>
+                <a:lnTo>
+                  <a:pt x="8219038" y="931765"/>
+                </a:lnTo>
+                <a:cubicBezTo>
+                  <a:pt x="8194578" y="907305"/>
+                  <a:pt x="8160787" y="892177"/>
+                  <a:pt x="8123462" y="892177"/>
+                </a:cubicBezTo>
+                <a:lnTo>
+                  <a:pt x="5353956" y="892177"/>
+                </a:lnTo>
+                <a:cubicBezTo>
+                  <a:pt x="5316631" y="892177"/>
+                  <a:pt x="5282840" y="907305"/>
+                  <a:pt x="5258380" y="931765"/>
+                </a:cubicBezTo>
+                <a:lnTo>
+                  <a:pt x="5235837" y="965200"/>
+                </a:lnTo>
+                <a:lnTo>
+                  <a:pt x="689794" y="965200"/>
+                </a:lnTo>
+                <a:lnTo>
+                  <a:pt x="694190" y="943429"/>
+                </a:lnTo>
+                <a:cubicBezTo>
+                  <a:pt x="694190" y="862768"/>
+                  <a:pt x="628801" y="797379"/>
+                  <a:pt x="548140" y="797379"/>
+                </a:cubicBezTo>
+                <a:lnTo>
+                  <a:pt x="393968" y="797379"/>
+                </a:lnTo>
+                <a:lnTo>
+                  <a:pt x="394151" y="796472"/>
+                </a:lnTo>
+                <a:cubicBezTo>
+                  <a:pt x="394151" y="715811"/>
+                  <a:pt x="328762" y="650422"/>
+                  <a:pt x="248101" y="650422"/>
+                </a:cubicBezTo>
+                <a:lnTo>
+                  <a:pt x="0" y="650422"/>
+                </a:lnTo>
+                <a:close/>
+              </a:path>
+            </a:pathLst>
+          </a:custGeom>
+          <a:solidFill>
+            <a:srgbClr val="8CD3D5"/>
+          </a:solidFill>
+          <a:ln>
+            <a:noFill/>
+          </a:ln>
+        </p:spPr>
+        <p:style>
+          <a:lnRef idx="2">
+            <a:schemeClr val="accent1">
+              <a:shade val="50000"/>
+            </a:schemeClr>
+          </a:lnRef>
+          <a:fillRef idx="1">
+            <a:schemeClr val="accent1"/>
+          </a:fillRef>
+          <a:effectRef idx="0">
+            <a:schemeClr val="accent1"/>
+          </a:effectRef>
+          <a:fontRef idx="minor">
+            <a:schemeClr val="lt1"/>
+          </a:fontRef>
+        </p:style>
+        <p:txBody>
+          <a:bodyPr wrap="square" rtlCol="0" anchor="ctr">
+            <a:noAutofit/>
+          </a:bodyPr>
+          <a:lstStyle/>
+          <a:p>
+            <a:pPr marL="914400" marR="0" lvl="2" indent="0" algn="l" defTabSz="914400" rtl="0" eaLnBrk="1" fontAlgn="auto" latinLnBrk="1" hangingPunct="1">
+              <a:lnSpc>
+                <a:spcPct val="150000"/>
+              </a:lnSpc>
+              <a:spcBef>
+                <a:spcPts val="0"/>
+              </a:spcBef>
+              <a:spcAft>
+                <a:spcPts val="0"/>
+              </a:spcAft>
+              <a:buClrTx/>
+              <a:buSzTx/>
+              <a:buFontTx/>
+              <a:buNone/>
+              <a:tabLst/>
+              <a:defRPr/>
+            </a:pPr>
+            <a:r>
+              <a:rPr kumimoji="0" lang="ko-KR" altLang="en-US" sz="2800" b="0" i="1" u="none" strike="noStrike" kern="1200" cap="none" spc="0" normalizeH="0" baseline="0" noProof="0" dirty="0">
+                <a:ln>
+                  <a:noFill/>
+                </a:ln>
+                <a:solidFill>
+                  <a:prstClr val="white"/>
+                </a:solidFill>
+                <a:effectLst/>
+                <a:uLnTx/>
+                <a:uFillTx/>
+                <a:latin typeface="맑은 고딕" panose="020F0502020204030204"/>
+                <a:ea typeface="맑은 고딕" panose="020B0503020000020004" pitchFamily="50" charset="-127"/>
+                <a:cs typeface="+mn-cs"/>
+              </a:rPr>
+              <a:t>경기도 지역화폐 가맹점 정보 조회 애플리케이션</a:t>
+            </a:r>
+          </a:p>
+        </p:txBody>
+      </p:sp>
+      <p:cxnSp>
+        <p:nvCxnSpPr>
+          <p:cNvPr id="10" name="직선 연결선 9">
+            <a:extLst>
+              <a:ext uri="{FF2B5EF4-FFF2-40B4-BE49-F238E27FC236}">
+                <a16:creationId xmlns:a16="http://schemas.microsoft.com/office/drawing/2014/main" id="{47D4A8FD-45B7-EF0F-C8B0-04CD3BD4EF07}"/>
+              </a:ext>
+            </a:extLst>
+          </p:cNvPr>
+          <p:cNvCxnSpPr>
+            <a:cxnSpLocks/>
+          </p:cNvCxnSpPr>
+          <p:nvPr/>
+        </p:nvCxnSpPr>
+        <p:spPr>
+          <a:xfrm>
+            <a:off x="700497" y="1625144"/>
+            <a:ext cx="2273300" cy="0"/>
+          </a:xfrm>
+          <a:prstGeom prst="line">
+            <a:avLst/>
+          </a:prstGeom>
+          <a:ln w="12700"/>
+        </p:spPr>
+        <p:style>
+          <a:lnRef idx="1">
+            <a:schemeClr val="dk1"/>
+          </a:lnRef>
+          <a:fillRef idx="0">
+            <a:schemeClr val="dk1"/>
+          </a:fillRef>
+          <a:effectRef idx="0">
+            <a:schemeClr val="dk1"/>
+          </a:effectRef>
+          <a:fontRef idx="minor">
+            <a:schemeClr val="tx1"/>
+          </a:fontRef>
+        </p:style>
+      </p:cxnSp>
+      <p:sp>
+        <p:nvSpPr>
+          <p:cNvPr id="7" name="슬라이드 번호 개체 틀 6">
+            <a:extLst>
+              <a:ext uri="{FF2B5EF4-FFF2-40B4-BE49-F238E27FC236}">
+                <a16:creationId xmlns:a16="http://schemas.microsoft.com/office/drawing/2014/main" id="{14AF44B6-1506-AA16-9E49-38CF263DAADC}"/>
+              </a:ext>
+            </a:extLst>
+          </p:cNvPr>
+          <p:cNvSpPr>
+            <a:spLocks noGrp="1"/>
+          </p:cNvSpPr>
+          <p:nvPr>
+            <p:ph type="sldNum" sz="quarter" idx="12"/>
+          </p:nvPr>
+        </p:nvSpPr>
+        <p:spPr/>
+        <p:txBody>
+          <a:bodyPr/>
+          <a:lstStyle/>
+          <a:p>
+            <a:fld id="{27FBB162-8746-42C9-BFFF-D75069B6786A}" type="slidenum">
+              <a:rPr lang="ko-KR" altLang="en-US" smtClean="0"/>
+              <a:pPr/>
+              <a:t>6</a:t>
+            </a:fld>
+            <a:r>
+              <a:rPr lang="ko-KR" altLang="en-US" dirty="0"/>
+              <a:t> </a:t>
+            </a:r>
+            <a:r>
+              <a:rPr lang="en-US" altLang="ko-KR" dirty="0"/>
+              <a:t>/ 11</a:t>
+            </a:r>
+            <a:endParaRPr lang="ko-KR" altLang="en-US" dirty="0"/>
+          </a:p>
+        </p:txBody>
+      </p:sp>
+      <p:sp>
+        <p:nvSpPr>
+          <p:cNvPr id="9" name="직사각형 8">
+            <a:extLst>
+              <a:ext uri="{FF2B5EF4-FFF2-40B4-BE49-F238E27FC236}">
+                <a16:creationId xmlns:a16="http://schemas.microsoft.com/office/drawing/2014/main" id="{08B13FE4-2850-BCC2-C5F4-EE3F8E01D2E3}"/>
+              </a:ext>
+            </a:extLst>
+          </p:cNvPr>
+          <p:cNvSpPr/>
+          <p:nvPr/>
+        </p:nvSpPr>
+        <p:spPr>
+          <a:xfrm>
+            <a:off x="720412" y="1093617"/>
+            <a:ext cx="2233469" cy="532282"/>
+          </a:xfrm>
+          <a:prstGeom prst="rect">
+            <a:avLst/>
+          </a:prstGeom>
+          <a:noFill/>
+          <a:ln>
+            <a:noFill/>
+          </a:ln>
+        </p:spPr>
+        <p:style>
+          <a:lnRef idx="2">
+            <a:schemeClr val="dk1"/>
+          </a:lnRef>
+          <a:fillRef idx="1">
+            <a:schemeClr val="lt1"/>
+          </a:fillRef>
+          <a:effectRef idx="0">
+            <a:schemeClr val="dk1"/>
+          </a:effectRef>
+          <a:fontRef idx="minor">
+            <a:schemeClr val="dk1"/>
+          </a:fontRef>
+        </p:style>
+        <p:txBody>
+          <a:bodyPr rtlCol="0" anchor="ctr"/>
+          <a:lstStyle/>
+          <a:p>
+            <a:pPr marL="0" marR="0" lvl="0" indent="0" algn="ctr" defTabSz="914400" rtl="0" eaLnBrk="1" fontAlgn="auto" latinLnBrk="1" hangingPunct="1">
+              <a:lnSpc>
+                <a:spcPct val="100000"/>
+              </a:lnSpc>
+              <a:spcBef>
+                <a:spcPts val="0"/>
+              </a:spcBef>
+              <a:spcAft>
+                <a:spcPts val="0"/>
+              </a:spcAft>
+              <a:buClrTx/>
+              <a:buSzTx/>
+              <a:buFontTx/>
+              <a:buNone/>
+              <a:tabLst/>
+              <a:defRPr/>
+            </a:pPr>
+            <a:r>
+              <a:rPr kumimoji="0" lang="ko-KR" altLang="en-US" sz="1800" b="1" i="0" u="none" strike="noStrike" kern="1200" cap="none" spc="0" normalizeH="0" baseline="0" noProof="0" dirty="0">
+                <a:ln>
+                  <a:noFill/>
+                </a:ln>
+                <a:solidFill>
+                  <a:prstClr val="black">
+                    <a:lumMod val="65000"/>
+                    <a:lumOff val="35000"/>
+                  </a:prstClr>
+                </a:solidFill>
+                <a:effectLst/>
+                <a:uLnTx/>
+                <a:uFillTx/>
+                <a:latin typeface="맑은 고딕" panose="020F0502020204030204"/>
+                <a:ea typeface="맑은 고딕" panose="020B0503020000020004" pitchFamily="50" charset="-127"/>
+                <a:cs typeface="+mn-cs"/>
+              </a:rPr>
               <a:t>개발 일정</a:t>
             </a:r>
             <a:endParaRPr kumimoji="0" lang="ko-KR" altLang="en-US" sz="1800" b="0" i="0" u="none" strike="noStrike" kern="1200" cap="none" spc="0" normalizeH="0" baseline="0" noProof="0" dirty="0">
@@ -6833,14 +10302,14 @@
           <p:nvPr>
             <p:extLst>
               <p:ext uri="{D42A27DB-BD31-4B8C-83A1-F6EECF244321}">
-                <p14:modId xmlns:p14="http://schemas.microsoft.com/office/powerpoint/2010/main" val="1388530711"/>
+                <p14:modId xmlns:p14="http://schemas.microsoft.com/office/powerpoint/2010/main" val="1802961154"/>
               </p:ext>
             </p:extLst>
           </p:nvPr>
         </p:nvGraphicFramePr>
         <p:xfrm>
           <a:off x="700496" y="1783264"/>
-          <a:ext cx="10791006" cy="5063537"/>
+          <a:ext cx="10791006" cy="5064776"/>
         </p:xfrm>
         <a:graphic>
           <a:graphicData uri="http://schemas.openxmlformats.org/drawingml/2006/table">
@@ -7043,18 +10512,18 @@
                         </a:spcAft>
                       </a:pPr>
                       <a:r>
-                        <a:rPr lang="ko-KR" altLang="en-US" sz="2000" kern="100" dirty="0">
+                        <a:rPr lang="ko-KR" altLang="en-US" sz="2000" b="1" kern="100" dirty="0">
                           <a:effectLst/>
                         </a:rPr>
                         <a:t>애</a:t>
                       </a:r>
                       <a:r>
-                        <a:rPr lang="ko-KR" sz="2000" kern="100" dirty="0">
+                        <a:rPr lang="ko-KR" sz="2000" b="1" kern="100" dirty="0">
                           <a:effectLst/>
                         </a:rPr>
                         <a:t>플리케이션 기획</a:t>
                       </a:r>
-                      <a:endParaRPr lang="ko-KR" sz="2000" kern="100" dirty="0">
+                      <a:endParaRPr lang="ko-KR" sz="2000" b="1" kern="100" dirty="0">
                         <a:effectLst/>
                         <a:latin typeface="맑은 고딕" panose="020B0503020000020004" pitchFamily="50" charset="-127"/>
                         <a:ea typeface="맑은 고딕" panose="020B0503020000020004" pitchFamily="50" charset="-127"/>
@@ -7064,7 +10533,9 @@
                   </a:txBody>
                   <a:tcPr marL="68580" marR="68580" marT="0" marB="0" anchor="ctr">
                     <a:solidFill>
-                      <a:schemeClr val="bg1"/>
+                      <a:schemeClr val="accent1">
+                        <a:lumMod val="50000"/>
+                      </a:schemeClr>
                     </a:solidFill>
                   </a:tcPr>
                 </a:tc>
@@ -7082,30 +10553,30 @@
                         </a:spcAft>
                       </a:pPr>
                       <a:r>
-                        <a:rPr lang="ko-KR" altLang="en-US" sz="2000" kern="100" dirty="0">
+                        <a:rPr lang="ko-KR" altLang="en-US" sz="2000" b="1" kern="100" dirty="0">
                           <a:effectLst/>
                         </a:rPr>
                         <a:t>프로그램 기능 및 애플리케이션 </a:t>
                       </a:r>
                       <a:r>
-                        <a:rPr lang="en-US" altLang="ko-KR" sz="2000" kern="100" dirty="0">
+                        <a:rPr lang="en-US" altLang="ko-KR" sz="2000" b="1" kern="100" dirty="0">
                           <a:effectLst/>
                         </a:rPr>
                         <a:t>UI </a:t>
                       </a:r>
                       <a:r>
-                        <a:rPr lang="ko-KR" altLang="en-US" sz="2000" kern="100" dirty="0">
+                        <a:rPr lang="ko-KR" altLang="en-US" sz="2000" b="1" kern="100" dirty="0">
                           <a:effectLst/>
                         </a:rPr>
                         <a:t>구도를 구상한다</a:t>
                       </a:r>
                       <a:r>
-                        <a:rPr lang="en-US" altLang="ko-KR" sz="2000" kern="100" dirty="0">
+                        <a:rPr lang="en-US" altLang="ko-KR" sz="2000" b="1" kern="100" dirty="0">
                           <a:effectLst/>
                         </a:rPr>
                         <a:t>.</a:t>
                       </a:r>
-                      <a:endParaRPr lang="ko-KR" sz="2000" kern="100" dirty="0">
+                      <a:endParaRPr lang="ko-KR" sz="2000" b="1" kern="100" dirty="0">
                         <a:effectLst/>
                         <a:latin typeface="맑은 고딕" panose="020B0503020000020004" pitchFamily="50" charset="-127"/>
                         <a:ea typeface="맑은 고딕" panose="020B0503020000020004" pitchFamily="50" charset="-127"/>
@@ -7115,7 +10586,9 @@
                   </a:txBody>
                   <a:tcPr marL="68580" marR="68580" marT="0" marB="0" anchor="ctr">
                     <a:solidFill>
-                      <a:schemeClr val="bg1"/>
+                      <a:schemeClr val="accent1">
+                        <a:lumMod val="50000"/>
+                      </a:schemeClr>
                     </a:solidFill>
                   </a:tcPr>
                 </a:tc>
@@ -7182,18 +10655,18 @@
                         </a:spcAft>
                       </a:pPr>
                       <a:r>
-                        <a:rPr lang="en-US" sz="2000" kern="100" dirty="0">
+                        <a:rPr lang="en-US" sz="2000" b="1" kern="100" dirty="0">
                           <a:effectLst/>
                         </a:rPr>
                         <a:t>XML </a:t>
                       </a:r>
                       <a:r>
-                        <a:rPr lang="ko-KR" sz="2000" kern="100" dirty="0">
+                        <a:rPr lang="ko-KR" sz="2000" b="1" kern="100" dirty="0">
                           <a:effectLst/>
                         </a:rPr>
                         <a:t>파일 기반 </a:t>
                       </a:r>
-                      <a:endParaRPr lang="en-US" altLang="ko-KR" sz="2000" kern="100" dirty="0">
+                      <a:endParaRPr lang="en-US" altLang="ko-KR" sz="2000" b="1" kern="100" dirty="0">
                         <a:effectLst/>
                       </a:endParaRPr>
                     </a:p>
@@ -7207,12 +10680,12 @@
                         </a:spcAft>
                       </a:pPr>
                       <a:r>
-                        <a:rPr lang="ko-KR" altLang="en-US" sz="2000" kern="100" dirty="0">
+                        <a:rPr lang="ko-KR" altLang="en-US" sz="2000" b="1" kern="100" dirty="0">
                           <a:effectLst/>
                         </a:rPr>
                         <a:t>기본 기능 구현</a:t>
                       </a:r>
-                      <a:endParaRPr lang="ko-KR" sz="2000" kern="100" dirty="0">
+                      <a:endParaRPr lang="ko-KR" sz="2000" b="1" kern="100" dirty="0">
                         <a:effectLst/>
                         <a:latin typeface="맑은 고딕" panose="020B0503020000020004" pitchFamily="50" charset="-127"/>
                         <a:ea typeface="맑은 고딕" panose="020B0503020000020004" pitchFamily="50" charset="-127"/>
@@ -7222,7 +10695,9 @@
                   </a:txBody>
                   <a:tcPr marL="68580" marR="68580" marT="0" marB="0" anchor="ctr">
                     <a:solidFill>
-                      <a:schemeClr val="bg1"/>
+                      <a:schemeClr val="accent1">
+                        <a:lumMod val="50000"/>
+                      </a:schemeClr>
                     </a:solidFill>
                   </a:tcPr>
                 </a:tc>
@@ -7249,60 +10724,60 @@
                         <a:defRPr/>
                       </a:pPr>
                       <a:r>
-                        <a:rPr lang="ko-KR" altLang="ko-KR" sz="2000" kern="100" dirty="0">
+                        <a:rPr lang="ko-KR" altLang="ko-KR" sz="2000" b="1" kern="100" dirty="0">
                           <a:effectLst/>
                         </a:rPr>
                         <a:t>지역 명</a:t>
                       </a:r>
                       <a:r>
-                        <a:rPr lang="en-US" altLang="ko-KR" sz="2000" kern="100" dirty="0">
+                        <a:rPr lang="en-US" altLang="ko-KR" sz="2000" b="1" kern="100" dirty="0">
                           <a:effectLst/>
                         </a:rPr>
                         <a:t>, </a:t>
                       </a:r>
                       <a:r>
-                        <a:rPr lang="ko-KR" altLang="ko-KR" sz="2000" kern="100" dirty="0">
+                        <a:rPr lang="ko-KR" altLang="ko-KR" sz="2000" b="1" kern="100" dirty="0">
                           <a:effectLst/>
                         </a:rPr>
                         <a:t>업종 분류</a:t>
                       </a:r>
                       <a:r>
-                        <a:rPr lang="en-US" altLang="ko-KR" sz="2000" kern="100" dirty="0">
+                        <a:rPr lang="en-US" altLang="ko-KR" sz="2000" b="1" kern="100" dirty="0">
                           <a:effectLst/>
                         </a:rPr>
                         <a:t>, </a:t>
                       </a:r>
                       <a:r>
-                        <a:rPr lang="ko-KR" altLang="ko-KR" sz="2000" kern="100" dirty="0">
+                        <a:rPr lang="ko-KR" altLang="ko-KR" sz="2000" b="1" kern="100" dirty="0">
                           <a:effectLst/>
                         </a:rPr>
                         <a:t>검색</a:t>
                       </a:r>
                       <a:r>
-                        <a:rPr lang="en-US" altLang="ko-KR" sz="2000" kern="100" dirty="0">
+                        <a:rPr lang="en-US" altLang="ko-KR" sz="2000" b="1" kern="100" dirty="0">
                           <a:effectLst/>
                         </a:rPr>
                         <a:t>, </a:t>
                       </a:r>
                       <a:r>
-                        <a:rPr lang="ko-KR" altLang="ko-KR" sz="2000" kern="100" dirty="0">
+                        <a:rPr lang="ko-KR" altLang="ko-KR" sz="2000" b="1" kern="100" dirty="0">
                           <a:effectLst/>
                         </a:rPr>
                         <a:t>리스트 출력 기능 구현</a:t>
                       </a:r>
                       <a:r>
-                        <a:rPr lang="ko-KR" altLang="en-US" sz="2000" kern="100" dirty="0">
+                        <a:rPr lang="ko-KR" altLang="en-US" sz="2000" b="1" kern="100" dirty="0">
                           <a:effectLst/>
                         </a:rPr>
                         <a:t>한다</a:t>
                       </a:r>
                       <a:r>
-                        <a:rPr lang="en-US" altLang="ko-KR" sz="2000" kern="100" dirty="0">
+                        <a:rPr lang="en-US" altLang="ko-KR" sz="2000" b="1" kern="100" dirty="0">
                           <a:effectLst/>
                         </a:rPr>
                         <a:t>.</a:t>
                       </a:r>
-                      <a:endParaRPr lang="ko-KR" altLang="ko-KR" sz="2000" kern="100" dirty="0">
+                      <a:endParaRPr lang="ko-KR" altLang="ko-KR" sz="2000" b="1" kern="100" dirty="0">
                         <a:effectLst/>
                         <a:latin typeface="맑은 고딕" panose="020B0503020000020004" pitchFamily="50" charset="-127"/>
                         <a:ea typeface="+mn-ea"/>
@@ -7312,7 +10787,9 @@
                   </a:txBody>
                   <a:tcPr marL="68580" marR="68580" marT="0" marB="0" anchor="ctr">
                     <a:solidFill>
-                      <a:schemeClr val="bg1"/>
+                      <a:schemeClr val="accent1">
+                        <a:lumMod val="50000"/>
+                      </a:schemeClr>
                     </a:solidFill>
                   </a:tcPr>
                 </a:tc>
@@ -7388,18 +10865,18 @@
                         <a:defRPr/>
                       </a:pPr>
                       <a:r>
-                        <a:rPr lang="en-US" altLang="ko-KR" sz="2000" kern="100" dirty="0">
+                        <a:rPr lang="en-US" altLang="ko-KR" sz="2000" b="1" kern="100" dirty="0">
                           <a:effectLst/>
                         </a:rPr>
                         <a:t>Open API</a:t>
                       </a:r>
                       <a:r>
-                        <a:rPr lang="ko-KR" altLang="ko-KR" sz="2000" kern="100" dirty="0">
+                        <a:rPr lang="ko-KR" altLang="ko-KR" sz="2000" b="1" kern="100" dirty="0">
                           <a:effectLst/>
                         </a:rPr>
                         <a:t>를 이용하여 </a:t>
                       </a:r>
-                      <a:endParaRPr lang="en-US" altLang="ko-KR" sz="2000" kern="100" dirty="0">
+                      <a:endParaRPr lang="en-US" altLang="ko-KR" sz="2000" b="1" kern="100" dirty="0">
                         <a:effectLst/>
                       </a:endParaRPr>
                     </a:p>
@@ -7422,12 +10899,12 @@
                         <a:defRPr/>
                       </a:pPr>
                       <a:r>
-                        <a:rPr lang="ko-KR" altLang="ko-KR" sz="2000" kern="100" dirty="0">
+                        <a:rPr lang="ko-KR" altLang="ko-KR" sz="2000" b="1" kern="100" dirty="0">
                           <a:effectLst/>
                         </a:rPr>
                         <a:t>데이터 가져오기</a:t>
                       </a:r>
-                      <a:endParaRPr lang="ko-KR" altLang="ko-KR" sz="2000" kern="100" dirty="0">
+                      <a:endParaRPr lang="ko-KR" altLang="ko-KR" sz="2000" b="1" kern="100" dirty="0">
                         <a:effectLst/>
                         <a:latin typeface="맑은 고딕" panose="020B0503020000020004" pitchFamily="50" charset="-127"/>
                         <a:ea typeface="+mn-ea"/>
@@ -7437,7 +10914,9 @@
                   </a:txBody>
                   <a:tcPr marL="68580" marR="68580" marT="0" marB="0" anchor="ctr">
                     <a:solidFill>
-                      <a:schemeClr val="bg1"/>
+                      <a:schemeClr val="accent1">
+                        <a:lumMod val="50000"/>
+                      </a:schemeClr>
                     </a:solidFill>
                   </a:tcPr>
                 </a:tc>
@@ -7455,48 +10934,48 @@
                         </a:spcAft>
                       </a:pPr>
                       <a:r>
-                        <a:rPr lang="en-US" altLang="ko-KR" sz="2000" kern="100" dirty="0">
+                        <a:rPr lang="en-US" altLang="ko-KR" sz="2000" b="1" kern="100" dirty="0">
                           <a:effectLst/>
                         </a:rPr>
                         <a:t>Internet</a:t>
                       </a:r>
                       <a:r>
-                        <a:rPr lang="ko-KR" altLang="en-US" sz="2000" kern="100" dirty="0">
+                        <a:rPr lang="ko-KR" altLang="en-US" sz="2000" b="1" kern="100" dirty="0">
                           <a:effectLst/>
                         </a:rPr>
                         <a:t>을 연결하여 기존에 </a:t>
                       </a:r>
                       <a:r>
-                        <a:rPr lang="en-US" altLang="ko-KR" sz="2000" kern="100" dirty="0">
+                        <a:rPr lang="en-US" altLang="ko-KR" sz="2000" b="1" kern="100" dirty="0">
                           <a:effectLst/>
                         </a:rPr>
                         <a:t>XML</a:t>
                       </a:r>
                       <a:r>
-                        <a:rPr lang="ko-KR" altLang="en-US" sz="2000" kern="100" dirty="0">
+                        <a:rPr lang="ko-KR" altLang="en-US" sz="2000" b="1" kern="100" dirty="0">
                           <a:effectLst/>
                         </a:rPr>
                         <a:t> 파일 기반으로 작업한 프로그램에 </a:t>
                       </a:r>
                       <a:r>
-                        <a:rPr lang="en-US" altLang="ko-KR" sz="2000" kern="100" dirty="0">
+                        <a:rPr lang="en-US" altLang="ko-KR" sz="2000" b="1" kern="100" dirty="0">
                           <a:effectLst/>
                         </a:rPr>
                         <a:t>Open API</a:t>
                       </a:r>
                       <a:r>
-                        <a:rPr lang="ko-KR" altLang="en-US" sz="2000" kern="100" dirty="0">
+                        <a:rPr lang="ko-KR" altLang="en-US" sz="2000" b="1" kern="100" dirty="0">
                           <a:effectLst/>
                         </a:rPr>
                         <a:t>을 이용해 데이터를 가져오는     방식으로 변경한다</a:t>
                       </a:r>
                       <a:r>
-                        <a:rPr lang="en-US" altLang="ko-KR" sz="2000" kern="100" dirty="0">
+                        <a:rPr lang="en-US" altLang="ko-KR" sz="2000" b="1" kern="100" dirty="0">
                           <a:effectLst/>
                         </a:rPr>
                         <a:t>.</a:t>
                       </a:r>
-                      <a:endParaRPr lang="ko-KR" sz="2000" kern="100" dirty="0">
+                      <a:endParaRPr lang="ko-KR" sz="2000" b="1" kern="100" dirty="0">
                         <a:effectLst/>
                         <a:latin typeface="맑은 고딕" panose="020B0503020000020004" pitchFamily="50" charset="-127"/>
                         <a:ea typeface="맑은 고딕" panose="020B0503020000020004" pitchFamily="50" charset="-127"/>
@@ -7506,7 +10985,9 @@
                   </a:txBody>
                   <a:tcPr marL="68580" marR="68580" marT="0" marB="0" anchor="ctr">
                     <a:solidFill>
-                      <a:schemeClr val="bg1"/>
+                      <a:schemeClr val="accent1">
+                        <a:lumMod val="50000"/>
+                      </a:schemeClr>
                     </a:solidFill>
                   </a:tcPr>
                 </a:tc>
@@ -7562,42 +11043,42 @@
                         <a:defRPr/>
                       </a:pPr>
                       <a:r>
-                        <a:rPr lang="ko-KR" altLang="en-US" sz="2000" kern="100" dirty="0">
+                        <a:rPr lang="ko-KR" altLang="en-US" sz="2000" b="1" kern="100" dirty="0">
                           <a:effectLst/>
                         </a:rPr>
                         <a:t>경도와 위도 기반 지도 검색 </a:t>
                       </a:r>
                       <a:r>
-                        <a:rPr lang="ko-KR" altLang="ko-KR" sz="2000" kern="100" dirty="0">
+                        <a:rPr lang="ko-KR" altLang="ko-KR" sz="2000" b="1" kern="100" dirty="0">
                           <a:effectLst/>
                         </a:rPr>
                         <a:t>및 </a:t>
                       </a:r>
                       <a:r>
-                        <a:rPr lang="ko-KR" altLang="en-US" sz="2000" kern="100" dirty="0">
+                        <a:rPr lang="ko-KR" altLang="en-US" sz="2000" b="1" kern="100" dirty="0">
                           <a:effectLst/>
                         </a:rPr>
                         <a:t>메일과 연동하여 전송 </a:t>
                       </a:r>
                       <a:r>
-                        <a:rPr lang="en-US" altLang="ko-KR" sz="2000" kern="100" dirty="0">
+                        <a:rPr lang="en-US" altLang="ko-KR" sz="2000" b="1" kern="100" dirty="0">
                           <a:effectLst/>
                         </a:rPr>
                         <a:t> </a:t>
                       </a:r>
                       <a:r>
-                        <a:rPr lang="ko-KR" altLang="en-US" sz="2000" kern="100" dirty="0">
+                        <a:rPr lang="ko-KR" altLang="en-US" sz="2000" b="1" kern="100" dirty="0">
                           <a:effectLst/>
                         </a:rPr>
                         <a:t>작업을 수행한다</a:t>
                       </a:r>
                       <a:r>
-                        <a:rPr lang="en-US" altLang="ko-KR" sz="2000" kern="100" dirty="0">
+                        <a:rPr lang="en-US" altLang="ko-KR" sz="2000" b="1" kern="100" dirty="0">
                           <a:effectLst/>
                         </a:rPr>
                         <a:t>.</a:t>
                       </a:r>
-                      <a:endParaRPr lang="ko-KR" altLang="ko-KR" sz="2000" kern="100" dirty="0">
+                      <a:endParaRPr lang="ko-KR" altLang="ko-KR" sz="2000" b="1" kern="100" dirty="0">
                         <a:effectLst/>
                         <a:latin typeface="맑은 고딕" panose="020B0503020000020004" pitchFamily="50" charset="-127"/>
                         <a:ea typeface="+mn-ea"/>
@@ -7607,7 +11088,9 @@
                   </a:txBody>
                   <a:tcPr marL="68580" marR="68580" marT="0" marB="0" anchor="ctr">
                     <a:solidFill>
-                      <a:schemeClr val="bg1"/>
+                      <a:schemeClr val="accent1">
+                        <a:lumMod val="50000"/>
+                      </a:schemeClr>
                     </a:solidFill>
                   </a:tcPr>
                 </a:tc>
@@ -7674,7 +11157,7 @@
                         </a:spcAft>
                       </a:pPr>
                       <a:r>
-                        <a:rPr lang="en-US" altLang="ko-KR" sz="2000" kern="100" dirty="0">
+                        <a:rPr lang="en-US" altLang="ko-KR" sz="2000" b="1" kern="100" dirty="0">
                           <a:effectLst/>
                           <a:latin typeface="맑은 고딕" panose="020B0503020000020004" pitchFamily="50" charset="-127"/>
                           <a:ea typeface="맑은 고딕" panose="020B0503020000020004" pitchFamily="50" charset="-127"/>
@@ -7683,7 +11166,7 @@
                         <a:t>C/C++</a:t>
                       </a:r>
                       <a:r>
-                        <a:rPr lang="en-US" altLang="ko-KR" sz="2000" kern="100" baseline="0" dirty="0">
+                        <a:rPr lang="en-US" altLang="ko-KR" sz="2000" b="1" kern="100" baseline="0" dirty="0">
                           <a:effectLst/>
                           <a:latin typeface="맑은 고딕" panose="020B0503020000020004" pitchFamily="50" charset="-127"/>
                           <a:ea typeface="맑은 고딕" panose="020B0503020000020004" pitchFamily="50" charset="-127"/>
@@ -7692,7 +11175,7 @@
                         <a:t> </a:t>
                       </a:r>
                       <a:r>
-                        <a:rPr lang="ko-KR" altLang="en-US" sz="2000" kern="100" baseline="0" dirty="0">
+                        <a:rPr lang="ko-KR" altLang="en-US" sz="2000" b="1" kern="100" baseline="0" dirty="0">
                           <a:effectLst/>
                           <a:latin typeface="맑은 고딕" panose="020B0503020000020004" pitchFamily="50" charset="-127"/>
                           <a:ea typeface="맑은 고딕" panose="020B0503020000020004" pitchFamily="50" charset="-127"/>
@@ -7700,7 +11183,7 @@
                         </a:rPr>
                         <a:t>연동</a:t>
                       </a:r>
-                      <a:endParaRPr lang="ko-KR" sz="2000" kern="100" dirty="0">
+                      <a:endParaRPr lang="ko-KR" sz="2000" b="1" kern="100" dirty="0">
                         <a:effectLst/>
                         <a:latin typeface="맑은 고딕" panose="020B0503020000020004" pitchFamily="50" charset="-127"/>
                         <a:ea typeface="맑은 고딕" panose="020B0503020000020004" pitchFamily="50" charset="-127"/>
@@ -7710,7 +11193,9 @@
                   </a:txBody>
                   <a:tcPr marL="68580" marR="68580" marT="0" marB="0" anchor="ctr">
                     <a:solidFill>
-                      <a:schemeClr val="bg1"/>
+                      <a:schemeClr val="accent1">
+                        <a:lumMod val="50000"/>
+                      </a:schemeClr>
                     </a:solidFill>
                   </a:tcPr>
                 </a:tc>
@@ -7737,24 +11222,24 @@
                         <a:defRPr/>
                       </a:pPr>
                       <a:r>
-                        <a:rPr lang="en-US" altLang="ko-KR" sz="2000" kern="100" dirty="0">
+                        <a:rPr lang="en-US" altLang="ko-KR" sz="2000" b="1" kern="100" dirty="0">
                           <a:effectLst/>
                         </a:rPr>
                         <a:t>C/C++ </a:t>
                       </a:r>
                       <a:r>
-                        <a:rPr lang="ko-KR" altLang="en-US" sz="2000" kern="100" dirty="0">
+                        <a:rPr lang="ko-KR" altLang="en-US" sz="2000" b="1" kern="100" dirty="0">
                           <a:effectLst/>
                         </a:rPr>
                         <a:t>연동을 통하여 파일을 확장한다</a:t>
                       </a:r>
                       <a:r>
-                        <a:rPr lang="en-US" altLang="ko-KR" sz="2000" kern="100" dirty="0">
+                        <a:rPr lang="en-US" altLang="ko-KR" sz="2000" b="1" kern="100" dirty="0">
                           <a:effectLst/>
                         </a:rPr>
                         <a:t>.</a:t>
                       </a:r>
-                      <a:endParaRPr lang="ko-KR" altLang="ko-KR" sz="2000" kern="100" dirty="0">
+                      <a:endParaRPr lang="ko-KR" altLang="ko-KR" sz="2000" b="1" kern="100" dirty="0">
                         <a:effectLst/>
                         <a:latin typeface="맑은 고딕" panose="020B0503020000020004" pitchFamily="50" charset="-127"/>
                         <a:ea typeface="+mn-ea"/>
@@ -7764,7 +11249,9 @@
                   </a:txBody>
                   <a:tcPr marL="68580" marR="68580" marT="0" marB="0" anchor="ctr">
                     <a:solidFill>
-                      <a:schemeClr val="bg1"/>
+                      <a:schemeClr val="accent1">
+                        <a:lumMod val="50000"/>
+                      </a:schemeClr>
                     </a:solidFill>
                   </a:tcPr>
                 </a:tc>
@@ -7831,7 +11318,7 @@
                         </a:spcAft>
                       </a:pPr>
                       <a:r>
-                        <a:rPr lang="en-US" altLang="ko-KR" sz="2000" kern="100" dirty="0">
+                        <a:rPr lang="en-US" altLang="ko-KR" sz="2000" b="1" kern="100" dirty="0">
                           <a:effectLst/>
                           <a:latin typeface="맑은 고딕" panose="020B0503020000020004" pitchFamily="50" charset="-127"/>
                           <a:ea typeface="맑은 고딕" panose="020B0503020000020004" pitchFamily="50" charset="-127"/>
@@ -7840,7 +11327,7 @@
                         <a:t>Telegram Bot </a:t>
                       </a:r>
                       <a:r>
-                        <a:rPr lang="ko-KR" altLang="en-US" sz="2000" kern="100" dirty="0">
+                        <a:rPr lang="ko-KR" altLang="en-US" sz="2000" b="1" kern="100" dirty="0">
                           <a:effectLst/>
                           <a:latin typeface="맑은 고딕" panose="020B0503020000020004" pitchFamily="50" charset="-127"/>
                           <a:ea typeface="맑은 고딕" panose="020B0503020000020004" pitchFamily="50" charset="-127"/>
@@ -7848,7 +11335,7 @@
                         </a:rPr>
                         <a:t>연동 및</a:t>
                       </a:r>
-                      <a:endParaRPr lang="ko-KR" sz="2000" kern="100" dirty="0">
+                      <a:endParaRPr lang="ko-KR" sz="2000" b="1" kern="100" dirty="0">
                         <a:effectLst/>
                         <a:latin typeface="맑은 고딕" panose="020B0503020000020004" pitchFamily="50" charset="-127"/>
                         <a:ea typeface="맑은 고딕" panose="020B0503020000020004" pitchFamily="50" charset="-127"/>
@@ -7865,18 +11352,18 @@
                         </a:spcAft>
                       </a:pPr>
                       <a:r>
-                        <a:rPr lang="ko-KR" altLang="en-US" sz="2000" kern="100" dirty="0" err="1">
+                        <a:rPr lang="ko-KR" altLang="en-US" sz="2000" b="1" kern="100" dirty="0" err="1">
                           <a:effectLst/>
                         </a:rPr>
                         <a:t>배포판</a:t>
                       </a:r>
                       <a:r>
-                        <a:rPr lang="ko-KR" altLang="en-US" sz="2000" kern="100" dirty="0">
+                        <a:rPr lang="ko-KR" altLang="en-US" sz="2000" b="1" kern="100" dirty="0">
                           <a:effectLst/>
                         </a:rPr>
                         <a:t> 제작</a:t>
                       </a:r>
-                      <a:endParaRPr lang="ko-KR" sz="2000" kern="100" dirty="0">
+                      <a:endParaRPr lang="ko-KR" sz="2000" b="1" kern="100" dirty="0">
                         <a:effectLst/>
                         <a:latin typeface="맑은 고딕" panose="020B0503020000020004" pitchFamily="50" charset="-127"/>
                         <a:ea typeface="맑은 고딕" panose="020B0503020000020004" pitchFamily="50" charset="-127"/>
@@ -7886,7 +11373,9 @@
                   </a:txBody>
                   <a:tcPr marL="68580" marR="68580" marT="0" marB="0" anchor="ctr">
                     <a:solidFill>
-                      <a:schemeClr val="bg1"/>
+                      <a:schemeClr val="accent1">
+                        <a:lumMod val="50000"/>
+                      </a:schemeClr>
                     </a:solidFill>
                   </a:tcPr>
                 </a:tc>
@@ -7904,7 +11393,7 @@
                         </a:spcAft>
                       </a:pPr>
                       <a:r>
-                        <a:rPr lang="en-US" altLang="ko-KR" sz="2000" kern="100" dirty="0">
+                        <a:rPr lang="en-US" altLang="ko-KR" sz="2000" b="1" kern="100" dirty="0">
                           <a:effectLst/>
                           <a:latin typeface="맑은 고딕" panose="020B0503020000020004" pitchFamily="50" charset="-127"/>
                           <a:ea typeface="+mn-ea"/>
@@ -7913,7 +11402,7 @@
                         <a:t>Telegram</a:t>
                       </a:r>
                       <a:r>
-                        <a:rPr lang="ko-KR" altLang="en-US" sz="2000" kern="100" dirty="0">
+                        <a:rPr lang="ko-KR" altLang="en-US" sz="2000" b="1" kern="100" dirty="0">
                           <a:effectLst/>
                           <a:latin typeface="맑은 고딕" panose="020B0503020000020004" pitchFamily="50" charset="-127"/>
                           <a:ea typeface="+mn-ea"/>
@@ -7922,7 +11411,7 @@
                         <a:t>에서 지역을 입력하면 가맹점을 알려주는      가맹점 검색 봇을 제작한다</a:t>
                       </a:r>
                       <a:r>
-                        <a:rPr lang="en-US" altLang="ko-KR" sz="2000" kern="100" dirty="0">
+                        <a:rPr lang="en-US" altLang="ko-KR" sz="2000" b="1" kern="100" dirty="0">
                           <a:effectLst/>
                           <a:latin typeface="맑은 고딕" panose="020B0503020000020004" pitchFamily="50" charset="-127"/>
                           <a:ea typeface="+mn-ea"/>
@@ -7934,7 +11423,9 @@
                   </a:txBody>
                   <a:tcPr marL="68580" marR="68580" marT="0" marB="0" anchor="ctr">
                     <a:solidFill>
-                      <a:schemeClr val="bg1"/>
+                      <a:schemeClr val="accent1">
+                        <a:lumMod val="50000"/>
+                      </a:schemeClr>
                     </a:solidFill>
                   </a:tcPr>
                 </a:tc>
@@ -8016,30 +11507,30 @@
                         </a:spcAft>
                       </a:pPr>
                       <a:r>
-                        <a:rPr lang="ko-KR" altLang="en-US" sz="2000" kern="100" dirty="0">
+                        <a:rPr lang="ko-KR" altLang="en-US" sz="2000" b="1" kern="100" dirty="0">
                           <a:effectLst/>
                         </a:rPr>
                         <a:t>애플리케이션을 </a:t>
                       </a:r>
                       <a:r>
-                        <a:rPr lang="en-US" altLang="ko-KR" sz="2000" kern="100" dirty="0">
+                        <a:rPr lang="en-US" altLang="ko-KR" sz="2000" b="1" kern="100" dirty="0">
                           <a:effectLst/>
                         </a:rPr>
                         <a:t>exe</a:t>
                       </a:r>
                       <a:r>
-                        <a:rPr lang="ko-KR" altLang="en-US" sz="2000" kern="100" dirty="0">
+                        <a:rPr lang="ko-KR" altLang="en-US" sz="2000" b="1" kern="100" dirty="0">
                           <a:effectLst/>
                         </a:rPr>
                         <a:t> 형태의 파일로 생성한다</a:t>
                       </a:r>
                       <a:r>
-                        <a:rPr lang="en-US" altLang="ko-KR" sz="2000" kern="100" dirty="0">
+                        <a:rPr lang="en-US" altLang="ko-KR" sz="2000" b="1" kern="100" dirty="0">
                           <a:effectLst/>
                         </a:rPr>
                         <a:t>.</a:t>
                       </a:r>
-                      <a:endParaRPr lang="ko-KR" sz="2000" kern="100" dirty="0">
+                      <a:endParaRPr lang="ko-KR" sz="2000" b="1" kern="100" dirty="0">
                         <a:effectLst/>
                         <a:latin typeface="맑은 고딕" panose="020B0503020000020004" pitchFamily="50" charset="-127"/>
                         <a:ea typeface="맑은 고딕" panose="020B0503020000020004" pitchFamily="50" charset="-127"/>
@@ -8049,7 +11540,9 @@
                   </a:txBody>
                   <a:tcPr marL="68580" marR="68580" marT="0" marB="0" anchor="ctr">
                     <a:solidFill>
-                      <a:schemeClr val="bg1"/>
+                      <a:schemeClr val="accent1">
+                        <a:lumMod val="50000"/>
+                      </a:schemeClr>
                     </a:solidFill>
                   </a:tcPr>
                 </a:tc>
@@ -8076,7 +11569,7 @@
 </p:sld>
 </file>
 
-<file path=ppt/slides/slide5.xml><?xml version="1.0" encoding="utf-8"?>
+<file path=ppt/slides/slide7.xml><?xml version="1.0" encoding="utf-8"?>
 <p:sld xmlns:a="http://schemas.openxmlformats.org/drawingml/2006/main" xmlns:r="http://schemas.openxmlformats.org/officeDocument/2006/relationships" xmlns:p="http://schemas.openxmlformats.org/presentationml/2006/main">
   <p:cSld>
     <p:bg>
@@ -8642,7 +12135,7 @@
             <a:fld id="{27FBB162-8746-42C9-BFFF-D75069B6786A}" type="slidenum">
               <a:rPr lang="ko-KR" altLang="en-US" smtClean="0"/>
               <a:pPr/>
-              <a:t>5</a:t>
+              <a:t>7</a:t>
             </a:fld>
             <a:r>
               <a:rPr lang="ko-KR" altLang="en-US" dirty="0"/>
@@ -8669,7 +12162,7 @@
 </p:sld>
 </file>
 
-<file path=ppt/slides/slide6.xml><?xml version="1.0" encoding="utf-8"?>
+<file path=ppt/slides/slide8.xml><?xml version="1.0" encoding="utf-8"?>
 <p:sld xmlns:a="http://schemas.openxmlformats.org/drawingml/2006/main" xmlns:r="http://schemas.openxmlformats.org/officeDocument/2006/relationships" xmlns:p="http://schemas.openxmlformats.org/presentationml/2006/main">
   <p:cSld>
     <p:bg>
@@ -11021,7 +14514,7 @@
             <a:fld id="{27FBB162-8746-42C9-BFFF-D75069B6786A}" type="slidenum">
               <a:rPr lang="ko-KR" altLang="en-US" smtClean="0"/>
               <a:pPr/>
-              <a:t>6</a:t>
+              <a:t>8</a:t>
             </a:fld>
             <a:r>
               <a:rPr lang="ko-KR" altLang="en-US" dirty="0"/>
@@ -11048,7 +14541,7 @@
 </p:sld>
 </file>
 
-<file path=ppt/slides/slide7.xml><?xml version="1.0" encoding="utf-8"?>
+<file path=ppt/slides/slide9.xml><?xml version="1.0" encoding="utf-8"?>
 <p:sld xmlns:a="http://schemas.openxmlformats.org/drawingml/2006/main" xmlns:r="http://schemas.openxmlformats.org/officeDocument/2006/relationships" xmlns:p="http://schemas.openxmlformats.org/presentationml/2006/main">
   <p:cSld>
     <p:bg>
@@ -12469,7 +15962,7 @@
             <a:fld id="{27FBB162-8746-42C9-BFFF-D75069B6786A}" type="slidenum">
               <a:rPr lang="ko-KR" altLang="en-US" smtClean="0"/>
               <a:pPr/>
-              <a:t>7</a:t>
+              <a:t>9</a:t>
             </a:fld>
             <a:r>
               <a:rPr lang="ko-KR" altLang="en-US" dirty="0"/>
@@ -12692,1898 +16185,6 @@
     <p:extLst>
       <p:ext uri="{BB962C8B-B14F-4D97-AF65-F5344CB8AC3E}">
         <p14:creationId xmlns:p14="http://schemas.microsoft.com/office/powerpoint/2010/main" val="1096445702"/>
-      </p:ext>
-    </p:extLst>
-  </p:cSld>
-  <p:clrMapOvr>
-    <a:masterClrMapping/>
-  </p:clrMapOvr>
-</p:sld>
-</file>
-
-<file path=ppt/slides/slide8.xml><?xml version="1.0" encoding="utf-8"?>
-<p:sld xmlns:a="http://schemas.openxmlformats.org/drawingml/2006/main" xmlns:r="http://schemas.openxmlformats.org/officeDocument/2006/relationships" xmlns:p="http://schemas.openxmlformats.org/presentationml/2006/main">
-  <p:cSld>
-    <p:bg>
-      <p:bgPr>
-        <a:solidFill>
-          <a:srgbClr val="FFFBE8"/>
-        </a:solidFill>
-        <a:effectLst/>
-      </p:bgPr>
-    </p:bg>
-    <p:spTree>
-      <p:nvGrpSpPr>
-        <p:cNvPr id="1" name=""/>
-        <p:cNvGrpSpPr/>
-        <p:nvPr/>
-      </p:nvGrpSpPr>
-      <p:grpSpPr>
-        <a:xfrm>
-          <a:off x="0" y="0"/>
-          <a:ext cx="0" cy="0"/>
-          <a:chOff x="0" y="0"/>
-          <a:chExt cx="0" cy="0"/>
-        </a:xfrm>
-      </p:grpSpPr>
-      <p:sp>
-        <p:nvSpPr>
-          <p:cNvPr id="17" name="사각형: 둥근 모서리 16">
-            <a:extLst>
-              <a:ext uri="{FF2B5EF4-FFF2-40B4-BE49-F238E27FC236}">
-                <a16:creationId xmlns:a16="http://schemas.microsoft.com/office/drawing/2014/main" id="{4723E3FE-EF00-FFA5-B48D-882973BB36C0}"/>
-              </a:ext>
-            </a:extLst>
-          </p:cNvPr>
-          <p:cNvSpPr/>
-          <p:nvPr/>
-        </p:nvSpPr>
-        <p:spPr>
-          <a:xfrm>
-            <a:off x="5744561" y="1781344"/>
-            <a:ext cx="2879433" cy="4709431"/>
-          </a:xfrm>
-          <a:prstGeom prst="roundRect">
-            <a:avLst>
-              <a:gd name="adj" fmla="val 0"/>
-            </a:avLst>
-          </a:prstGeom>
-          <a:noFill/>
-          <a:ln w="38100">
-            <a:solidFill>
-              <a:srgbClr val="C2DCB1"/>
-            </a:solidFill>
-          </a:ln>
-        </p:spPr>
-        <p:style>
-          <a:lnRef idx="2">
-            <a:schemeClr val="accent1">
-              <a:shade val="50000"/>
-            </a:schemeClr>
-          </a:lnRef>
-          <a:fillRef idx="1">
-            <a:schemeClr val="accent1"/>
-          </a:fillRef>
-          <a:effectRef idx="0">
-            <a:schemeClr val="accent1"/>
-          </a:effectRef>
-          <a:fontRef idx="minor">
-            <a:schemeClr val="lt1"/>
-          </a:fontRef>
-        </p:style>
-        <p:txBody>
-          <a:bodyPr rtlCol="0" anchor="ctr"/>
-          <a:lstStyle/>
-          <a:p>
-            <a:r>
-              <a:rPr lang="en-US" altLang="ko-KR" sz="1300" dirty="0">
-                <a:solidFill>
-                  <a:srgbClr val="000000"/>
-                </a:solidFill>
-              </a:rPr>
-              <a:t>1</a:t>
-            </a:r>
-            <a:r>
-              <a:rPr lang="ko-KR" altLang="en-US" sz="1300" dirty="0">
-                <a:solidFill>
-                  <a:srgbClr val="000000"/>
-                </a:solidFill>
-              </a:rPr>
-              <a:t>주차</a:t>
-            </a:r>
-            <a:endParaRPr lang="en-US" altLang="ko-KR" sz="1300" dirty="0">
-              <a:solidFill>
-                <a:srgbClr val="000000"/>
-              </a:solidFill>
-            </a:endParaRPr>
-          </a:p>
-          <a:p>
-            <a:pPr marL="285750" indent="-285750">
-              <a:buFont typeface="Arial" panose="020B0604020202020204" pitchFamily="34" charset="0"/>
-              <a:buChar char="•"/>
-            </a:pPr>
-            <a:r>
-              <a:rPr lang="en-US" altLang="ko-KR" sz="1300" dirty="0">
-                <a:solidFill>
-                  <a:srgbClr val="000000"/>
-                </a:solidFill>
-              </a:rPr>
-              <a:t>UI</a:t>
-            </a:r>
-            <a:r>
-              <a:rPr lang="ko-KR" altLang="en-US" sz="1300" dirty="0">
-                <a:solidFill>
-                  <a:srgbClr val="000000"/>
-                </a:solidFill>
-              </a:rPr>
-              <a:t>구도 잡기 </a:t>
-            </a:r>
-            <a:r>
-              <a:rPr lang="en-US" altLang="ko-KR" sz="1300" dirty="0">
-                <a:solidFill>
-                  <a:srgbClr val="000000"/>
-                </a:solidFill>
-              </a:rPr>
-              <a:t>(</a:t>
-            </a:r>
-            <a:r>
-              <a:rPr lang="en-US" altLang="ko-KR" sz="1300" dirty="0" err="1">
-                <a:solidFill>
-                  <a:srgbClr val="000000"/>
-                </a:solidFill>
-              </a:rPr>
-              <a:t>OmarChoi</a:t>
-            </a:r>
-            <a:r>
-              <a:rPr lang="en-US" altLang="ko-KR" sz="1300" dirty="0">
-                <a:solidFill>
-                  <a:srgbClr val="000000"/>
-                </a:solidFill>
-              </a:rPr>
-              <a:t> commit)</a:t>
-            </a:r>
-          </a:p>
-          <a:p>
-            <a:endParaRPr lang="en-US" altLang="ko-KR" sz="1300" dirty="0">
-              <a:solidFill>
-                <a:srgbClr val="000000"/>
-              </a:solidFill>
-            </a:endParaRPr>
-          </a:p>
-          <a:p>
-            <a:r>
-              <a:rPr lang="en-US" altLang="ko-KR" sz="1300" dirty="0">
-                <a:solidFill>
-                  <a:srgbClr val="000000"/>
-                </a:solidFill>
-              </a:rPr>
-              <a:t>2</a:t>
-            </a:r>
-            <a:r>
-              <a:rPr lang="ko-KR" altLang="en-US" sz="1300" dirty="0">
-                <a:solidFill>
-                  <a:srgbClr val="000000"/>
-                </a:solidFill>
-              </a:rPr>
-              <a:t>주차</a:t>
-            </a:r>
-            <a:endParaRPr lang="en-US" altLang="ko-KR" sz="1300" dirty="0">
-              <a:solidFill>
-                <a:srgbClr val="000000"/>
-              </a:solidFill>
-            </a:endParaRPr>
-          </a:p>
-          <a:p>
-            <a:pPr marL="285750" indent="-285750">
-              <a:buFont typeface="Arial" panose="020B0604020202020204" pitchFamily="34" charset="0"/>
-              <a:buChar char="•"/>
-            </a:pPr>
-            <a:r>
-              <a:rPr lang="en-US" altLang="ko-KR" sz="1300" dirty="0">
-                <a:solidFill>
-                  <a:srgbClr val="000000"/>
-                </a:solidFill>
-              </a:rPr>
-              <a:t>4</a:t>
-            </a:r>
-            <a:r>
-              <a:rPr lang="ko-KR" altLang="en-US" sz="1300" dirty="0">
-                <a:solidFill>
-                  <a:srgbClr val="000000"/>
-                </a:solidFill>
-              </a:rPr>
-              <a:t>목 게임 제작</a:t>
-            </a:r>
-            <a:endParaRPr lang="en-US" altLang="ko-KR" sz="1300" dirty="0">
-              <a:solidFill>
-                <a:srgbClr val="000000"/>
-              </a:solidFill>
-            </a:endParaRPr>
-          </a:p>
-          <a:p>
-            <a:endParaRPr lang="en-US" altLang="ko-KR" sz="1300" dirty="0">
-              <a:solidFill>
-                <a:srgbClr val="000000"/>
-              </a:solidFill>
-            </a:endParaRPr>
-          </a:p>
-          <a:p>
-            <a:r>
-              <a:rPr lang="en-US" altLang="ko-KR" sz="1300" dirty="0">
-                <a:solidFill>
-                  <a:srgbClr val="000000"/>
-                </a:solidFill>
-              </a:rPr>
-              <a:t>3</a:t>
-            </a:r>
-            <a:r>
-              <a:rPr lang="ko-KR" altLang="en-US" sz="1300" dirty="0">
-                <a:solidFill>
-                  <a:srgbClr val="000000"/>
-                </a:solidFill>
-              </a:rPr>
-              <a:t>주차</a:t>
-            </a:r>
-            <a:endParaRPr lang="en-US" altLang="ko-KR" sz="1300" dirty="0">
-              <a:solidFill>
-                <a:srgbClr val="000000"/>
-              </a:solidFill>
-            </a:endParaRPr>
-          </a:p>
-          <a:p>
-            <a:pPr marL="285750" indent="-285750">
-              <a:buFont typeface="Arial" panose="020B0604020202020204" pitchFamily="34" charset="0"/>
-              <a:buChar char="•"/>
-            </a:pPr>
-            <a:r>
-              <a:rPr lang="en-US" altLang="ko-KR" sz="1300" dirty="0">
-                <a:solidFill>
-                  <a:srgbClr val="000000"/>
-                </a:solidFill>
-              </a:rPr>
-              <a:t>UI</a:t>
-            </a:r>
-            <a:r>
-              <a:rPr lang="ko-KR" altLang="en-US" sz="1300" dirty="0">
-                <a:solidFill>
-                  <a:srgbClr val="000000"/>
-                </a:solidFill>
-              </a:rPr>
-              <a:t>내에 이미지 삽입</a:t>
-            </a:r>
-            <a:endParaRPr lang="en-US" altLang="ko-KR" sz="1300" dirty="0">
-              <a:solidFill>
-                <a:srgbClr val="000000"/>
-              </a:solidFill>
-            </a:endParaRPr>
-          </a:p>
-          <a:p>
-            <a:endParaRPr lang="en-US" altLang="ko-KR" sz="1300" dirty="0">
-              <a:solidFill>
-                <a:srgbClr val="000000"/>
-              </a:solidFill>
-            </a:endParaRPr>
-          </a:p>
-          <a:p>
-            <a:r>
-              <a:rPr lang="en-US" altLang="ko-KR" sz="1300" dirty="0">
-                <a:solidFill>
-                  <a:srgbClr val="000000"/>
-                </a:solidFill>
-              </a:rPr>
-              <a:t>4</a:t>
-            </a:r>
-            <a:r>
-              <a:rPr lang="ko-KR" altLang="en-US" sz="1300" dirty="0">
-                <a:solidFill>
-                  <a:srgbClr val="000000"/>
-                </a:solidFill>
-              </a:rPr>
-              <a:t>주차</a:t>
-            </a:r>
-            <a:endParaRPr lang="en-US" altLang="ko-KR" sz="1300" dirty="0">
-              <a:solidFill>
-                <a:srgbClr val="000000"/>
-              </a:solidFill>
-            </a:endParaRPr>
-          </a:p>
-          <a:p>
-            <a:pPr marL="285750" indent="-285750">
-              <a:buFont typeface="Arial" panose="020B0604020202020204" pitchFamily="34" charset="0"/>
-              <a:buChar char="•"/>
-            </a:pPr>
-            <a:r>
-              <a:rPr lang="ko-KR" altLang="en-US" sz="1300" dirty="0">
-                <a:solidFill>
-                  <a:srgbClr val="000000"/>
-                </a:solidFill>
-              </a:rPr>
-              <a:t>선택한 정보 지도에 출력</a:t>
-            </a:r>
-            <a:endParaRPr lang="en-US" altLang="ko-KR" sz="1300" dirty="0">
-              <a:solidFill>
-                <a:srgbClr val="000000"/>
-              </a:solidFill>
-            </a:endParaRPr>
-          </a:p>
-          <a:p>
-            <a:pPr marL="285750" indent="-285750">
-              <a:buFont typeface="Arial" panose="020B0604020202020204" pitchFamily="34" charset="0"/>
-              <a:buChar char="•"/>
-            </a:pPr>
-            <a:r>
-              <a:rPr lang="ko-KR" altLang="en-US" sz="1300" dirty="0">
-                <a:solidFill>
-                  <a:srgbClr val="000000"/>
-                </a:solidFill>
-              </a:rPr>
-              <a:t>수신자의 입력을 받아 선택한 정보를 이메일을 통해 전송</a:t>
-            </a:r>
-            <a:endParaRPr lang="en-US" altLang="ko-KR" sz="1300" dirty="0">
-              <a:solidFill>
-                <a:srgbClr val="000000"/>
-              </a:solidFill>
-            </a:endParaRPr>
-          </a:p>
-          <a:p>
-            <a:endParaRPr lang="en-US" altLang="ko-KR" sz="1300" dirty="0">
-              <a:solidFill>
-                <a:srgbClr val="000000"/>
-              </a:solidFill>
-            </a:endParaRPr>
-          </a:p>
-          <a:p>
-            <a:r>
-              <a:rPr lang="en-US" altLang="ko-KR" sz="1300" dirty="0">
-                <a:solidFill>
-                  <a:srgbClr val="000000"/>
-                </a:solidFill>
-              </a:rPr>
-              <a:t>5</a:t>
-            </a:r>
-            <a:r>
-              <a:rPr lang="ko-KR" altLang="en-US" sz="1300" dirty="0">
-                <a:solidFill>
-                  <a:srgbClr val="000000"/>
-                </a:solidFill>
-              </a:rPr>
-              <a:t>주차</a:t>
-            </a:r>
-            <a:endParaRPr lang="en-US" altLang="ko-KR" sz="1300" dirty="0">
-              <a:solidFill>
-                <a:srgbClr val="000000"/>
-              </a:solidFill>
-            </a:endParaRPr>
-          </a:p>
-          <a:p>
-            <a:pPr marL="285750" indent="-285750">
-              <a:buFont typeface="Arial" panose="020B0604020202020204" pitchFamily="34" charset="0"/>
-              <a:buChar char="•"/>
-            </a:pPr>
-            <a:r>
-              <a:rPr lang="en-US" altLang="ko-KR" sz="1300" dirty="0">
-                <a:solidFill>
-                  <a:srgbClr val="000000"/>
-                </a:solidFill>
-              </a:rPr>
-              <a:t>C/C++ </a:t>
-            </a:r>
-            <a:r>
-              <a:rPr lang="ko-KR" altLang="en-US" sz="1300" dirty="0">
-                <a:solidFill>
-                  <a:srgbClr val="000000"/>
-                </a:solidFill>
-              </a:rPr>
-              <a:t>연동</a:t>
-            </a:r>
-            <a:endParaRPr lang="en-US" altLang="ko-KR" sz="1300" dirty="0">
-              <a:solidFill>
-                <a:srgbClr val="000000"/>
-              </a:solidFill>
-            </a:endParaRPr>
-          </a:p>
-          <a:p>
-            <a:pPr marL="285750" indent="-285750">
-              <a:buFont typeface="Arial" panose="020B0604020202020204" pitchFamily="34" charset="0"/>
-              <a:buChar char="•"/>
-            </a:pPr>
-            <a:endParaRPr lang="en-US" altLang="ko-KR" sz="1300" dirty="0">
-              <a:solidFill>
-                <a:srgbClr val="000000"/>
-              </a:solidFill>
-            </a:endParaRPr>
-          </a:p>
-          <a:p>
-            <a:r>
-              <a:rPr lang="en-US" altLang="ko-KR" sz="1300" dirty="0">
-                <a:solidFill>
-                  <a:srgbClr val="000000"/>
-                </a:solidFill>
-              </a:rPr>
-              <a:t>6</a:t>
-            </a:r>
-            <a:r>
-              <a:rPr lang="ko-KR" altLang="en-US" sz="1300" dirty="0">
-                <a:solidFill>
-                  <a:srgbClr val="000000"/>
-                </a:solidFill>
-              </a:rPr>
-              <a:t>주차</a:t>
-            </a:r>
-            <a:endParaRPr lang="en-US" altLang="ko-KR" sz="1300" dirty="0">
-              <a:solidFill>
-                <a:srgbClr val="000000"/>
-              </a:solidFill>
-            </a:endParaRPr>
-          </a:p>
-          <a:p>
-            <a:pPr marL="285750" indent="-285750">
-              <a:buFont typeface="Arial" panose="020B0604020202020204" pitchFamily="34" charset="0"/>
-              <a:buChar char="•"/>
-            </a:pPr>
-            <a:r>
-              <a:rPr lang="ko-KR" altLang="en-US" sz="1300" dirty="0" err="1">
-                <a:solidFill>
-                  <a:srgbClr val="000000"/>
-                </a:solidFill>
-              </a:rPr>
-              <a:t>배포판</a:t>
-            </a:r>
-            <a:r>
-              <a:rPr lang="ko-KR" altLang="en-US" sz="1300" dirty="0">
-                <a:solidFill>
-                  <a:srgbClr val="000000"/>
-                </a:solidFill>
-              </a:rPr>
-              <a:t> 제작</a:t>
-            </a:r>
-            <a:endParaRPr lang="en-US" altLang="ko-KR" sz="1300" dirty="0">
-              <a:solidFill>
-                <a:srgbClr val="000000"/>
-              </a:solidFill>
-            </a:endParaRPr>
-          </a:p>
-        </p:txBody>
-      </p:sp>
-      <p:sp>
-        <p:nvSpPr>
-          <p:cNvPr id="50" name="자유형 49"/>
-          <p:cNvSpPr/>
-          <p:nvPr/>
-        </p:nvSpPr>
-        <p:spPr>
-          <a:xfrm>
-            <a:off x="0" y="0"/>
-            <a:ext cx="12191999" cy="965200"/>
-          </a:xfrm>
-          <a:custGeom>
-            <a:avLst/>
-            <a:gdLst>
-              <a:gd name="connsiteX0" fmla="*/ 0 w 12191999"/>
-              <a:gd name="connsiteY0" fmla="*/ 0 h 965200"/>
-              <a:gd name="connsiteX1" fmla="*/ 12191999 w 12191999"/>
-              <a:gd name="connsiteY1" fmla="*/ 0 h 965200"/>
-              <a:gd name="connsiteX2" fmla="*/ 12191999 w 12191999"/>
-              <a:gd name="connsiteY2" fmla="*/ 621393 h 965200"/>
-              <a:gd name="connsiteX3" fmla="*/ 11155972 w 12191999"/>
-              <a:gd name="connsiteY3" fmla="*/ 621393 h 965200"/>
-              <a:gd name="connsiteX4" fmla="*/ 11009922 w 12191999"/>
-              <a:gd name="connsiteY4" fmla="*/ 767443 h 965200"/>
-              <a:gd name="connsiteX5" fmla="*/ 11015966 w 12191999"/>
-              <a:gd name="connsiteY5" fmla="*/ 797379 h 965200"/>
-              <a:gd name="connsiteX6" fmla="*/ 9981222 w 12191999"/>
-              <a:gd name="connsiteY6" fmla="*/ 797379 h 965200"/>
-              <a:gd name="connsiteX7" fmla="*/ 9835172 w 12191999"/>
-              <a:gd name="connsiteY7" fmla="*/ 943429 h 965200"/>
-              <a:gd name="connsiteX8" fmla="*/ 9839567 w 12191999"/>
-              <a:gd name="connsiteY8" fmla="*/ 965200 h 965200"/>
-              <a:gd name="connsiteX9" fmla="*/ 8241580 w 12191999"/>
-              <a:gd name="connsiteY9" fmla="*/ 965200 h 965200"/>
-              <a:gd name="connsiteX10" fmla="*/ 8219038 w 12191999"/>
-              <a:gd name="connsiteY10" fmla="*/ 931765 h 965200"/>
-              <a:gd name="connsiteX11" fmla="*/ 8123462 w 12191999"/>
-              <a:gd name="connsiteY11" fmla="*/ 892177 h 965200"/>
-              <a:gd name="connsiteX12" fmla="*/ 5353956 w 12191999"/>
-              <a:gd name="connsiteY12" fmla="*/ 892177 h 965200"/>
-              <a:gd name="connsiteX13" fmla="*/ 5258380 w 12191999"/>
-              <a:gd name="connsiteY13" fmla="*/ 931765 h 965200"/>
-              <a:gd name="connsiteX14" fmla="*/ 5235837 w 12191999"/>
-              <a:gd name="connsiteY14" fmla="*/ 965200 h 965200"/>
-              <a:gd name="connsiteX15" fmla="*/ 689794 w 12191999"/>
-              <a:gd name="connsiteY15" fmla="*/ 965200 h 965200"/>
-              <a:gd name="connsiteX16" fmla="*/ 694190 w 12191999"/>
-              <a:gd name="connsiteY16" fmla="*/ 943429 h 965200"/>
-              <a:gd name="connsiteX17" fmla="*/ 548140 w 12191999"/>
-              <a:gd name="connsiteY17" fmla="*/ 797379 h 965200"/>
-              <a:gd name="connsiteX18" fmla="*/ 393968 w 12191999"/>
-              <a:gd name="connsiteY18" fmla="*/ 797379 h 965200"/>
-              <a:gd name="connsiteX19" fmla="*/ 394151 w 12191999"/>
-              <a:gd name="connsiteY19" fmla="*/ 796472 h 965200"/>
-              <a:gd name="connsiteX20" fmla="*/ 248101 w 12191999"/>
-              <a:gd name="connsiteY20" fmla="*/ 650422 h 965200"/>
-              <a:gd name="connsiteX21" fmla="*/ 0 w 12191999"/>
-              <a:gd name="connsiteY21" fmla="*/ 650422 h 965200"/>
-            </a:gdLst>
-            <a:ahLst/>
-            <a:cxnLst>
-              <a:cxn ang="0">
-                <a:pos x="connsiteX0" y="connsiteY0"/>
-              </a:cxn>
-              <a:cxn ang="0">
-                <a:pos x="connsiteX1" y="connsiteY1"/>
-              </a:cxn>
-              <a:cxn ang="0">
-                <a:pos x="connsiteX2" y="connsiteY2"/>
-              </a:cxn>
-              <a:cxn ang="0">
-                <a:pos x="connsiteX3" y="connsiteY3"/>
-              </a:cxn>
-              <a:cxn ang="0">
-                <a:pos x="connsiteX4" y="connsiteY4"/>
-              </a:cxn>
-              <a:cxn ang="0">
-                <a:pos x="connsiteX5" y="connsiteY5"/>
-              </a:cxn>
-              <a:cxn ang="0">
-                <a:pos x="connsiteX6" y="connsiteY6"/>
-              </a:cxn>
-              <a:cxn ang="0">
-                <a:pos x="connsiteX7" y="connsiteY7"/>
-              </a:cxn>
-              <a:cxn ang="0">
-                <a:pos x="connsiteX8" y="connsiteY8"/>
-              </a:cxn>
-              <a:cxn ang="0">
-                <a:pos x="connsiteX9" y="connsiteY9"/>
-              </a:cxn>
-              <a:cxn ang="0">
-                <a:pos x="connsiteX10" y="connsiteY10"/>
-              </a:cxn>
-              <a:cxn ang="0">
-                <a:pos x="connsiteX11" y="connsiteY11"/>
-              </a:cxn>
-              <a:cxn ang="0">
-                <a:pos x="connsiteX12" y="connsiteY12"/>
-              </a:cxn>
-              <a:cxn ang="0">
-                <a:pos x="connsiteX13" y="connsiteY13"/>
-              </a:cxn>
-              <a:cxn ang="0">
-                <a:pos x="connsiteX14" y="connsiteY14"/>
-              </a:cxn>
-              <a:cxn ang="0">
-                <a:pos x="connsiteX15" y="connsiteY15"/>
-              </a:cxn>
-              <a:cxn ang="0">
-                <a:pos x="connsiteX16" y="connsiteY16"/>
-              </a:cxn>
-              <a:cxn ang="0">
-                <a:pos x="connsiteX17" y="connsiteY17"/>
-              </a:cxn>
-              <a:cxn ang="0">
-                <a:pos x="connsiteX18" y="connsiteY18"/>
-              </a:cxn>
-              <a:cxn ang="0">
-                <a:pos x="connsiteX19" y="connsiteY19"/>
-              </a:cxn>
-              <a:cxn ang="0">
-                <a:pos x="connsiteX20" y="connsiteY20"/>
-              </a:cxn>
-              <a:cxn ang="0">
-                <a:pos x="connsiteX21" y="connsiteY21"/>
-              </a:cxn>
-            </a:cxnLst>
-            <a:rect l="l" t="t" r="r" b="b"/>
-            <a:pathLst>
-              <a:path w="12191999" h="965200">
-                <a:moveTo>
-                  <a:pt x="0" y="0"/>
-                </a:moveTo>
-                <a:lnTo>
-                  <a:pt x="12191999" y="0"/>
-                </a:lnTo>
-                <a:lnTo>
-                  <a:pt x="12191999" y="621393"/>
-                </a:lnTo>
-                <a:lnTo>
-                  <a:pt x="11155972" y="621393"/>
-                </a:lnTo>
-                <a:cubicBezTo>
-                  <a:pt x="11075311" y="621393"/>
-                  <a:pt x="11009922" y="686782"/>
-                  <a:pt x="11009922" y="767443"/>
-                </a:cubicBezTo>
-                <a:lnTo>
-                  <a:pt x="11015966" y="797379"/>
-                </a:lnTo>
-                <a:lnTo>
-                  <a:pt x="9981222" y="797379"/>
-                </a:lnTo>
-                <a:cubicBezTo>
-                  <a:pt x="9900561" y="797379"/>
-                  <a:pt x="9835172" y="862768"/>
-                  <a:pt x="9835172" y="943429"/>
-                </a:cubicBezTo>
-                <a:lnTo>
-                  <a:pt x="9839567" y="965200"/>
-                </a:lnTo>
-                <a:lnTo>
-                  <a:pt x="8241580" y="965200"/>
-                </a:lnTo>
-                <a:lnTo>
-                  <a:pt x="8219038" y="931765"/>
-                </a:lnTo>
-                <a:cubicBezTo>
-                  <a:pt x="8194578" y="907305"/>
-                  <a:pt x="8160787" y="892177"/>
-                  <a:pt x="8123462" y="892177"/>
-                </a:cubicBezTo>
-                <a:lnTo>
-                  <a:pt x="5353956" y="892177"/>
-                </a:lnTo>
-                <a:cubicBezTo>
-                  <a:pt x="5316631" y="892177"/>
-                  <a:pt x="5282840" y="907305"/>
-                  <a:pt x="5258380" y="931765"/>
-                </a:cubicBezTo>
-                <a:lnTo>
-                  <a:pt x="5235837" y="965200"/>
-                </a:lnTo>
-                <a:lnTo>
-                  <a:pt x="689794" y="965200"/>
-                </a:lnTo>
-                <a:lnTo>
-                  <a:pt x="694190" y="943429"/>
-                </a:lnTo>
-                <a:cubicBezTo>
-                  <a:pt x="694190" y="862768"/>
-                  <a:pt x="628801" y="797379"/>
-                  <a:pt x="548140" y="797379"/>
-                </a:cubicBezTo>
-                <a:lnTo>
-                  <a:pt x="393968" y="797379"/>
-                </a:lnTo>
-                <a:lnTo>
-                  <a:pt x="394151" y="796472"/>
-                </a:lnTo>
-                <a:cubicBezTo>
-                  <a:pt x="394151" y="715811"/>
-                  <a:pt x="328762" y="650422"/>
-                  <a:pt x="248101" y="650422"/>
-                </a:cubicBezTo>
-                <a:lnTo>
-                  <a:pt x="0" y="650422"/>
-                </a:lnTo>
-                <a:close/>
-              </a:path>
-            </a:pathLst>
-          </a:custGeom>
-          <a:solidFill>
-            <a:srgbClr val="8CD3D5"/>
-          </a:solidFill>
-          <a:ln>
-            <a:noFill/>
-          </a:ln>
-        </p:spPr>
-        <p:style>
-          <a:lnRef idx="2">
-            <a:schemeClr val="accent1">
-              <a:shade val="50000"/>
-            </a:schemeClr>
-          </a:lnRef>
-          <a:fillRef idx="1">
-            <a:schemeClr val="accent1"/>
-          </a:fillRef>
-          <a:effectRef idx="0">
-            <a:schemeClr val="accent1"/>
-          </a:effectRef>
-          <a:fontRef idx="minor">
-            <a:schemeClr val="lt1"/>
-          </a:fontRef>
-        </p:style>
-        <p:txBody>
-          <a:bodyPr wrap="square" rtlCol="0" anchor="ctr">
-            <a:noAutofit/>
-          </a:bodyPr>
-          <a:lstStyle/>
-          <a:p>
-            <a:pPr marL="914400" marR="0" lvl="2" indent="0" algn="l" defTabSz="914400" rtl="0" eaLnBrk="1" fontAlgn="auto" latinLnBrk="1" hangingPunct="1">
-              <a:lnSpc>
-                <a:spcPct val="150000"/>
-              </a:lnSpc>
-              <a:spcBef>
-                <a:spcPts val="0"/>
-              </a:spcBef>
-              <a:spcAft>
-                <a:spcPts val="0"/>
-              </a:spcAft>
-              <a:buClrTx/>
-              <a:buSzTx/>
-              <a:buFontTx/>
-              <a:buNone/>
-              <a:tabLst/>
-              <a:defRPr/>
-            </a:pPr>
-            <a:r>
-              <a:rPr kumimoji="0" lang="ko-KR" altLang="en-US" sz="2800" b="0" i="1" u="none" strike="noStrike" kern="1200" cap="none" spc="0" normalizeH="0" baseline="0" noProof="0" dirty="0">
-                <a:ln>
-                  <a:noFill/>
-                </a:ln>
-                <a:solidFill>
-                  <a:prstClr val="white"/>
-                </a:solidFill>
-                <a:effectLst/>
-                <a:uLnTx/>
-                <a:uFillTx/>
-                <a:latin typeface="맑은 고딕" panose="020F0502020204030204"/>
-                <a:ea typeface="맑은 고딕" panose="020B0503020000020004" pitchFamily="50" charset="-127"/>
-                <a:cs typeface="+mn-cs"/>
-              </a:rPr>
-              <a:t>경기도 지역화폐 가맹점 정보 조회 애플리케이션</a:t>
-            </a:r>
-          </a:p>
-        </p:txBody>
-      </p:sp>
-      <p:cxnSp>
-        <p:nvCxnSpPr>
-          <p:cNvPr id="51" name="직선 연결선 50">
-            <a:extLst>
-              <a:ext uri="{FF2B5EF4-FFF2-40B4-BE49-F238E27FC236}">
-                <a16:creationId xmlns:a16="http://schemas.microsoft.com/office/drawing/2014/main" id="{1AE37557-4613-CDAE-BD28-ADE2A1C43FA2}"/>
-              </a:ext>
-            </a:extLst>
-          </p:cNvPr>
-          <p:cNvCxnSpPr>
-            <a:cxnSpLocks/>
-          </p:cNvCxnSpPr>
-          <p:nvPr/>
-        </p:nvCxnSpPr>
-        <p:spPr>
-          <a:xfrm>
-            <a:off x="700497" y="1625144"/>
-            <a:ext cx="2273300" cy="0"/>
-          </a:xfrm>
-          <a:prstGeom prst="line">
-            <a:avLst/>
-          </a:prstGeom>
-          <a:ln w="12700"/>
-        </p:spPr>
-        <p:style>
-          <a:lnRef idx="1">
-            <a:schemeClr val="dk1"/>
-          </a:lnRef>
-          <a:fillRef idx="0">
-            <a:schemeClr val="dk1"/>
-          </a:fillRef>
-          <a:effectRef idx="0">
-            <a:schemeClr val="dk1"/>
-          </a:effectRef>
-          <a:fontRef idx="minor">
-            <a:schemeClr val="tx1"/>
-          </a:fontRef>
-        </p:style>
-      </p:cxnSp>
-      <p:sp>
-        <p:nvSpPr>
-          <p:cNvPr id="20" name="직사각형 19">
-            <a:extLst>
-              <a:ext uri="{FF2B5EF4-FFF2-40B4-BE49-F238E27FC236}">
-                <a16:creationId xmlns:a16="http://schemas.microsoft.com/office/drawing/2014/main" id="{BA46FDC4-C3DB-8FAE-FBF7-4CDFFD28211A}"/>
-              </a:ext>
-            </a:extLst>
-          </p:cNvPr>
-          <p:cNvSpPr/>
-          <p:nvPr/>
-        </p:nvSpPr>
-        <p:spPr>
-          <a:xfrm>
-            <a:off x="847725" y="1098035"/>
-            <a:ext cx="1981200" cy="532282"/>
-          </a:xfrm>
-          <a:prstGeom prst="rect">
-            <a:avLst/>
-          </a:prstGeom>
-          <a:noFill/>
-          <a:ln>
-            <a:noFill/>
-          </a:ln>
-        </p:spPr>
-        <p:style>
-          <a:lnRef idx="2">
-            <a:schemeClr val="dk1"/>
-          </a:lnRef>
-          <a:fillRef idx="1">
-            <a:schemeClr val="lt1"/>
-          </a:fillRef>
-          <a:effectRef idx="0">
-            <a:schemeClr val="dk1"/>
-          </a:effectRef>
-          <a:fontRef idx="minor">
-            <a:schemeClr val="dk1"/>
-          </a:fontRef>
-        </p:style>
-        <p:txBody>
-          <a:bodyPr rtlCol="0" anchor="ctr"/>
-          <a:lstStyle/>
-          <a:p>
-            <a:pPr marL="0" marR="0" lvl="0" indent="0" algn="ctr" defTabSz="914400" rtl="0" eaLnBrk="1" fontAlgn="auto" latinLnBrk="1" hangingPunct="1">
-              <a:lnSpc>
-                <a:spcPct val="100000"/>
-              </a:lnSpc>
-              <a:spcBef>
-                <a:spcPts val="0"/>
-              </a:spcBef>
-              <a:spcAft>
-                <a:spcPts val="0"/>
-              </a:spcAft>
-              <a:buClrTx/>
-              <a:buSzTx/>
-              <a:buFontTx/>
-              <a:buNone/>
-              <a:tabLst/>
-              <a:defRPr/>
-            </a:pPr>
-            <a:r>
-              <a:rPr lang="en-US" altLang="ko-KR" b="1" dirty="0">
-                <a:solidFill>
-                  <a:prstClr val="black">
-                    <a:lumMod val="65000"/>
-                    <a:lumOff val="35000"/>
-                  </a:prstClr>
-                </a:solidFill>
-                <a:latin typeface="맑은 고딕" panose="020F0502020204030204"/>
-                <a:ea typeface="맑은 고딕" panose="020B0503020000020004" pitchFamily="50" charset="-127"/>
-              </a:rPr>
-              <a:t>Commit</a:t>
-            </a:r>
-            <a:r>
-              <a:rPr kumimoji="0" lang="ko-KR" altLang="en-US" sz="1800" b="1" i="0" u="none" strike="noStrike" kern="1200" cap="none" spc="0" normalizeH="0" baseline="0" noProof="0" dirty="0">
-                <a:ln>
-                  <a:noFill/>
-                </a:ln>
-                <a:solidFill>
-                  <a:prstClr val="black">
-                    <a:lumMod val="65000"/>
-                    <a:lumOff val="35000"/>
-                  </a:prstClr>
-                </a:solidFill>
-                <a:effectLst/>
-                <a:uLnTx/>
-                <a:uFillTx/>
-                <a:latin typeface="맑은 고딕" panose="020F0502020204030204"/>
-                <a:ea typeface="맑은 고딕" panose="020B0503020000020004" pitchFamily="50" charset="-127"/>
-                <a:cs typeface="+mn-cs"/>
-              </a:rPr>
-              <a:t> </a:t>
-            </a:r>
-            <a:r>
-              <a:rPr lang="ko-KR" altLang="en-US" b="1" dirty="0">
-                <a:solidFill>
-                  <a:prstClr val="black">
-                    <a:lumMod val="65000"/>
-                    <a:lumOff val="35000"/>
-                  </a:prstClr>
-                </a:solidFill>
-                <a:latin typeface="맑은 고딕" panose="020F0502020204030204"/>
-                <a:ea typeface="맑은 고딕" panose="020B0503020000020004" pitchFamily="50" charset="-127"/>
-              </a:rPr>
-              <a:t>내역</a:t>
-            </a:r>
-            <a:endParaRPr kumimoji="0" lang="ko-KR" altLang="en-US" sz="1800" b="0" i="0" u="none" strike="noStrike" kern="1200" cap="none" spc="0" normalizeH="0" baseline="0" noProof="0" dirty="0">
-              <a:ln>
-                <a:noFill/>
-              </a:ln>
-              <a:solidFill>
-                <a:prstClr val="black"/>
-              </a:solidFill>
-              <a:effectLst/>
-              <a:uLnTx/>
-              <a:uFillTx/>
-              <a:latin typeface="맑은 고딕" panose="020F0502020204030204"/>
-              <a:ea typeface="맑은 고딕" panose="020B0503020000020004" pitchFamily="50" charset="-127"/>
-              <a:cs typeface="+mn-cs"/>
-            </a:endParaRPr>
-          </a:p>
-        </p:txBody>
-      </p:sp>
-      <p:sp>
-        <p:nvSpPr>
-          <p:cNvPr id="11" name="사각형: 둥근 모서리 10">
-            <a:extLst>
-              <a:ext uri="{FF2B5EF4-FFF2-40B4-BE49-F238E27FC236}">
-                <a16:creationId xmlns:a16="http://schemas.microsoft.com/office/drawing/2014/main" id="{5128BA1A-4676-40E4-59B6-24D8713DB83D}"/>
-              </a:ext>
-            </a:extLst>
-          </p:cNvPr>
-          <p:cNvSpPr/>
-          <p:nvPr/>
-        </p:nvSpPr>
-        <p:spPr>
-          <a:xfrm>
-            <a:off x="5744561" y="1103503"/>
-            <a:ext cx="2879433" cy="674209"/>
-          </a:xfrm>
-          <a:prstGeom prst="roundRect">
-            <a:avLst>
-              <a:gd name="adj" fmla="val 0"/>
-            </a:avLst>
-          </a:prstGeom>
-          <a:noFill/>
-          <a:ln w="38100">
-            <a:solidFill>
-              <a:srgbClr val="C2DCB1"/>
-            </a:solidFill>
-          </a:ln>
-        </p:spPr>
-        <p:style>
-          <a:lnRef idx="2">
-            <a:schemeClr val="accent1">
-              <a:shade val="50000"/>
-            </a:schemeClr>
-          </a:lnRef>
-          <a:fillRef idx="1">
-            <a:schemeClr val="accent1"/>
-          </a:fillRef>
-          <a:effectRef idx="0">
-            <a:schemeClr val="accent1"/>
-          </a:effectRef>
-          <a:fontRef idx="minor">
-            <a:schemeClr val="lt1"/>
-          </a:fontRef>
-        </p:style>
-        <p:txBody>
-          <a:bodyPr rtlCol="0" anchor="ctr"/>
-          <a:lstStyle/>
-          <a:p>
-            <a:pPr algn="ctr"/>
-            <a:r>
-              <a:rPr lang="en-US" altLang="ko-KR" dirty="0">
-                <a:solidFill>
-                  <a:srgbClr val="000000"/>
-                </a:solidFill>
-              </a:rPr>
-              <a:t>2018184011 </a:t>
-            </a:r>
-            <a:r>
-              <a:rPr lang="ko-KR" altLang="en-US" dirty="0" err="1">
-                <a:solidFill>
-                  <a:srgbClr val="000000"/>
-                </a:solidFill>
-              </a:rPr>
-              <a:t>서길재</a:t>
-            </a:r>
-            <a:endParaRPr lang="en-US" altLang="ko-KR" dirty="0">
-              <a:solidFill>
-                <a:srgbClr val="000000"/>
-              </a:solidFill>
-            </a:endParaRPr>
-          </a:p>
-          <a:p>
-            <a:pPr algn="ctr"/>
-            <a:r>
-              <a:rPr lang="en-US" altLang="ko-KR" dirty="0">
-                <a:solidFill>
-                  <a:srgbClr val="000000"/>
-                </a:solidFill>
-              </a:rPr>
-              <a:t>Commit Name - </a:t>
-            </a:r>
-            <a:r>
-              <a:rPr lang="en-US" altLang="ko-KR" dirty="0" err="1">
-                <a:solidFill>
-                  <a:srgbClr val="000000"/>
-                </a:solidFill>
-              </a:rPr>
-              <a:t>SeoGJ</a:t>
-            </a:r>
-            <a:r>
-              <a:rPr lang="en-US" altLang="ko-KR" dirty="0">
-                <a:solidFill>
-                  <a:srgbClr val="000000"/>
-                </a:solidFill>
-              </a:rPr>
-              <a:t> </a:t>
-            </a:r>
-          </a:p>
-        </p:txBody>
-      </p:sp>
-      <p:pic>
-        <p:nvPicPr>
-          <p:cNvPr id="5" name="그림 4" descr="텍스트이(가) 표시된 사진&#10;&#10;자동 생성된 설명">
-            <a:extLst>
-              <a:ext uri="{FF2B5EF4-FFF2-40B4-BE49-F238E27FC236}">
-                <a16:creationId xmlns:a16="http://schemas.microsoft.com/office/drawing/2014/main" id="{E62B7D08-72A0-2090-4877-D8EA2B2CB2BE}"/>
-              </a:ext>
-            </a:extLst>
-          </p:cNvPr>
-          <p:cNvPicPr>
-            <a:picLocks noChangeAspect="1"/>
-          </p:cNvPicPr>
-          <p:nvPr/>
-        </p:nvPicPr>
-        <p:blipFill rotWithShape="1">
-          <a:blip r:embed="rId3">
-            <a:extLst>
-              <a:ext uri="{28A0092B-C50C-407E-A947-70E740481C1C}">
-                <a14:useLocalDpi xmlns:a14="http://schemas.microsoft.com/office/drawing/2010/main" val="0"/>
-              </a:ext>
-            </a:extLst>
-          </a:blip>
-          <a:srcRect r="66842"/>
-          <a:stretch/>
-        </p:blipFill>
-        <p:spPr>
-          <a:xfrm>
-            <a:off x="2910926" y="1763151"/>
-            <a:ext cx="2685241" cy="4700331"/>
-          </a:xfrm>
-          <a:prstGeom prst="rect">
-            <a:avLst/>
-          </a:prstGeom>
-          <a:ln>
-            <a:solidFill>
-              <a:schemeClr val="tx1"/>
-            </a:solidFill>
-          </a:ln>
-        </p:spPr>
-      </p:pic>
-      <p:pic>
-        <p:nvPicPr>
-          <p:cNvPr id="3" name="그림 2" descr="텍스트, 화면, 스크린샷, 서류이(가) 표시된 사진&#10;&#10;자동 생성된 설명">
-            <a:extLst>
-              <a:ext uri="{FF2B5EF4-FFF2-40B4-BE49-F238E27FC236}">
-                <a16:creationId xmlns:a16="http://schemas.microsoft.com/office/drawing/2014/main" id="{BD4FCD9D-5DAA-17C1-5EAB-D77B9040C6D5}"/>
-              </a:ext>
-            </a:extLst>
-          </p:cNvPr>
-          <p:cNvPicPr>
-            <a:picLocks noChangeAspect="1"/>
-          </p:cNvPicPr>
-          <p:nvPr/>
-        </p:nvPicPr>
-        <p:blipFill rotWithShape="1">
-          <a:blip r:embed="rId4">
-            <a:extLst>
-              <a:ext uri="{28A0092B-C50C-407E-A947-70E740481C1C}">
-                <a14:useLocalDpi xmlns:a14="http://schemas.microsoft.com/office/drawing/2010/main" val="0"/>
-              </a:ext>
-            </a:extLst>
-          </a:blip>
-          <a:srcRect r="64966"/>
-          <a:stretch/>
-        </p:blipFill>
-        <p:spPr>
-          <a:xfrm>
-            <a:off x="225685" y="1763152"/>
-            <a:ext cx="2685241" cy="4700330"/>
-          </a:xfrm>
-          <a:prstGeom prst="rect">
-            <a:avLst/>
-          </a:prstGeom>
-          <a:ln>
-            <a:solidFill>
-              <a:schemeClr val="tx1"/>
-            </a:solidFill>
-          </a:ln>
-        </p:spPr>
-      </p:pic>
-      <p:sp>
-        <p:nvSpPr>
-          <p:cNvPr id="18" name="사각형: 둥근 모서리 17">
-            <a:extLst>
-              <a:ext uri="{FF2B5EF4-FFF2-40B4-BE49-F238E27FC236}">
-                <a16:creationId xmlns:a16="http://schemas.microsoft.com/office/drawing/2014/main" id="{7FF2289E-1439-80F8-5417-8F7469742C50}"/>
-              </a:ext>
-            </a:extLst>
-          </p:cNvPr>
-          <p:cNvSpPr/>
-          <p:nvPr/>
-        </p:nvSpPr>
-        <p:spPr>
-          <a:xfrm>
-            <a:off x="8623994" y="1781344"/>
-            <a:ext cx="3093195" cy="4700331"/>
-          </a:xfrm>
-          <a:prstGeom prst="roundRect">
-            <a:avLst>
-              <a:gd name="adj" fmla="val 0"/>
-            </a:avLst>
-          </a:prstGeom>
-          <a:noFill/>
-          <a:ln w="38100">
-            <a:solidFill>
-              <a:srgbClr val="C2DCB1"/>
-            </a:solidFill>
-          </a:ln>
-        </p:spPr>
-        <p:style>
-          <a:lnRef idx="2">
-            <a:schemeClr val="accent1">
-              <a:shade val="50000"/>
-            </a:schemeClr>
-          </a:lnRef>
-          <a:fillRef idx="1">
-            <a:schemeClr val="accent1"/>
-          </a:fillRef>
-          <a:effectRef idx="0">
-            <a:schemeClr val="accent1"/>
-          </a:effectRef>
-          <a:fontRef idx="minor">
-            <a:schemeClr val="lt1"/>
-          </a:fontRef>
-        </p:style>
-        <p:txBody>
-          <a:bodyPr rtlCol="0" anchor="ctr"/>
-          <a:lstStyle/>
-          <a:p>
-            <a:endParaRPr lang="en-US" altLang="ko-KR" sz="1300" dirty="0">
-              <a:solidFill>
-                <a:srgbClr val="000000"/>
-              </a:solidFill>
-            </a:endParaRPr>
-          </a:p>
-          <a:p>
-            <a:r>
-              <a:rPr lang="en-US" altLang="ko-KR" sz="1300" dirty="0">
-                <a:solidFill>
-                  <a:srgbClr val="000000"/>
-                </a:solidFill>
-              </a:rPr>
-              <a:t>1</a:t>
-            </a:r>
-            <a:r>
-              <a:rPr lang="ko-KR" altLang="en-US" sz="1300" dirty="0">
-                <a:solidFill>
-                  <a:srgbClr val="000000"/>
-                </a:solidFill>
-              </a:rPr>
-              <a:t>주차</a:t>
-            </a:r>
-            <a:endParaRPr lang="en-US" altLang="ko-KR" sz="1300" dirty="0">
-              <a:solidFill>
-                <a:srgbClr val="000000"/>
-              </a:solidFill>
-            </a:endParaRPr>
-          </a:p>
-          <a:p>
-            <a:pPr marL="285750" indent="-285750">
-              <a:buFont typeface="Arial" panose="020B0604020202020204" pitchFamily="34" charset="0"/>
-              <a:buChar char="•"/>
-            </a:pPr>
-            <a:r>
-              <a:rPr lang="en-US" altLang="ko-KR" sz="1300" dirty="0">
-                <a:solidFill>
-                  <a:srgbClr val="000000"/>
-                </a:solidFill>
-              </a:rPr>
-              <a:t>Tik-</a:t>
-            </a:r>
-            <a:r>
-              <a:rPr lang="en-US" altLang="ko-KR" sz="1300" dirty="0" err="1">
-                <a:solidFill>
-                  <a:srgbClr val="000000"/>
-                </a:solidFill>
-              </a:rPr>
-              <a:t>Tak</a:t>
-            </a:r>
-            <a:r>
-              <a:rPr lang="en-US" altLang="ko-KR" sz="1300" dirty="0">
-                <a:solidFill>
-                  <a:srgbClr val="000000"/>
-                </a:solidFill>
-              </a:rPr>
-              <a:t>-Toe </a:t>
-            </a:r>
-            <a:r>
-              <a:rPr lang="ko-KR" altLang="en-US" sz="1300" dirty="0">
-                <a:solidFill>
-                  <a:srgbClr val="000000"/>
-                </a:solidFill>
-              </a:rPr>
-              <a:t>제작 </a:t>
-            </a:r>
-            <a:endParaRPr lang="en-US" altLang="ko-KR" sz="1300" dirty="0">
-              <a:solidFill>
-                <a:srgbClr val="000000"/>
-              </a:solidFill>
-            </a:endParaRPr>
-          </a:p>
-          <a:p>
-            <a:pPr marL="285750" indent="-285750">
-              <a:buFont typeface="Arial" panose="020B0604020202020204" pitchFamily="34" charset="0"/>
-              <a:buChar char="•"/>
-            </a:pPr>
-            <a:r>
-              <a:rPr lang="en-US" altLang="ko-KR" sz="1300" dirty="0">
-                <a:solidFill>
-                  <a:srgbClr val="000000"/>
-                </a:solidFill>
-              </a:rPr>
-              <a:t>UI</a:t>
-            </a:r>
-            <a:r>
-              <a:rPr lang="ko-KR" altLang="en-US" sz="1300" dirty="0">
-                <a:solidFill>
-                  <a:srgbClr val="000000"/>
-                </a:solidFill>
-              </a:rPr>
-              <a:t>구도 잡기</a:t>
-            </a:r>
-            <a:endParaRPr lang="en-US" altLang="ko-KR" sz="1300" dirty="0">
-              <a:solidFill>
-                <a:srgbClr val="000000"/>
-              </a:solidFill>
-            </a:endParaRPr>
-          </a:p>
-          <a:p>
-            <a:endParaRPr lang="en-US" altLang="ko-KR" sz="1300" dirty="0">
-              <a:solidFill>
-                <a:srgbClr val="000000"/>
-              </a:solidFill>
-            </a:endParaRPr>
-          </a:p>
-          <a:p>
-            <a:r>
-              <a:rPr lang="en-US" altLang="ko-KR" sz="1300" dirty="0">
-                <a:solidFill>
-                  <a:srgbClr val="000000"/>
-                </a:solidFill>
-              </a:rPr>
-              <a:t>2</a:t>
-            </a:r>
-            <a:r>
-              <a:rPr lang="ko-KR" altLang="en-US" sz="1300" dirty="0">
-                <a:solidFill>
-                  <a:srgbClr val="000000"/>
-                </a:solidFill>
-              </a:rPr>
-              <a:t>주차</a:t>
-            </a:r>
-            <a:endParaRPr lang="en-US" altLang="ko-KR" sz="1300" dirty="0">
-              <a:solidFill>
-                <a:srgbClr val="000000"/>
-              </a:solidFill>
-            </a:endParaRPr>
-          </a:p>
-          <a:p>
-            <a:pPr marL="285750" indent="-285750">
-              <a:buFont typeface="Arial" panose="020B0604020202020204" pitchFamily="34" charset="0"/>
-              <a:buChar char="•"/>
-            </a:pPr>
-            <a:r>
-              <a:rPr lang="ko-KR" altLang="en-US" sz="1300" dirty="0">
-                <a:solidFill>
-                  <a:srgbClr val="000000"/>
-                </a:solidFill>
-              </a:rPr>
-              <a:t>기획 발표자료 </a:t>
-            </a:r>
-            <a:r>
-              <a:rPr lang="en-US" altLang="ko-KR" sz="1300" dirty="0">
-                <a:solidFill>
-                  <a:srgbClr val="000000"/>
-                </a:solidFill>
-              </a:rPr>
-              <a:t>Commit</a:t>
-            </a:r>
-          </a:p>
-          <a:p>
-            <a:pPr marL="285750" indent="-285750">
-              <a:buFont typeface="Arial" panose="020B0604020202020204" pitchFamily="34" charset="0"/>
-              <a:buChar char="•"/>
-            </a:pPr>
-            <a:endParaRPr lang="en-US" altLang="ko-KR" sz="1300" dirty="0">
-              <a:solidFill>
-                <a:srgbClr val="000000"/>
-              </a:solidFill>
-            </a:endParaRPr>
-          </a:p>
-          <a:p>
-            <a:r>
-              <a:rPr lang="en-US" altLang="ko-KR" sz="1300" dirty="0">
-                <a:solidFill>
-                  <a:srgbClr val="000000"/>
-                </a:solidFill>
-              </a:rPr>
-              <a:t>3</a:t>
-            </a:r>
-            <a:r>
-              <a:rPr lang="ko-KR" altLang="en-US" sz="1300" dirty="0">
-                <a:solidFill>
-                  <a:srgbClr val="000000"/>
-                </a:solidFill>
-              </a:rPr>
-              <a:t>주차</a:t>
-            </a:r>
-            <a:endParaRPr lang="en-US" altLang="ko-KR" sz="1300" dirty="0">
-              <a:solidFill>
-                <a:srgbClr val="000000"/>
-              </a:solidFill>
-            </a:endParaRPr>
-          </a:p>
-          <a:p>
-            <a:pPr marL="285750" indent="-285750">
-              <a:buFont typeface="Arial" panose="020B0604020202020204" pitchFamily="34" charset="0"/>
-              <a:buChar char="•"/>
-            </a:pPr>
-            <a:r>
-              <a:rPr lang="en-US" altLang="ko-KR" sz="1300" dirty="0">
-                <a:solidFill>
-                  <a:srgbClr val="000000"/>
-                </a:solidFill>
-              </a:rPr>
-              <a:t>Hangman </a:t>
-            </a:r>
-            <a:r>
-              <a:rPr lang="ko-KR" altLang="en-US" sz="1300" dirty="0">
-                <a:solidFill>
-                  <a:srgbClr val="000000"/>
-                </a:solidFill>
-              </a:rPr>
-              <a:t>게임 업로드</a:t>
-            </a:r>
-            <a:endParaRPr lang="en-US" altLang="ko-KR" sz="1300" dirty="0">
-              <a:solidFill>
-                <a:srgbClr val="000000"/>
-              </a:solidFill>
-            </a:endParaRPr>
-          </a:p>
-          <a:p>
-            <a:pPr marL="285750" indent="-285750">
-              <a:buFont typeface="Arial" panose="020B0604020202020204" pitchFamily="34" charset="0"/>
-              <a:buChar char="•"/>
-            </a:pPr>
-            <a:r>
-              <a:rPr lang="en-US" altLang="ko-KR" sz="1300" dirty="0">
-                <a:solidFill>
-                  <a:srgbClr val="000000"/>
-                </a:solidFill>
-              </a:rPr>
-              <a:t>GUI</a:t>
-            </a:r>
-            <a:r>
-              <a:rPr lang="ko-KR" altLang="en-US" sz="1300" dirty="0">
-                <a:solidFill>
-                  <a:srgbClr val="000000"/>
-                </a:solidFill>
-              </a:rPr>
-              <a:t>제작</a:t>
-            </a:r>
-            <a:r>
-              <a:rPr lang="en-US" altLang="ko-KR" sz="1300" dirty="0">
-                <a:solidFill>
-                  <a:srgbClr val="000000"/>
-                </a:solidFill>
-              </a:rPr>
-              <a:t> </a:t>
-            </a:r>
-            <a:r>
-              <a:rPr lang="ko-KR" altLang="en-US" sz="1300" dirty="0">
-                <a:solidFill>
-                  <a:srgbClr val="000000"/>
-                </a:solidFill>
-              </a:rPr>
-              <a:t>및 검색기능 구현</a:t>
-            </a:r>
-            <a:endParaRPr lang="en-US" altLang="ko-KR" sz="1300" dirty="0">
-              <a:solidFill>
-                <a:srgbClr val="000000"/>
-              </a:solidFill>
-            </a:endParaRPr>
-          </a:p>
-          <a:p>
-            <a:pPr marL="285750" indent="-285750">
-              <a:buFont typeface="Arial" panose="020B0604020202020204" pitchFamily="34" charset="0"/>
-              <a:buChar char="•"/>
-            </a:pPr>
-            <a:r>
-              <a:rPr lang="en-US" altLang="ko-KR" sz="1300" dirty="0" err="1">
-                <a:solidFill>
-                  <a:srgbClr val="000000"/>
-                </a:solidFill>
-              </a:rPr>
-              <a:t>OpenApi</a:t>
-            </a:r>
-            <a:r>
-              <a:rPr lang="ko-KR" altLang="en-US" sz="1300" dirty="0">
-                <a:solidFill>
-                  <a:srgbClr val="000000"/>
-                </a:solidFill>
-              </a:rPr>
-              <a:t>를 이용하여 데이터 호출</a:t>
-            </a:r>
-            <a:endParaRPr lang="en-US" altLang="ko-KR" sz="1300" dirty="0">
-              <a:solidFill>
-                <a:srgbClr val="000000"/>
-              </a:solidFill>
-            </a:endParaRPr>
-          </a:p>
-          <a:p>
-            <a:pPr marL="285750" indent="-285750">
-              <a:buFont typeface="Arial" panose="020B0604020202020204" pitchFamily="34" charset="0"/>
-              <a:buChar char="•"/>
-            </a:pPr>
-            <a:endParaRPr lang="en-US" altLang="ko-KR" sz="1300" dirty="0">
-              <a:solidFill>
-                <a:srgbClr val="000000"/>
-              </a:solidFill>
-            </a:endParaRPr>
-          </a:p>
-          <a:p>
-            <a:r>
-              <a:rPr lang="en-US" altLang="ko-KR" sz="1300" dirty="0">
-                <a:solidFill>
-                  <a:srgbClr val="000000"/>
-                </a:solidFill>
-              </a:rPr>
-              <a:t>4</a:t>
-            </a:r>
-            <a:r>
-              <a:rPr lang="ko-KR" altLang="en-US" sz="1300" dirty="0">
-                <a:solidFill>
-                  <a:srgbClr val="000000"/>
-                </a:solidFill>
-              </a:rPr>
-              <a:t>주차</a:t>
-            </a:r>
-            <a:endParaRPr lang="en-US" altLang="ko-KR" sz="1300" dirty="0">
-              <a:solidFill>
-                <a:srgbClr val="000000"/>
-              </a:solidFill>
-            </a:endParaRPr>
-          </a:p>
-          <a:p>
-            <a:pPr marL="285750" indent="-285750">
-              <a:buFont typeface="Arial" panose="020B0604020202020204" pitchFamily="34" charset="0"/>
-              <a:buChar char="•"/>
-            </a:pPr>
-            <a:r>
-              <a:rPr lang="ko-KR" altLang="en-US" sz="1300" dirty="0">
-                <a:solidFill>
-                  <a:srgbClr val="000000"/>
-                </a:solidFill>
-              </a:rPr>
-              <a:t>데이터 호출 기능 변경</a:t>
-            </a:r>
-            <a:endParaRPr lang="en-US" altLang="ko-KR" sz="1300" dirty="0">
-              <a:solidFill>
-                <a:srgbClr val="000000"/>
-              </a:solidFill>
-            </a:endParaRPr>
-          </a:p>
-          <a:p>
-            <a:pPr marL="285750" indent="-285750">
-              <a:buFont typeface="Arial" panose="020B0604020202020204" pitchFamily="34" charset="0"/>
-              <a:buChar char="•"/>
-            </a:pPr>
-            <a:r>
-              <a:rPr lang="ko-KR" altLang="en-US" sz="1300" dirty="0">
-                <a:solidFill>
-                  <a:srgbClr val="000000"/>
-                </a:solidFill>
-              </a:rPr>
-              <a:t>검색 기능 변경</a:t>
-            </a:r>
-            <a:endParaRPr lang="en-US" altLang="ko-KR" sz="1300" dirty="0">
-              <a:solidFill>
-                <a:srgbClr val="000000"/>
-              </a:solidFill>
-            </a:endParaRPr>
-          </a:p>
-          <a:p>
-            <a:pPr marL="285750" indent="-285750">
-              <a:buFont typeface="Arial" panose="020B0604020202020204" pitchFamily="34" charset="0"/>
-              <a:buChar char="•"/>
-            </a:pPr>
-            <a:endParaRPr lang="en-US" altLang="ko-KR" sz="1300" dirty="0">
-              <a:solidFill>
-                <a:srgbClr val="000000"/>
-              </a:solidFill>
-            </a:endParaRPr>
-          </a:p>
-          <a:p>
-            <a:r>
-              <a:rPr lang="en-US" altLang="ko-KR" sz="1300" dirty="0">
-                <a:solidFill>
-                  <a:srgbClr val="000000"/>
-                </a:solidFill>
-              </a:rPr>
-              <a:t>5</a:t>
-            </a:r>
-            <a:r>
-              <a:rPr lang="ko-KR" altLang="en-US" sz="1300" dirty="0">
-                <a:solidFill>
-                  <a:srgbClr val="000000"/>
-                </a:solidFill>
-              </a:rPr>
-              <a:t>주차</a:t>
-            </a:r>
-            <a:endParaRPr lang="en-US" altLang="ko-KR" sz="1300" dirty="0">
-              <a:solidFill>
-                <a:srgbClr val="000000"/>
-              </a:solidFill>
-            </a:endParaRPr>
-          </a:p>
-          <a:p>
-            <a:pPr marL="285750" indent="-285750">
-              <a:buFont typeface="Arial" panose="020B0604020202020204" pitchFamily="34" charset="0"/>
-              <a:buChar char="•"/>
-            </a:pPr>
-            <a:r>
-              <a:rPr lang="en-US" altLang="ko-KR" sz="1300" dirty="0">
-                <a:solidFill>
-                  <a:srgbClr val="000000"/>
-                </a:solidFill>
-              </a:rPr>
-              <a:t>Yahtzee </a:t>
-            </a:r>
-            <a:r>
-              <a:rPr lang="ko-KR" altLang="en-US" sz="1300" dirty="0">
-                <a:solidFill>
-                  <a:srgbClr val="000000"/>
-                </a:solidFill>
-              </a:rPr>
-              <a:t>게임 제작</a:t>
-            </a:r>
-            <a:endParaRPr lang="en-US" altLang="ko-KR" sz="1300" dirty="0">
-              <a:solidFill>
-                <a:srgbClr val="000000"/>
-              </a:solidFill>
-            </a:endParaRPr>
-          </a:p>
-          <a:p>
-            <a:pPr marL="285750" indent="-285750">
-              <a:buFont typeface="Arial" panose="020B0604020202020204" pitchFamily="34" charset="0"/>
-              <a:buChar char="•"/>
-            </a:pPr>
-            <a:endParaRPr lang="en-US" altLang="ko-KR" sz="1300" dirty="0">
-              <a:solidFill>
-                <a:srgbClr val="000000"/>
-              </a:solidFill>
-            </a:endParaRPr>
-          </a:p>
-          <a:p>
-            <a:r>
-              <a:rPr lang="en-US" altLang="ko-KR" sz="1300" dirty="0">
-                <a:solidFill>
-                  <a:srgbClr val="000000"/>
-                </a:solidFill>
-              </a:rPr>
-              <a:t>6</a:t>
-            </a:r>
-            <a:r>
-              <a:rPr lang="ko-KR" altLang="en-US" sz="1300" dirty="0">
-                <a:solidFill>
-                  <a:srgbClr val="000000"/>
-                </a:solidFill>
-              </a:rPr>
-              <a:t>주차</a:t>
-            </a:r>
-            <a:endParaRPr lang="en-US" altLang="ko-KR" sz="1300" dirty="0">
-              <a:solidFill>
-                <a:srgbClr val="000000"/>
-              </a:solidFill>
-            </a:endParaRPr>
-          </a:p>
-          <a:p>
-            <a:pPr marL="285750" indent="-285750">
-              <a:buFont typeface="Arial" panose="020B0604020202020204" pitchFamily="34" charset="0"/>
-              <a:buChar char="•"/>
-            </a:pPr>
-            <a:r>
-              <a:rPr lang="en-US" altLang="ko-KR" sz="1300" dirty="0">
-                <a:solidFill>
-                  <a:srgbClr val="000000"/>
-                </a:solidFill>
-              </a:rPr>
-              <a:t>Telegram Bot </a:t>
-            </a:r>
-            <a:r>
-              <a:rPr lang="ko-KR" altLang="en-US" sz="1300" dirty="0">
-                <a:solidFill>
-                  <a:srgbClr val="000000"/>
-                </a:solidFill>
-              </a:rPr>
-              <a:t>연동</a:t>
-            </a:r>
-            <a:endParaRPr lang="en-US" altLang="ko-KR" sz="1300" dirty="0">
-              <a:solidFill>
-                <a:srgbClr val="000000"/>
-              </a:solidFill>
-            </a:endParaRPr>
-          </a:p>
-          <a:p>
-            <a:endParaRPr lang="en-US" altLang="ko-KR" dirty="0">
-              <a:solidFill>
-                <a:srgbClr val="000000"/>
-              </a:solidFill>
-            </a:endParaRPr>
-          </a:p>
-        </p:txBody>
-      </p:sp>
-      <p:sp>
-        <p:nvSpPr>
-          <p:cNvPr id="19" name="사각형: 둥근 모서리 18">
-            <a:extLst>
-              <a:ext uri="{FF2B5EF4-FFF2-40B4-BE49-F238E27FC236}">
-                <a16:creationId xmlns:a16="http://schemas.microsoft.com/office/drawing/2014/main" id="{609D2A5B-9C80-E07E-B06F-81DB6F2DB0A0}"/>
-              </a:ext>
-            </a:extLst>
-          </p:cNvPr>
-          <p:cNvSpPr/>
-          <p:nvPr/>
-        </p:nvSpPr>
-        <p:spPr>
-          <a:xfrm>
-            <a:off x="8623994" y="1098035"/>
-            <a:ext cx="3093195" cy="674209"/>
-          </a:xfrm>
-          <a:prstGeom prst="roundRect">
-            <a:avLst>
-              <a:gd name="adj" fmla="val 0"/>
-            </a:avLst>
-          </a:prstGeom>
-          <a:noFill/>
-          <a:ln w="38100">
-            <a:solidFill>
-              <a:srgbClr val="C2DCB1"/>
-            </a:solidFill>
-          </a:ln>
-        </p:spPr>
-        <p:style>
-          <a:lnRef idx="2">
-            <a:schemeClr val="accent1">
-              <a:shade val="50000"/>
-            </a:schemeClr>
-          </a:lnRef>
-          <a:fillRef idx="1">
-            <a:schemeClr val="accent1"/>
-          </a:fillRef>
-          <a:effectRef idx="0">
-            <a:schemeClr val="accent1"/>
-          </a:effectRef>
-          <a:fontRef idx="minor">
-            <a:schemeClr val="lt1"/>
-          </a:fontRef>
-        </p:style>
-        <p:txBody>
-          <a:bodyPr rtlCol="0" anchor="ctr"/>
-          <a:lstStyle/>
-          <a:p>
-            <a:pPr algn="ctr"/>
-            <a:r>
-              <a:rPr lang="en-US" altLang="ko-KR" dirty="0">
-                <a:solidFill>
-                  <a:srgbClr val="000000"/>
-                </a:solidFill>
-              </a:rPr>
-              <a:t>2018184036 </a:t>
-            </a:r>
-            <a:r>
-              <a:rPr lang="ko-KR" altLang="en-US" dirty="0">
-                <a:solidFill>
-                  <a:srgbClr val="000000"/>
-                </a:solidFill>
-              </a:rPr>
-              <a:t>최재준</a:t>
-            </a:r>
-            <a:endParaRPr lang="en-US" altLang="ko-KR" dirty="0">
-              <a:solidFill>
-                <a:srgbClr val="000000"/>
-              </a:solidFill>
-            </a:endParaRPr>
-          </a:p>
-          <a:p>
-            <a:pPr algn="ctr"/>
-            <a:r>
-              <a:rPr lang="en-US" altLang="ko-KR" dirty="0">
-                <a:solidFill>
-                  <a:srgbClr val="000000"/>
-                </a:solidFill>
-              </a:rPr>
-              <a:t>Commit Name - </a:t>
-            </a:r>
-            <a:r>
-              <a:rPr lang="en-US" altLang="ko-KR" dirty="0" err="1">
-                <a:solidFill>
-                  <a:srgbClr val="000000"/>
-                </a:solidFill>
-              </a:rPr>
-              <a:t>OmarChoi</a:t>
-            </a:r>
-            <a:r>
-              <a:rPr lang="en-US" altLang="ko-KR" dirty="0">
-                <a:solidFill>
-                  <a:srgbClr val="000000"/>
-                </a:solidFill>
-              </a:rPr>
-              <a:t> </a:t>
-            </a:r>
-          </a:p>
-        </p:txBody>
-      </p:sp>
-      <p:sp>
-        <p:nvSpPr>
-          <p:cNvPr id="7" name="슬라이드 번호 개체 틀 6">
-            <a:extLst>
-              <a:ext uri="{FF2B5EF4-FFF2-40B4-BE49-F238E27FC236}">
-                <a16:creationId xmlns:a16="http://schemas.microsoft.com/office/drawing/2014/main" id="{46F66DAF-F935-2C02-CAB2-3800244C2017}"/>
-              </a:ext>
-            </a:extLst>
-          </p:cNvPr>
-          <p:cNvSpPr>
-            <a:spLocks noGrp="1"/>
-          </p:cNvSpPr>
-          <p:nvPr>
-            <p:ph type="sldNum" sz="quarter" idx="12"/>
-          </p:nvPr>
-        </p:nvSpPr>
-        <p:spPr/>
-        <p:txBody>
-          <a:bodyPr/>
-          <a:lstStyle/>
-          <a:p>
-            <a:fld id="{27FBB162-8746-42C9-BFFF-D75069B6786A}" type="slidenum">
-              <a:rPr lang="ko-KR" altLang="en-US" smtClean="0"/>
-              <a:pPr/>
-              <a:t>8</a:t>
-            </a:fld>
-            <a:r>
-              <a:rPr lang="ko-KR" altLang="en-US" dirty="0"/>
-              <a:t> </a:t>
-            </a:r>
-            <a:r>
-              <a:rPr lang="en-US" altLang="ko-KR" dirty="0"/>
-              <a:t>/ 11</a:t>
-            </a:r>
-            <a:endParaRPr lang="ko-KR" altLang="en-US" dirty="0"/>
-          </a:p>
-        </p:txBody>
-      </p:sp>
-    </p:spTree>
-    <p:extLst>
-      <p:ext uri="{BB962C8B-B14F-4D97-AF65-F5344CB8AC3E}">
-        <p14:creationId xmlns:p14="http://schemas.microsoft.com/office/powerpoint/2010/main" val="2173037920"/>
-      </p:ext>
-    </p:extLst>
-  </p:cSld>
-  <p:clrMapOvr>
-    <a:masterClrMapping/>
-  </p:clrMapOvr>
-</p:sld>
-</file>
-
-<file path=ppt/slides/slide9.xml><?xml version="1.0" encoding="utf-8"?>
-<p:sld xmlns:a="http://schemas.openxmlformats.org/drawingml/2006/main" xmlns:r="http://schemas.openxmlformats.org/officeDocument/2006/relationships" xmlns:p="http://schemas.openxmlformats.org/presentationml/2006/main">
-  <p:cSld>
-    <p:bg>
-      <p:bgPr>
-        <a:solidFill>
-          <a:srgbClr val="FFFBE8"/>
-        </a:solidFill>
-        <a:effectLst/>
-      </p:bgPr>
-    </p:bg>
-    <p:spTree>
-      <p:nvGrpSpPr>
-        <p:cNvPr id="1" name=""/>
-        <p:cNvGrpSpPr/>
-        <p:nvPr/>
-      </p:nvGrpSpPr>
-      <p:grpSpPr>
-        <a:xfrm>
-          <a:off x="0" y="0"/>
-          <a:ext cx="0" cy="0"/>
-          <a:chOff x="0" y="0"/>
-          <a:chExt cx="0" cy="0"/>
-        </a:xfrm>
-      </p:grpSpPr>
-      <p:sp>
-        <p:nvSpPr>
-          <p:cNvPr id="2" name="슬라이드 번호 개체 틀 1">
-            <a:extLst>
-              <a:ext uri="{FF2B5EF4-FFF2-40B4-BE49-F238E27FC236}">
-                <a16:creationId xmlns:a16="http://schemas.microsoft.com/office/drawing/2014/main" id="{2D209849-35AF-CBA2-8CCB-4D8ABE3A7FDC}"/>
-              </a:ext>
-            </a:extLst>
-          </p:cNvPr>
-          <p:cNvSpPr>
-            <a:spLocks noGrp="1"/>
-          </p:cNvSpPr>
-          <p:nvPr>
-            <p:ph type="sldNum" sz="quarter" idx="12"/>
-          </p:nvPr>
-        </p:nvSpPr>
-        <p:spPr/>
-        <p:txBody>
-          <a:bodyPr/>
-          <a:lstStyle/>
-          <a:p>
-            <a:fld id="{27FBB162-8746-42C9-BFFF-D75069B6786A}" type="slidenum">
-              <a:rPr lang="ko-KR" altLang="en-US" smtClean="0"/>
-              <a:pPr/>
-              <a:t>9</a:t>
-            </a:fld>
-            <a:r>
-              <a:rPr lang="ko-KR" altLang="en-US" dirty="0"/>
-              <a:t> </a:t>
-            </a:r>
-            <a:r>
-              <a:rPr lang="en-US" altLang="ko-KR" dirty="0"/>
-              <a:t>/ 11</a:t>
-            </a:r>
-            <a:endParaRPr lang="ko-KR" altLang="en-US" dirty="0"/>
-          </a:p>
-        </p:txBody>
-      </p:sp>
-      <p:sp>
-        <p:nvSpPr>
-          <p:cNvPr id="4" name="사각형: 둥근 모서리 5">
-            <a:extLst>
-              <a:ext uri="{FF2B5EF4-FFF2-40B4-BE49-F238E27FC236}">
-                <a16:creationId xmlns:a16="http://schemas.microsoft.com/office/drawing/2014/main" id="{D5740F8C-A917-37FE-C8E9-74B7AEE07357}"/>
-              </a:ext>
-            </a:extLst>
-          </p:cNvPr>
-          <p:cNvSpPr/>
-          <p:nvPr/>
-        </p:nvSpPr>
-        <p:spPr>
-          <a:xfrm>
-            <a:off x="2691435" y="2152064"/>
-            <a:ext cx="6809130" cy="2553872"/>
-          </a:xfrm>
-          <a:prstGeom prst="roundRect">
-            <a:avLst/>
-          </a:prstGeom>
-          <a:noFill/>
-          <a:ln w="57150">
-            <a:solidFill>
-              <a:srgbClr val="8CD3D5"/>
-            </a:solidFill>
-          </a:ln>
-        </p:spPr>
-        <p:style>
-          <a:lnRef idx="2">
-            <a:schemeClr val="accent1">
-              <a:shade val="50000"/>
-            </a:schemeClr>
-          </a:lnRef>
-          <a:fillRef idx="1">
-            <a:schemeClr val="accent1"/>
-          </a:fillRef>
-          <a:effectRef idx="0">
-            <a:schemeClr val="accent1"/>
-          </a:effectRef>
-          <a:fontRef idx="minor">
-            <a:schemeClr val="lt1"/>
-          </a:fontRef>
-        </p:style>
-        <p:txBody>
-          <a:bodyPr rtlCol="0" anchor="ctr"/>
-          <a:lstStyle/>
-          <a:p>
-            <a:pPr algn="ctr"/>
-            <a:r>
-              <a:rPr lang="ko-KR" altLang="en-US" sz="5800" dirty="0">
-                <a:solidFill>
-                  <a:srgbClr val="000000"/>
-                </a:solidFill>
-              </a:rPr>
-              <a:t>프로그램 시현</a:t>
-            </a:r>
-            <a:endParaRPr lang="en-US" altLang="ko-KR" sz="5800" dirty="0">
-              <a:solidFill>
-                <a:srgbClr val="000000"/>
-              </a:solidFill>
-            </a:endParaRPr>
-          </a:p>
-        </p:txBody>
-      </p:sp>
-    </p:spTree>
-    <p:extLst>
-      <p:ext uri="{BB962C8B-B14F-4D97-AF65-F5344CB8AC3E}">
-        <p14:creationId xmlns:p14="http://schemas.microsoft.com/office/powerpoint/2010/main" val="2694400918"/>
       </p:ext>
     </p:extLst>
   </p:cSld>
